--- a/Documentação/Consulta/Utilidades.pptx
+++ b/Documentação/Consulta/Utilidades.pptx
@@ -7,12 +7,13 @@
   <p:sldIdLst>
     <p:sldId id="256" r:id="rId2"/>
     <p:sldId id="258" r:id="rId3"/>
-    <p:sldId id="259" r:id="rId4"/>
-    <p:sldId id="260" r:id="rId5"/>
-    <p:sldId id="261" r:id="rId6"/>
-    <p:sldId id="262" r:id="rId7"/>
-    <p:sldId id="263" r:id="rId8"/>
-    <p:sldId id="264" r:id="rId9"/>
+    <p:sldId id="265" r:id="rId4"/>
+    <p:sldId id="259" r:id="rId5"/>
+    <p:sldId id="260" r:id="rId6"/>
+    <p:sldId id="261" r:id="rId7"/>
+    <p:sldId id="262" r:id="rId8"/>
+    <p:sldId id="263" r:id="rId9"/>
+    <p:sldId id="264" r:id="rId10"/>
   </p:sldIdLst>
   <p:sldSz cx="12192000" cy="6858000"/>
   <p:notesSz cx="6858000" cy="9144000"/>
@@ -1622,170 +1623,364 @@
 </file>
 
 <file path=ppt/diagrams/colors3.xml><?xml version="1.0" encoding="utf-8"?>
-<dgm:colorsDef xmlns:dgm="http://schemas.openxmlformats.org/drawingml/2006/diagram" xmlns:a="http://schemas.openxmlformats.org/drawingml/2006/main" uniqueId="urn:microsoft.com/office/officeart/2005/8/colors/accent0_3">
+<dgm:colorsDef xmlns:dgm="http://schemas.openxmlformats.org/drawingml/2006/diagram" xmlns:a="http://schemas.openxmlformats.org/drawingml/2006/main" uniqueId="urn:microsoft.com/office/officeart/2005/8/colors/accent0_1">
   <dgm:title val=""/>
   <dgm:desc val=""/>
   <dgm:catLst>
-    <dgm:cat type="mainScheme" pri="10300"/>
+    <dgm:cat type="mainScheme" pri="10100"/>
   </dgm:catLst>
   <dgm:styleLbl name="node0">
     <dgm:fillClrLst meth="repeat">
-      <a:schemeClr val="dk2"/>
+      <a:schemeClr val="lt1"/>
     </dgm:fillClrLst>
     <dgm:linClrLst meth="repeat">
-      <a:schemeClr val="lt2"/>
-    </dgm:linClrLst>
-    <dgm:effectClrLst/>
-    <dgm:txLinClrLst/>
-    <dgm:txFillClrLst/>
-    <dgm:txEffectClrLst/>
-  </dgm:styleLbl>
-  <dgm:styleLbl name="alignNode1">
-    <dgm:fillClrLst meth="repeat">
-      <a:schemeClr val="dk2"/>
-    </dgm:fillClrLst>
-    <dgm:linClrLst meth="repeat">
-      <a:schemeClr val="dk2"/>
-    </dgm:linClrLst>
-    <dgm:effectClrLst/>
-    <dgm:txLinClrLst/>
-    <dgm:txFillClrLst/>
-    <dgm:txEffectClrLst/>
-  </dgm:styleLbl>
-  <dgm:styleLbl name="node1">
-    <dgm:fillClrLst meth="repeat">
-      <a:schemeClr val="dk2"/>
-    </dgm:fillClrLst>
-    <dgm:linClrLst meth="repeat">
-      <a:schemeClr val="lt2"/>
-    </dgm:linClrLst>
-    <dgm:effectClrLst/>
-    <dgm:txLinClrLst/>
-    <dgm:txFillClrLst/>
-    <dgm:txEffectClrLst/>
-  </dgm:styleLbl>
-  <dgm:styleLbl name="lnNode1">
-    <dgm:fillClrLst meth="repeat">
-      <a:schemeClr val="dk2"/>
-    </dgm:fillClrLst>
-    <dgm:linClrLst meth="repeat">
-      <a:schemeClr val="lt2"/>
-    </dgm:linClrLst>
-    <dgm:effectClrLst/>
-    <dgm:txLinClrLst/>
-    <dgm:txFillClrLst/>
-    <dgm:txEffectClrLst/>
-  </dgm:styleLbl>
-  <dgm:styleLbl name="vennNode1">
-    <dgm:fillClrLst meth="repeat">
-      <a:schemeClr val="dk2">
-        <a:alpha val="50000"/>
-      </a:schemeClr>
-    </dgm:fillClrLst>
-    <dgm:linClrLst meth="repeat">
-      <a:schemeClr val="lt2"/>
-    </dgm:linClrLst>
-    <dgm:effectClrLst/>
-    <dgm:txLinClrLst/>
-    <dgm:txFillClrLst/>
-    <dgm:txEffectClrLst/>
-  </dgm:styleLbl>
-  <dgm:styleLbl name="node2">
-    <dgm:fillClrLst meth="repeat">
-      <a:schemeClr val="dk2"/>
-    </dgm:fillClrLst>
-    <dgm:linClrLst meth="repeat">
-      <a:schemeClr val="lt2"/>
-    </dgm:linClrLst>
-    <dgm:effectClrLst/>
-    <dgm:txLinClrLst/>
-    <dgm:txFillClrLst/>
-    <dgm:txEffectClrLst/>
-  </dgm:styleLbl>
-  <dgm:styleLbl name="node3">
-    <dgm:fillClrLst meth="repeat">
-      <a:schemeClr val="dk2"/>
-    </dgm:fillClrLst>
-    <dgm:linClrLst meth="repeat">
-      <a:schemeClr val="lt2"/>
-    </dgm:linClrLst>
-    <dgm:effectClrLst/>
-    <dgm:txLinClrLst/>
-    <dgm:txFillClrLst/>
-    <dgm:txEffectClrLst/>
-  </dgm:styleLbl>
-  <dgm:styleLbl name="node4">
-    <dgm:fillClrLst meth="repeat">
-      <a:schemeClr val="dk2"/>
-    </dgm:fillClrLst>
-    <dgm:linClrLst meth="repeat">
-      <a:schemeClr val="lt2"/>
-    </dgm:linClrLst>
-    <dgm:effectClrLst/>
-    <dgm:txLinClrLst/>
-    <dgm:txFillClrLst/>
-    <dgm:txEffectClrLst/>
-  </dgm:styleLbl>
-  <dgm:styleLbl name="fgImgPlace1">
-    <dgm:fillClrLst meth="repeat">
-      <a:schemeClr val="dk2">
-        <a:tint val="50000"/>
-      </a:schemeClr>
-    </dgm:fillClrLst>
-    <dgm:linClrLst meth="repeat">
-      <a:schemeClr val="lt2"/>
-    </dgm:linClrLst>
-    <dgm:effectClrLst/>
-    <dgm:txLinClrLst/>
-    <dgm:txFillClrLst meth="repeat">
-      <a:schemeClr val="lt2"/>
-    </dgm:txFillClrLst>
-    <dgm:txEffectClrLst/>
-  </dgm:styleLbl>
-  <dgm:styleLbl name="alignImgPlace1">
-    <dgm:fillClrLst meth="repeat">
-      <a:schemeClr val="dk2">
-        <a:tint val="50000"/>
-      </a:schemeClr>
-    </dgm:fillClrLst>
-    <dgm:linClrLst meth="repeat">
-      <a:schemeClr val="dk2">
+      <a:schemeClr val="dk1">
         <a:shade val="80000"/>
       </a:schemeClr>
     </dgm:linClrLst>
     <dgm:effectClrLst/>
     <dgm:txLinClrLst/>
     <dgm:txFillClrLst meth="repeat">
-      <a:schemeClr val="lt2"/>
+      <a:schemeClr val="dk1"/>
     </dgm:txFillClrLst>
     <dgm:txEffectClrLst/>
   </dgm:styleLbl>
-  <dgm:styleLbl name="bgImgPlace1">
+  <dgm:styleLbl name="node1">
     <dgm:fillClrLst meth="repeat">
-      <a:schemeClr val="dk2">
-        <a:tint val="50000"/>
-      </a:schemeClr>
+      <a:schemeClr val="lt1"/>
     </dgm:fillClrLst>
     <dgm:linClrLst meth="repeat">
-      <a:schemeClr val="dk2">
+      <a:schemeClr val="dk1">
         <a:shade val="80000"/>
       </a:schemeClr>
     </dgm:linClrLst>
     <dgm:effectClrLst/>
     <dgm:txLinClrLst/>
     <dgm:txFillClrLst meth="repeat">
-      <a:schemeClr val="lt2"/>
+      <a:schemeClr val="dk1"/>
     </dgm:txFillClrLst>
     <dgm:txEffectClrLst/>
   </dgm:styleLbl>
+  <dgm:styleLbl name="alignNode1">
+    <dgm:fillClrLst meth="repeat">
+      <a:schemeClr val="lt1"/>
+    </dgm:fillClrLst>
+    <dgm:linClrLst meth="repeat">
+      <a:schemeClr val="dk1">
+        <a:shade val="80000"/>
+      </a:schemeClr>
+    </dgm:linClrLst>
+    <dgm:effectClrLst/>
+    <dgm:txLinClrLst/>
+    <dgm:txFillClrLst meth="repeat">
+      <a:schemeClr val="dk1"/>
+    </dgm:txFillClrLst>
+    <dgm:txEffectClrLst/>
+  </dgm:styleLbl>
+  <dgm:styleLbl name="lnNode1">
+    <dgm:fillClrLst meth="repeat">
+      <a:schemeClr val="lt1"/>
+    </dgm:fillClrLst>
+    <dgm:linClrLst meth="repeat">
+      <a:schemeClr val="dk1">
+        <a:shade val="80000"/>
+      </a:schemeClr>
+    </dgm:linClrLst>
+    <dgm:effectClrLst/>
+    <dgm:txLinClrLst/>
+    <dgm:txFillClrLst meth="repeat">
+      <a:schemeClr val="dk1"/>
+    </dgm:txFillClrLst>
+    <dgm:txEffectClrLst/>
+  </dgm:styleLbl>
+  <dgm:styleLbl name="vennNode1">
+    <dgm:fillClrLst meth="repeat">
+      <a:schemeClr val="lt1">
+        <a:alpha val="50000"/>
+      </a:schemeClr>
+    </dgm:fillClrLst>
+    <dgm:linClrLst meth="repeat">
+      <a:schemeClr val="dk1">
+        <a:shade val="80000"/>
+      </a:schemeClr>
+    </dgm:linClrLst>
+    <dgm:effectClrLst/>
+    <dgm:txLinClrLst/>
+    <dgm:txFillClrLst/>
+    <dgm:txEffectClrLst/>
+  </dgm:styleLbl>
+  <dgm:styleLbl name="node2">
+    <dgm:fillClrLst meth="repeat">
+      <a:schemeClr val="lt1"/>
+    </dgm:fillClrLst>
+    <dgm:linClrLst meth="repeat">
+      <a:schemeClr val="dk1">
+        <a:shade val="80000"/>
+      </a:schemeClr>
+    </dgm:linClrLst>
+    <dgm:effectClrLst/>
+    <dgm:txLinClrLst/>
+    <dgm:txFillClrLst meth="repeat">
+      <a:schemeClr val="dk1"/>
+    </dgm:txFillClrLst>
+    <dgm:txEffectClrLst/>
+  </dgm:styleLbl>
+  <dgm:styleLbl name="node3">
+    <dgm:fillClrLst meth="repeat">
+      <a:schemeClr val="lt1"/>
+    </dgm:fillClrLst>
+    <dgm:linClrLst meth="repeat">
+      <a:schemeClr val="dk1">
+        <a:shade val="80000"/>
+      </a:schemeClr>
+    </dgm:linClrLst>
+    <dgm:effectClrLst/>
+    <dgm:txLinClrLst/>
+    <dgm:txFillClrLst meth="repeat">
+      <a:schemeClr val="dk1"/>
+    </dgm:txFillClrLst>
+    <dgm:txEffectClrLst/>
+  </dgm:styleLbl>
+  <dgm:styleLbl name="node4">
+    <dgm:fillClrLst meth="repeat">
+      <a:schemeClr val="lt1"/>
+    </dgm:fillClrLst>
+    <dgm:linClrLst meth="repeat">
+      <a:schemeClr val="dk1">
+        <a:shade val="80000"/>
+      </a:schemeClr>
+    </dgm:linClrLst>
+    <dgm:effectClrLst/>
+    <dgm:txLinClrLst/>
+    <dgm:txFillClrLst meth="repeat">
+      <a:schemeClr val="dk1"/>
+    </dgm:txFillClrLst>
+    <dgm:txEffectClrLst/>
+  </dgm:styleLbl>
+  <dgm:styleLbl name="fgImgPlace1">
+    <dgm:fillClrLst meth="repeat">
+      <a:schemeClr val="dk1">
+        <a:tint val="40000"/>
+      </a:schemeClr>
+    </dgm:fillClrLst>
+    <dgm:linClrLst meth="repeat">
+      <a:schemeClr val="dk1">
+        <a:shade val="80000"/>
+      </a:schemeClr>
+    </dgm:linClrLst>
+    <dgm:effectClrLst/>
+    <dgm:txLinClrLst/>
+    <dgm:txFillClrLst meth="repeat">
+      <a:schemeClr val="lt1"/>
+    </dgm:txFillClrLst>
+    <dgm:txEffectClrLst/>
+  </dgm:styleLbl>
+  <dgm:styleLbl name="alignImgPlace1">
+    <dgm:fillClrLst meth="repeat">
+      <a:schemeClr val="dk1">
+        <a:tint val="40000"/>
+      </a:schemeClr>
+    </dgm:fillClrLst>
+    <dgm:linClrLst meth="repeat">
+      <a:schemeClr val="dk1">
+        <a:shade val="80000"/>
+      </a:schemeClr>
+    </dgm:linClrLst>
+    <dgm:effectClrLst/>
+    <dgm:txLinClrLst/>
+    <dgm:txFillClrLst meth="repeat">
+      <a:schemeClr val="lt1"/>
+    </dgm:txFillClrLst>
+    <dgm:txEffectClrLst/>
+  </dgm:styleLbl>
+  <dgm:styleLbl name="bgImgPlace1">
+    <dgm:fillClrLst meth="repeat">
+      <a:schemeClr val="dk1">
+        <a:tint val="40000"/>
+      </a:schemeClr>
+    </dgm:fillClrLst>
+    <dgm:linClrLst meth="repeat">
+      <a:schemeClr val="dk1">
+        <a:shade val="80000"/>
+      </a:schemeClr>
+    </dgm:linClrLst>
+    <dgm:effectClrLst/>
+    <dgm:txLinClrLst/>
+    <dgm:txFillClrLst meth="repeat">
+      <a:schemeClr val="lt1"/>
+    </dgm:txFillClrLst>
+    <dgm:txEffectClrLst/>
+  </dgm:styleLbl>
   <dgm:styleLbl name="sibTrans2D1">
     <dgm:fillClrLst meth="repeat">
-      <a:schemeClr val="dk2">
+      <a:schemeClr val="dk1">
         <a:tint val="60000"/>
       </a:schemeClr>
     </dgm:fillClrLst>
     <dgm:linClrLst meth="repeat">
-      <a:schemeClr val="dk2">
+      <a:schemeClr val="dk1">
+        <a:tint val="60000"/>
+      </a:schemeClr>
+    </dgm:linClrLst>
+    <dgm:effectClrLst/>
+    <dgm:txLinClrLst/>
+    <dgm:txFillClrLst meth="repeat">
+      <a:schemeClr val="dk1"/>
+    </dgm:txFillClrLst>
+    <dgm:txEffectClrLst/>
+  </dgm:styleLbl>
+  <dgm:styleLbl name="fgSibTrans2D1">
+    <dgm:fillClrLst meth="repeat">
+      <a:schemeClr val="dk1">
+        <a:tint val="60000"/>
+      </a:schemeClr>
+    </dgm:fillClrLst>
+    <dgm:linClrLst meth="repeat">
+      <a:schemeClr val="dk1">
+        <a:tint val="60000"/>
+      </a:schemeClr>
+    </dgm:linClrLst>
+    <dgm:effectClrLst/>
+    <dgm:txLinClrLst/>
+    <dgm:txFillClrLst meth="repeat">
+      <a:schemeClr val="dk1"/>
+    </dgm:txFillClrLst>
+    <dgm:txEffectClrLst/>
+  </dgm:styleLbl>
+  <dgm:styleLbl name="bgSibTrans2D1">
+    <dgm:fillClrLst meth="repeat">
+      <a:schemeClr val="dk1">
+        <a:tint val="60000"/>
+      </a:schemeClr>
+    </dgm:fillClrLst>
+    <dgm:linClrLst meth="repeat">
+      <a:schemeClr val="dk1">
+        <a:tint val="60000"/>
+      </a:schemeClr>
+    </dgm:linClrLst>
+    <dgm:effectClrLst/>
+    <dgm:txLinClrLst/>
+    <dgm:txFillClrLst meth="repeat">
+      <a:schemeClr val="dk1"/>
+    </dgm:txFillClrLst>
+    <dgm:txEffectClrLst/>
+  </dgm:styleLbl>
+  <dgm:styleLbl name="sibTrans1D1">
+    <dgm:fillClrLst meth="repeat">
+      <a:schemeClr val="dk1"/>
+    </dgm:fillClrLst>
+    <dgm:linClrLst meth="repeat">
+      <a:schemeClr val="dk1"/>
+    </dgm:linClrLst>
+    <dgm:effectClrLst/>
+    <dgm:txLinClrLst/>
+    <dgm:txFillClrLst meth="repeat">
+      <a:schemeClr val="tx1"/>
+    </dgm:txFillClrLst>
+    <dgm:txEffectClrLst/>
+  </dgm:styleLbl>
+  <dgm:styleLbl name="callout">
+    <dgm:fillClrLst meth="repeat">
+      <a:schemeClr val="dk1"/>
+    </dgm:fillClrLst>
+    <dgm:linClrLst meth="repeat">
+      <a:schemeClr val="dk1"/>
+    </dgm:linClrLst>
+    <dgm:effectClrLst/>
+    <dgm:txLinClrLst/>
+    <dgm:txFillClrLst meth="repeat">
+      <a:schemeClr val="tx1"/>
+    </dgm:txFillClrLst>
+    <dgm:txEffectClrLst/>
+  </dgm:styleLbl>
+  <dgm:styleLbl name="asst0">
+    <dgm:fillClrLst meth="repeat">
+      <a:schemeClr val="lt1"/>
+    </dgm:fillClrLst>
+    <dgm:linClrLst meth="repeat">
+      <a:schemeClr val="dk1">
+        <a:shade val="80000"/>
+      </a:schemeClr>
+    </dgm:linClrLst>
+    <dgm:effectClrLst/>
+    <dgm:txLinClrLst/>
+    <dgm:txFillClrLst meth="repeat">
+      <a:schemeClr val="dk1"/>
+    </dgm:txFillClrLst>
+    <dgm:txEffectClrLst/>
+  </dgm:styleLbl>
+  <dgm:styleLbl name="asst1">
+    <dgm:fillClrLst meth="repeat">
+      <a:schemeClr val="lt1"/>
+    </dgm:fillClrLst>
+    <dgm:linClrLst meth="repeat">
+      <a:schemeClr val="dk1">
+        <a:shade val="80000"/>
+      </a:schemeClr>
+    </dgm:linClrLst>
+    <dgm:effectClrLst/>
+    <dgm:txLinClrLst/>
+    <dgm:txFillClrLst meth="repeat">
+      <a:schemeClr val="dk1"/>
+    </dgm:txFillClrLst>
+    <dgm:txEffectClrLst/>
+  </dgm:styleLbl>
+  <dgm:styleLbl name="asst2">
+    <dgm:fillClrLst meth="repeat">
+      <a:schemeClr val="lt1"/>
+    </dgm:fillClrLst>
+    <dgm:linClrLst meth="repeat">
+      <a:schemeClr val="dk1">
+        <a:shade val="80000"/>
+      </a:schemeClr>
+    </dgm:linClrLst>
+    <dgm:effectClrLst/>
+    <dgm:txLinClrLst/>
+    <dgm:txFillClrLst meth="repeat">
+      <a:schemeClr val="dk1"/>
+    </dgm:txFillClrLst>
+    <dgm:txEffectClrLst/>
+  </dgm:styleLbl>
+  <dgm:styleLbl name="asst3">
+    <dgm:fillClrLst meth="repeat">
+      <a:schemeClr val="lt1"/>
+    </dgm:fillClrLst>
+    <dgm:linClrLst meth="repeat">
+      <a:schemeClr val="dk1">
+        <a:shade val="80000"/>
+      </a:schemeClr>
+    </dgm:linClrLst>
+    <dgm:effectClrLst/>
+    <dgm:txLinClrLst/>
+    <dgm:txFillClrLst meth="repeat">
+      <a:schemeClr val="dk1"/>
+    </dgm:txFillClrLst>
+    <dgm:txEffectClrLst/>
+  </dgm:styleLbl>
+  <dgm:styleLbl name="asst4">
+    <dgm:fillClrLst meth="repeat">
+      <a:schemeClr val="lt1"/>
+    </dgm:fillClrLst>
+    <dgm:linClrLst meth="repeat">
+      <a:schemeClr val="dk1">
+        <a:shade val="80000"/>
+      </a:schemeClr>
+    </dgm:linClrLst>
+    <dgm:effectClrLst/>
+    <dgm:txLinClrLst/>
+    <dgm:txFillClrLst meth="repeat">
+      <a:schemeClr val="dk1"/>
+    </dgm:txFillClrLst>
+    <dgm:txEffectClrLst/>
+  </dgm:styleLbl>
+  <dgm:styleLbl name="parChTrans2D1">
+    <dgm:fillClrLst meth="repeat">
+      <a:schemeClr val="dk1">
+        <a:tint val="60000"/>
+      </a:schemeClr>
+    </dgm:fillClrLst>
+    <dgm:linClrLst meth="repeat">
+      <a:schemeClr val="dk1">
         <a:tint val="60000"/>
       </a:schemeClr>
     </dgm:linClrLst>
@@ -1794,194 +1989,50 @@
     <dgm:txFillClrLst/>
     <dgm:txEffectClrLst/>
   </dgm:styleLbl>
-  <dgm:styleLbl name="fgSibTrans2D1">
+  <dgm:styleLbl name="parChTrans2D2">
     <dgm:fillClrLst meth="repeat">
-      <a:schemeClr val="dk2">
-        <a:tint val="60000"/>
-      </a:schemeClr>
+      <a:schemeClr val="dk1"/>
     </dgm:fillClrLst>
     <dgm:linClrLst meth="repeat">
-      <a:schemeClr val="dk2">
-        <a:tint val="60000"/>
-      </a:schemeClr>
+      <a:schemeClr val="dk1"/>
     </dgm:linClrLst>
     <dgm:effectClrLst/>
     <dgm:txLinClrLst/>
     <dgm:txFillClrLst/>
     <dgm:txEffectClrLst/>
   </dgm:styleLbl>
-  <dgm:styleLbl name="bgSibTrans2D1">
+  <dgm:styleLbl name="parChTrans2D3">
     <dgm:fillClrLst meth="repeat">
-      <a:schemeClr val="dk2">
-        <a:tint val="60000"/>
-      </a:schemeClr>
+      <a:schemeClr val="dk1"/>
     </dgm:fillClrLst>
     <dgm:linClrLst meth="repeat">
-      <a:schemeClr val="dk2">
-        <a:tint val="60000"/>
-      </a:schemeClr>
+      <a:schemeClr val="dk1"/>
     </dgm:linClrLst>
     <dgm:effectClrLst/>
     <dgm:txLinClrLst/>
     <dgm:txFillClrLst/>
     <dgm:txEffectClrLst/>
   </dgm:styleLbl>
-  <dgm:styleLbl name="sibTrans1D1">
+  <dgm:styleLbl name="parChTrans2D4">
     <dgm:fillClrLst meth="repeat">
-      <a:schemeClr val="dk2"/>
+      <a:schemeClr val="dk1"/>
     </dgm:fillClrLst>
     <dgm:linClrLst meth="repeat">
-      <a:schemeClr val="dk2"/>
+      <a:schemeClr val="dk1"/>
     </dgm:linClrLst>
     <dgm:effectClrLst/>
     <dgm:txLinClrLst/>
     <dgm:txFillClrLst meth="repeat">
-      <a:schemeClr val="lt2"/>
+      <a:schemeClr val="lt1"/>
     </dgm:txFillClrLst>
     <dgm:txEffectClrLst/>
   </dgm:styleLbl>
-  <dgm:styleLbl name="callout">
+  <dgm:styleLbl name="parChTrans1D1">
     <dgm:fillClrLst meth="repeat">
-      <a:schemeClr val="dk2"/>
+      <a:schemeClr val="dk1"/>
     </dgm:fillClrLst>
     <dgm:linClrLst meth="repeat">
-      <a:schemeClr val="dk2">
-        <a:tint val="50000"/>
-      </a:schemeClr>
-    </dgm:linClrLst>
-    <dgm:effectClrLst/>
-    <dgm:txLinClrLst/>
-    <dgm:txFillClrLst meth="repeat">
-      <a:schemeClr val="lt2"/>
-    </dgm:txFillClrLst>
-    <dgm:txEffectClrLst/>
-  </dgm:styleLbl>
-  <dgm:styleLbl name="asst0">
-    <dgm:fillClrLst meth="repeat">
-      <a:schemeClr val="dk2"/>
-    </dgm:fillClrLst>
-    <dgm:linClrLst meth="repeat">
-      <a:schemeClr val="lt2"/>
-    </dgm:linClrLst>
-    <dgm:effectClrLst/>
-    <dgm:txLinClrLst/>
-    <dgm:txFillClrLst/>
-    <dgm:txEffectClrLst/>
-  </dgm:styleLbl>
-  <dgm:styleLbl name="asst1">
-    <dgm:fillClrLst meth="repeat">
-      <a:schemeClr val="dk2"/>
-    </dgm:fillClrLst>
-    <dgm:linClrLst meth="repeat">
-      <a:schemeClr val="lt2"/>
-    </dgm:linClrLst>
-    <dgm:effectClrLst/>
-    <dgm:txLinClrLst/>
-    <dgm:txFillClrLst/>
-    <dgm:txEffectClrLst/>
-  </dgm:styleLbl>
-  <dgm:styleLbl name="asst2">
-    <dgm:fillClrLst meth="repeat">
-      <a:schemeClr val="dk2"/>
-    </dgm:fillClrLst>
-    <dgm:linClrLst meth="repeat">
-      <a:schemeClr val="lt2"/>
-    </dgm:linClrLst>
-    <dgm:effectClrLst/>
-    <dgm:txLinClrLst/>
-    <dgm:txFillClrLst/>
-    <dgm:txEffectClrLst/>
-  </dgm:styleLbl>
-  <dgm:styleLbl name="asst3">
-    <dgm:fillClrLst meth="repeat">
-      <a:schemeClr val="dk2"/>
-    </dgm:fillClrLst>
-    <dgm:linClrLst meth="repeat">
-      <a:schemeClr val="lt2"/>
-    </dgm:linClrLst>
-    <dgm:effectClrLst/>
-    <dgm:txLinClrLst/>
-    <dgm:txFillClrLst/>
-    <dgm:txEffectClrLst/>
-  </dgm:styleLbl>
-  <dgm:styleLbl name="asst4">
-    <dgm:fillClrLst meth="repeat">
-      <a:schemeClr val="dk2"/>
-    </dgm:fillClrLst>
-    <dgm:linClrLst meth="repeat">
-      <a:schemeClr val="lt2"/>
-    </dgm:linClrLst>
-    <dgm:effectClrLst/>
-    <dgm:txLinClrLst/>
-    <dgm:txFillClrLst/>
-    <dgm:txEffectClrLst/>
-  </dgm:styleLbl>
-  <dgm:styleLbl name="parChTrans2D1">
-    <dgm:fillClrLst meth="repeat">
-      <a:schemeClr val="dk2">
-        <a:tint val="60000"/>
-      </a:schemeClr>
-    </dgm:fillClrLst>
-    <dgm:linClrLst meth="repeat">
-      <a:schemeClr val="dk2">
-        <a:tint val="60000"/>
-      </a:schemeClr>
-    </dgm:linClrLst>
-    <dgm:effectClrLst/>
-    <dgm:txLinClrLst/>
-    <dgm:txFillClrLst meth="repeat">
-      <a:schemeClr val="lt2"/>
-    </dgm:txFillClrLst>
-    <dgm:txEffectClrLst/>
-  </dgm:styleLbl>
-  <dgm:styleLbl name="parChTrans2D2">
-    <dgm:fillClrLst meth="repeat">
-      <a:schemeClr val="dk2"/>
-    </dgm:fillClrLst>
-    <dgm:linClrLst meth="repeat">
-      <a:schemeClr val="dk2"/>
-    </dgm:linClrLst>
-    <dgm:effectClrLst/>
-    <dgm:txLinClrLst/>
-    <dgm:txFillClrLst meth="repeat">
-      <a:schemeClr val="lt2"/>
-    </dgm:txFillClrLst>
-    <dgm:txEffectClrLst/>
-  </dgm:styleLbl>
-  <dgm:styleLbl name="parChTrans2D3">
-    <dgm:fillClrLst meth="repeat">
-      <a:schemeClr val="dk2"/>
-    </dgm:fillClrLst>
-    <dgm:linClrLst meth="repeat">
-      <a:schemeClr val="dk2"/>
-    </dgm:linClrLst>
-    <dgm:effectClrLst/>
-    <dgm:txLinClrLst/>
-    <dgm:txFillClrLst meth="repeat">
-      <a:schemeClr val="lt2"/>
-    </dgm:txFillClrLst>
-    <dgm:txEffectClrLst/>
-  </dgm:styleLbl>
-  <dgm:styleLbl name="parChTrans2D4">
-    <dgm:fillClrLst meth="repeat">
-      <a:schemeClr val="dk2"/>
-    </dgm:fillClrLst>
-    <dgm:linClrLst meth="repeat">
-      <a:schemeClr val="dk2"/>
-    </dgm:linClrLst>
-    <dgm:effectClrLst/>
-    <dgm:txLinClrLst/>
-    <dgm:txFillClrLst meth="repeat">
-      <a:schemeClr val="lt2"/>
-    </dgm:txFillClrLst>
-    <dgm:txEffectClrLst/>
-  </dgm:styleLbl>
-  <dgm:styleLbl name="parChTrans1D1">
-    <dgm:fillClrLst meth="repeat">
-      <a:schemeClr val="dk2"/>
-    </dgm:fillClrLst>
-    <dgm:linClrLst meth="repeat">
-      <a:schemeClr val="dk2">
+      <a:schemeClr val="dk1">
         <a:shade val="60000"/>
       </a:schemeClr>
     </dgm:linClrLst>
@@ -1994,10 +2045,10 @@
   </dgm:styleLbl>
   <dgm:styleLbl name="parChTrans1D2">
     <dgm:fillClrLst meth="repeat">
-      <a:schemeClr val="dk2"/>
+      <a:schemeClr val="dk1"/>
     </dgm:fillClrLst>
     <dgm:linClrLst meth="repeat">
-      <a:schemeClr val="dk2">
+      <a:schemeClr val="dk1">
         <a:shade val="60000"/>
       </a:schemeClr>
     </dgm:linClrLst>
@@ -2010,10 +2061,10 @@
   </dgm:styleLbl>
   <dgm:styleLbl name="parChTrans1D3">
     <dgm:fillClrLst meth="repeat">
-      <a:schemeClr val="dk2"/>
+      <a:schemeClr val="dk1"/>
     </dgm:fillClrLst>
     <dgm:linClrLst meth="repeat">
-      <a:schemeClr val="dk2">
+      <a:schemeClr val="dk1">
         <a:shade val="80000"/>
       </a:schemeClr>
     </dgm:linClrLst>
@@ -2026,10 +2077,10 @@
   </dgm:styleLbl>
   <dgm:styleLbl name="parChTrans1D4">
     <dgm:fillClrLst meth="repeat">
-      <a:schemeClr val="dk2"/>
+      <a:schemeClr val="dk1"/>
     </dgm:fillClrLst>
     <dgm:linClrLst meth="repeat">
-      <a:schemeClr val="dk2">
+      <a:schemeClr val="dk1">
         <a:shade val="80000"/>
       </a:schemeClr>
     </dgm:linClrLst>
@@ -2042,12 +2093,13 @@
   </dgm:styleLbl>
   <dgm:styleLbl name="fgAcc1">
     <dgm:fillClrLst meth="repeat">
-      <a:schemeClr val="lt2">
+      <a:schemeClr val="dk1">
         <a:alpha val="90000"/>
+        <a:tint val="40000"/>
       </a:schemeClr>
     </dgm:fillClrLst>
     <dgm:linClrLst meth="repeat">
-      <a:schemeClr val="dk2"/>
+      <a:schemeClr val="dk1"/>
     </dgm:linClrLst>
     <dgm:effectClrLst/>
     <dgm:txLinClrLst/>
@@ -2058,12 +2110,13 @@
   </dgm:styleLbl>
   <dgm:styleLbl name="conFgAcc1">
     <dgm:fillClrLst meth="repeat">
-      <a:schemeClr val="lt2">
+      <a:schemeClr val="dk1">
         <a:alpha val="90000"/>
+        <a:tint val="40000"/>
       </a:schemeClr>
     </dgm:fillClrLst>
     <dgm:linClrLst meth="repeat">
-      <a:schemeClr val="dk2"/>
+      <a:schemeClr val="dk1"/>
     </dgm:linClrLst>
     <dgm:effectClrLst/>
     <dgm:txLinClrLst/>
@@ -2074,12 +2127,13 @@
   </dgm:styleLbl>
   <dgm:styleLbl name="alignAcc1">
     <dgm:fillClrLst meth="repeat">
-      <a:schemeClr val="lt2">
+      <a:schemeClr val="dk1">
         <a:alpha val="90000"/>
+        <a:tint val="40000"/>
       </a:schemeClr>
     </dgm:fillClrLst>
     <dgm:linClrLst meth="repeat">
-      <a:schemeClr val="dk2"/>
+      <a:schemeClr val="dk1"/>
     </dgm:linClrLst>
     <dgm:effectClrLst/>
     <dgm:txLinClrLst/>
@@ -2090,12 +2144,13 @@
   </dgm:styleLbl>
   <dgm:styleLbl name="trAlignAcc1">
     <dgm:fillClrLst meth="repeat">
-      <a:schemeClr val="lt2">
+      <a:schemeClr val="dk1">
         <a:alpha val="40000"/>
+        <a:tint val="40000"/>
       </a:schemeClr>
     </dgm:fillClrLst>
     <dgm:linClrLst meth="repeat">
-      <a:schemeClr val="dk2"/>
+      <a:schemeClr val="dk1"/>
     </dgm:linClrLst>
     <dgm:effectClrLst/>
     <dgm:txLinClrLst/>
@@ -2106,12 +2161,13 @@
   </dgm:styleLbl>
   <dgm:styleLbl name="bgAcc1">
     <dgm:fillClrLst meth="repeat">
-      <a:schemeClr val="lt2">
+      <a:schemeClr val="dk1">
         <a:alpha val="90000"/>
+        <a:tint val="40000"/>
       </a:schemeClr>
     </dgm:fillClrLst>
     <dgm:linClrLst meth="repeat">
-      <a:schemeClr val="dk2"/>
+      <a:schemeClr val="dk1"/>
     </dgm:linClrLst>
     <dgm:effectClrLst/>
     <dgm:txLinClrLst/>
@@ -2122,10 +2178,10 @@
   </dgm:styleLbl>
   <dgm:styleLbl name="solidFgAcc1">
     <dgm:fillClrLst meth="repeat">
-      <a:schemeClr val="lt2"/>
+      <a:schemeClr val="lt1"/>
     </dgm:fillClrLst>
     <dgm:linClrLst meth="repeat">
-      <a:schemeClr val="dk2"/>
+      <a:schemeClr val="dk1"/>
     </dgm:linClrLst>
     <dgm:effectClrLst/>
     <dgm:txLinClrLst/>
@@ -2136,10 +2192,10 @@
   </dgm:styleLbl>
   <dgm:styleLbl name="solidAlignAcc1">
     <dgm:fillClrLst meth="repeat">
-      <a:schemeClr val="lt2"/>
+      <a:schemeClr val="lt1"/>
     </dgm:fillClrLst>
     <dgm:linClrLst meth="repeat">
-      <a:schemeClr val="dk2"/>
+      <a:schemeClr val="dk1"/>
     </dgm:linClrLst>
     <dgm:effectClrLst/>
     <dgm:txLinClrLst/>
@@ -2150,10 +2206,10 @@
   </dgm:styleLbl>
   <dgm:styleLbl name="solidBgAcc1">
     <dgm:fillClrLst meth="repeat">
-      <a:schemeClr val="lt2"/>
+      <a:schemeClr val="lt1"/>
     </dgm:fillClrLst>
     <dgm:linClrLst meth="repeat">
-      <a:schemeClr val="dk2"/>
+      <a:schemeClr val="dk1"/>
     </dgm:linClrLst>
     <dgm:effectClrLst/>
     <dgm:txLinClrLst/>
@@ -2164,15 +2220,14 @@
   </dgm:styleLbl>
   <dgm:styleLbl name="fgAccFollowNode1">
     <dgm:fillClrLst meth="repeat">
-      <a:schemeClr val="dk2">
+      <a:schemeClr val="lt1">
         <a:alpha val="90000"/>
         <a:tint val="40000"/>
       </a:schemeClr>
     </dgm:fillClrLst>
     <dgm:linClrLst meth="repeat">
-      <a:schemeClr val="dk2">
+      <a:schemeClr val="dk1">
         <a:alpha val="90000"/>
-        <a:tint val="40000"/>
       </a:schemeClr>
     </dgm:linClrLst>
     <dgm:effectClrLst/>
@@ -2184,15 +2239,14 @@
   </dgm:styleLbl>
   <dgm:styleLbl name="alignAccFollowNode1">
     <dgm:fillClrLst meth="repeat">
-      <a:schemeClr val="dk2">
+      <a:schemeClr val="lt1">
         <a:alpha val="90000"/>
         <a:tint val="40000"/>
       </a:schemeClr>
     </dgm:fillClrLst>
     <dgm:linClrLst meth="repeat">
-      <a:schemeClr val="dk2">
+      <a:schemeClr val="dk1">
         <a:alpha val="90000"/>
-        <a:tint val="40000"/>
       </a:schemeClr>
     </dgm:linClrLst>
     <dgm:effectClrLst/>
@@ -2204,15 +2258,14 @@
   </dgm:styleLbl>
   <dgm:styleLbl name="bgAccFollowNode1">
     <dgm:fillClrLst meth="repeat">
-      <a:schemeClr val="dk2">
+      <a:schemeClr val="lt1">
         <a:alpha val="90000"/>
         <a:tint val="40000"/>
       </a:schemeClr>
     </dgm:fillClrLst>
     <dgm:linClrLst meth="repeat">
-      <a:schemeClr val="dk2">
+      <a:schemeClr val="dk1">
         <a:alpha val="90000"/>
-        <a:tint val="40000"/>
       </a:schemeClr>
     </dgm:linClrLst>
     <dgm:effectClrLst/>
@@ -2224,12 +2277,13 @@
   </dgm:styleLbl>
   <dgm:styleLbl name="fgAcc0">
     <dgm:fillClrLst meth="repeat">
-      <a:schemeClr val="lt2">
+      <a:schemeClr val="dk1">
         <a:alpha val="90000"/>
+        <a:tint val="40000"/>
       </a:schemeClr>
     </dgm:fillClrLst>
     <dgm:linClrLst meth="repeat">
-      <a:schemeClr val="dk2"/>
+      <a:schemeClr val="dk1"/>
     </dgm:linClrLst>
     <dgm:effectClrLst/>
     <dgm:txLinClrLst/>
@@ -2240,12 +2294,13 @@
   </dgm:styleLbl>
   <dgm:styleLbl name="fgAcc2">
     <dgm:fillClrLst meth="repeat">
-      <a:schemeClr val="lt2">
+      <a:schemeClr val="dk1">
         <a:alpha val="90000"/>
+        <a:tint val="40000"/>
       </a:schemeClr>
     </dgm:fillClrLst>
     <dgm:linClrLst meth="repeat">
-      <a:schemeClr val="dk2"/>
+      <a:schemeClr val="dk1"/>
     </dgm:linClrLst>
     <dgm:effectClrLst/>
     <dgm:txLinClrLst/>
@@ -2256,12 +2311,13 @@
   </dgm:styleLbl>
   <dgm:styleLbl name="fgAcc3">
     <dgm:fillClrLst meth="repeat">
-      <a:schemeClr val="lt2">
+      <a:schemeClr val="dk1">
         <a:alpha val="90000"/>
+        <a:tint val="40000"/>
       </a:schemeClr>
     </dgm:fillClrLst>
     <dgm:linClrLst meth="repeat">
-      <a:schemeClr val="dk2"/>
+      <a:schemeClr val="dk1"/>
     </dgm:linClrLst>
     <dgm:effectClrLst/>
     <dgm:txLinClrLst/>
@@ -2272,12 +2328,13 @@
   </dgm:styleLbl>
   <dgm:styleLbl name="fgAcc4">
     <dgm:fillClrLst meth="repeat">
-      <a:schemeClr val="lt2">
+      <a:schemeClr val="dk1">
         <a:alpha val="90000"/>
+        <a:tint val="40000"/>
       </a:schemeClr>
     </dgm:fillClrLst>
     <dgm:linClrLst meth="repeat">
-      <a:schemeClr val="dk2"/>
+      <a:schemeClr val="dk1"/>
     </dgm:linClrLst>
     <dgm:effectClrLst/>
     <dgm:txLinClrLst/>
@@ -2288,12 +2345,12 @@
   </dgm:styleLbl>
   <dgm:styleLbl name="bgShp">
     <dgm:fillClrLst meth="repeat">
-      <a:schemeClr val="dk2">
+      <a:schemeClr val="dk1">
         <a:tint val="40000"/>
       </a:schemeClr>
     </dgm:fillClrLst>
     <dgm:linClrLst meth="repeat">
-      <a:schemeClr val="dk2"/>
+      <a:schemeClr val="dk1"/>
     </dgm:linClrLst>
     <dgm:effectClrLst/>
     <dgm:txLinClrLst/>
@@ -2304,12 +2361,12 @@
   </dgm:styleLbl>
   <dgm:styleLbl name="dkBgShp">
     <dgm:fillClrLst meth="repeat">
-      <a:schemeClr val="dk2">
+      <a:schemeClr val="dk1">
         <a:shade val="80000"/>
       </a:schemeClr>
     </dgm:fillClrLst>
     <dgm:linClrLst meth="repeat">
-      <a:schemeClr val="dk2"/>
+      <a:schemeClr val="dk1"/>
     </dgm:linClrLst>
     <dgm:effectClrLst/>
     <dgm:txLinClrLst/>
@@ -2320,13 +2377,13 @@
   </dgm:styleLbl>
   <dgm:styleLbl name="trBgShp">
     <dgm:fillClrLst meth="repeat">
-      <a:schemeClr val="dk2">
+      <a:schemeClr val="dk1">
         <a:tint val="50000"/>
         <a:alpha val="40000"/>
       </a:schemeClr>
     </dgm:fillClrLst>
     <dgm:linClrLst meth="repeat">
-      <a:schemeClr val="dk2"/>
+      <a:schemeClr val="dk1"/>
     </dgm:linClrLst>
     <dgm:effectClrLst/>
     <dgm:txLinClrLst/>
@@ -2337,12 +2394,12 @@
   </dgm:styleLbl>
   <dgm:styleLbl name="fgShp">
     <dgm:fillClrLst meth="repeat">
-      <a:schemeClr val="dk2">
+      <a:schemeClr val="dk1">
         <a:tint val="60000"/>
       </a:schemeClr>
     </dgm:fillClrLst>
     <dgm:linClrLst meth="repeat">
-      <a:schemeClr val="lt2"/>
+      <a:schemeClr val="lt1"/>
     </dgm:linClrLst>
     <dgm:effectClrLst/>
     <dgm:txLinClrLst/>
@@ -2353,7 +2410,7 @@
   </dgm:styleLbl>
   <dgm:styleLbl name="revTx">
     <dgm:fillClrLst meth="repeat">
-      <a:schemeClr val="lt2">
+      <a:schemeClr val="lt1">
         <a:alpha val="0"/>
       </a:schemeClr>
     </dgm:fillClrLst>
@@ -2373,6 +2430,753 @@
 </file>
 
 <file path=ppt/diagrams/colors4.xml><?xml version="1.0" encoding="utf-8"?>
+<dgm:colorsDef xmlns:dgm="http://schemas.openxmlformats.org/drawingml/2006/diagram" xmlns:a="http://schemas.openxmlformats.org/drawingml/2006/main" uniqueId="urn:microsoft.com/office/officeart/2005/8/colors/accent1_2">
+  <dgm:title val=""/>
+  <dgm:desc val=""/>
+  <dgm:catLst>
+    <dgm:cat type="accent1" pri="11200"/>
+  </dgm:catLst>
+  <dgm:styleLbl name="node0">
+    <dgm:fillClrLst meth="repeat">
+      <a:schemeClr val="accent1"/>
+    </dgm:fillClrLst>
+    <dgm:linClrLst meth="repeat">
+      <a:schemeClr val="lt1"/>
+    </dgm:linClrLst>
+    <dgm:effectClrLst/>
+    <dgm:txLinClrLst/>
+    <dgm:txFillClrLst/>
+    <dgm:txEffectClrLst/>
+  </dgm:styleLbl>
+  <dgm:styleLbl name="alignNode1">
+    <dgm:fillClrLst meth="repeat">
+      <a:schemeClr val="accent1"/>
+    </dgm:fillClrLst>
+    <dgm:linClrLst meth="repeat">
+      <a:schemeClr val="accent1"/>
+    </dgm:linClrLst>
+    <dgm:effectClrLst/>
+    <dgm:txLinClrLst/>
+    <dgm:txFillClrLst/>
+    <dgm:txEffectClrLst/>
+  </dgm:styleLbl>
+  <dgm:styleLbl name="node1">
+    <dgm:fillClrLst meth="repeat">
+      <a:schemeClr val="accent1"/>
+    </dgm:fillClrLst>
+    <dgm:linClrLst meth="repeat">
+      <a:schemeClr val="lt1"/>
+    </dgm:linClrLst>
+    <dgm:effectClrLst/>
+    <dgm:txLinClrLst/>
+    <dgm:txFillClrLst/>
+    <dgm:txEffectClrLst/>
+  </dgm:styleLbl>
+  <dgm:styleLbl name="lnNode1">
+    <dgm:fillClrLst meth="repeat">
+      <a:schemeClr val="accent1"/>
+    </dgm:fillClrLst>
+    <dgm:linClrLst meth="repeat">
+      <a:schemeClr val="lt1"/>
+    </dgm:linClrLst>
+    <dgm:effectClrLst/>
+    <dgm:txLinClrLst/>
+    <dgm:txFillClrLst/>
+    <dgm:txEffectClrLst/>
+  </dgm:styleLbl>
+  <dgm:styleLbl name="vennNode1">
+    <dgm:fillClrLst meth="repeat">
+      <a:schemeClr val="accent1">
+        <a:alpha val="50000"/>
+      </a:schemeClr>
+    </dgm:fillClrLst>
+    <dgm:linClrLst meth="repeat">
+      <a:schemeClr val="lt1"/>
+    </dgm:linClrLst>
+    <dgm:effectClrLst/>
+    <dgm:txLinClrLst/>
+    <dgm:txFillClrLst/>
+    <dgm:txEffectClrLst/>
+  </dgm:styleLbl>
+  <dgm:styleLbl name="node2">
+    <dgm:fillClrLst meth="repeat">
+      <a:schemeClr val="accent1"/>
+    </dgm:fillClrLst>
+    <dgm:linClrLst meth="repeat">
+      <a:schemeClr val="lt1"/>
+    </dgm:linClrLst>
+    <dgm:effectClrLst/>
+    <dgm:txLinClrLst/>
+    <dgm:txFillClrLst/>
+    <dgm:txEffectClrLst/>
+  </dgm:styleLbl>
+  <dgm:styleLbl name="node3">
+    <dgm:fillClrLst meth="repeat">
+      <a:schemeClr val="accent1"/>
+    </dgm:fillClrLst>
+    <dgm:linClrLst meth="repeat">
+      <a:schemeClr val="lt1"/>
+    </dgm:linClrLst>
+    <dgm:effectClrLst/>
+    <dgm:txLinClrLst/>
+    <dgm:txFillClrLst/>
+    <dgm:txEffectClrLst/>
+  </dgm:styleLbl>
+  <dgm:styleLbl name="node4">
+    <dgm:fillClrLst meth="repeat">
+      <a:schemeClr val="accent1"/>
+    </dgm:fillClrLst>
+    <dgm:linClrLst meth="repeat">
+      <a:schemeClr val="lt1"/>
+    </dgm:linClrLst>
+    <dgm:effectClrLst/>
+    <dgm:txLinClrLst/>
+    <dgm:txFillClrLst/>
+    <dgm:txEffectClrLst/>
+  </dgm:styleLbl>
+  <dgm:styleLbl name="fgImgPlace1">
+    <dgm:fillClrLst meth="repeat">
+      <a:schemeClr val="accent1">
+        <a:tint val="50000"/>
+      </a:schemeClr>
+    </dgm:fillClrLst>
+    <dgm:linClrLst meth="repeat">
+      <a:schemeClr val="lt1"/>
+    </dgm:linClrLst>
+    <dgm:effectClrLst/>
+    <dgm:txLinClrLst/>
+    <dgm:txFillClrLst meth="repeat">
+      <a:schemeClr val="lt1"/>
+    </dgm:txFillClrLst>
+    <dgm:txEffectClrLst/>
+  </dgm:styleLbl>
+  <dgm:styleLbl name="alignImgPlace1">
+    <dgm:fillClrLst meth="repeat">
+      <a:schemeClr val="accent1">
+        <a:tint val="50000"/>
+      </a:schemeClr>
+    </dgm:fillClrLst>
+    <dgm:linClrLst meth="repeat">
+      <a:schemeClr val="lt1"/>
+    </dgm:linClrLst>
+    <dgm:effectClrLst/>
+    <dgm:txLinClrLst/>
+    <dgm:txFillClrLst meth="repeat">
+      <a:schemeClr val="lt1"/>
+    </dgm:txFillClrLst>
+    <dgm:txEffectClrLst/>
+  </dgm:styleLbl>
+  <dgm:styleLbl name="bgImgPlace1">
+    <dgm:fillClrLst meth="repeat">
+      <a:schemeClr val="accent1">
+        <a:tint val="50000"/>
+      </a:schemeClr>
+    </dgm:fillClrLst>
+    <dgm:linClrLst meth="repeat">
+      <a:schemeClr val="lt1"/>
+    </dgm:linClrLst>
+    <dgm:effectClrLst/>
+    <dgm:txLinClrLst/>
+    <dgm:txFillClrLst meth="repeat">
+      <a:schemeClr val="lt1"/>
+    </dgm:txFillClrLst>
+    <dgm:txEffectClrLst/>
+  </dgm:styleLbl>
+  <dgm:styleLbl name="sibTrans2D1">
+    <dgm:fillClrLst meth="repeat">
+      <a:schemeClr val="accent1">
+        <a:tint val="60000"/>
+      </a:schemeClr>
+    </dgm:fillClrLst>
+    <dgm:linClrLst meth="repeat">
+      <a:schemeClr val="accent1">
+        <a:tint val="60000"/>
+      </a:schemeClr>
+    </dgm:linClrLst>
+    <dgm:effectClrLst/>
+    <dgm:txLinClrLst/>
+    <dgm:txFillClrLst/>
+    <dgm:txEffectClrLst/>
+  </dgm:styleLbl>
+  <dgm:styleLbl name="fgSibTrans2D1">
+    <dgm:fillClrLst meth="repeat">
+      <a:schemeClr val="accent1">
+        <a:tint val="60000"/>
+      </a:schemeClr>
+    </dgm:fillClrLst>
+    <dgm:linClrLst meth="repeat">
+      <a:schemeClr val="accent1">
+        <a:tint val="60000"/>
+      </a:schemeClr>
+    </dgm:linClrLst>
+    <dgm:effectClrLst/>
+    <dgm:txLinClrLst/>
+    <dgm:txFillClrLst/>
+    <dgm:txEffectClrLst/>
+  </dgm:styleLbl>
+  <dgm:styleLbl name="bgSibTrans2D1">
+    <dgm:fillClrLst meth="repeat">
+      <a:schemeClr val="accent1">
+        <a:tint val="60000"/>
+      </a:schemeClr>
+    </dgm:fillClrLst>
+    <dgm:linClrLst meth="repeat">
+      <a:schemeClr val="accent1">
+        <a:tint val="60000"/>
+      </a:schemeClr>
+    </dgm:linClrLst>
+    <dgm:effectClrLst/>
+    <dgm:txLinClrLst/>
+    <dgm:txFillClrLst/>
+    <dgm:txEffectClrLst/>
+  </dgm:styleLbl>
+  <dgm:styleLbl name="sibTrans1D1">
+    <dgm:fillClrLst meth="repeat">
+      <a:schemeClr val="accent1"/>
+    </dgm:fillClrLst>
+    <dgm:linClrLst meth="repeat">
+      <a:schemeClr val="accent1"/>
+    </dgm:linClrLst>
+    <dgm:effectClrLst/>
+    <dgm:txLinClrLst/>
+    <dgm:txFillClrLst meth="repeat">
+      <a:schemeClr val="tx1"/>
+    </dgm:txFillClrLst>
+    <dgm:txEffectClrLst/>
+  </dgm:styleLbl>
+  <dgm:styleLbl name="callout">
+    <dgm:fillClrLst meth="repeat">
+      <a:schemeClr val="accent1"/>
+    </dgm:fillClrLst>
+    <dgm:linClrLst meth="repeat">
+      <a:schemeClr val="accent1">
+        <a:tint val="50000"/>
+      </a:schemeClr>
+    </dgm:linClrLst>
+    <dgm:effectClrLst/>
+    <dgm:txLinClrLst/>
+    <dgm:txFillClrLst meth="repeat">
+      <a:schemeClr val="tx1"/>
+    </dgm:txFillClrLst>
+    <dgm:txEffectClrLst/>
+  </dgm:styleLbl>
+  <dgm:styleLbl name="asst0">
+    <dgm:fillClrLst meth="repeat">
+      <a:schemeClr val="accent1"/>
+    </dgm:fillClrLst>
+    <dgm:linClrLst meth="repeat">
+      <a:schemeClr val="lt1"/>
+    </dgm:linClrLst>
+    <dgm:effectClrLst/>
+    <dgm:txLinClrLst/>
+    <dgm:txFillClrLst/>
+    <dgm:txEffectClrLst/>
+  </dgm:styleLbl>
+  <dgm:styleLbl name="asst1">
+    <dgm:fillClrLst meth="repeat">
+      <a:schemeClr val="accent1"/>
+    </dgm:fillClrLst>
+    <dgm:linClrLst meth="repeat">
+      <a:schemeClr val="lt1"/>
+    </dgm:linClrLst>
+    <dgm:effectClrLst/>
+    <dgm:txLinClrLst/>
+    <dgm:txFillClrLst/>
+    <dgm:txEffectClrLst/>
+  </dgm:styleLbl>
+  <dgm:styleLbl name="asst2">
+    <dgm:fillClrLst meth="repeat">
+      <a:schemeClr val="accent1"/>
+    </dgm:fillClrLst>
+    <dgm:linClrLst meth="repeat">
+      <a:schemeClr val="lt1"/>
+    </dgm:linClrLst>
+    <dgm:effectClrLst/>
+    <dgm:txLinClrLst/>
+    <dgm:txFillClrLst/>
+    <dgm:txEffectClrLst/>
+  </dgm:styleLbl>
+  <dgm:styleLbl name="asst3">
+    <dgm:fillClrLst meth="repeat">
+      <a:schemeClr val="accent1"/>
+    </dgm:fillClrLst>
+    <dgm:linClrLst meth="repeat">
+      <a:schemeClr val="lt1"/>
+    </dgm:linClrLst>
+    <dgm:effectClrLst/>
+    <dgm:txLinClrLst/>
+    <dgm:txFillClrLst/>
+    <dgm:txEffectClrLst/>
+  </dgm:styleLbl>
+  <dgm:styleLbl name="asst4">
+    <dgm:fillClrLst meth="repeat">
+      <a:schemeClr val="accent1"/>
+    </dgm:fillClrLst>
+    <dgm:linClrLst meth="repeat">
+      <a:schemeClr val="lt1"/>
+    </dgm:linClrLst>
+    <dgm:effectClrLst/>
+    <dgm:txLinClrLst/>
+    <dgm:txFillClrLst/>
+    <dgm:txEffectClrLst/>
+  </dgm:styleLbl>
+  <dgm:styleLbl name="parChTrans2D1">
+    <dgm:fillClrLst meth="repeat">
+      <a:schemeClr val="accent1">
+        <a:tint val="60000"/>
+      </a:schemeClr>
+    </dgm:fillClrLst>
+    <dgm:linClrLst meth="repeat">
+      <a:schemeClr val="accent1">
+        <a:tint val="60000"/>
+      </a:schemeClr>
+    </dgm:linClrLst>
+    <dgm:effectClrLst/>
+    <dgm:txLinClrLst/>
+    <dgm:txFillClrLst meth="repeat">
+      <a:schemeClr val="lt1"/>
+    </dgm:txFillClrLst>
+    <dgm:txEffectClrLst/>
+  </dgm:styleLbl>
+  <dgm:styleLbl name="parChTrans2D2">
+    <dgm:fillClrLst meth="repeat">
+      <a:schemeClr val="accent1"/>
+    </dgm:fillClrLst>
+    <dgm:linClrLst meth="repeat">
+      <a:schemeClr val="accent1"/>
+    </dgm:linClrLst>
+    <dgm:effectClrLst/>
+    <dgm:txLinClrLst/>
+    <dgm:txFillClrLst meth="repeat">
+      <a:schemeClr val="lt1"/>
+    </dgm:txFillClrLst>
+    <dgm:txEffectClrLst/>
+  </dgm:styleLbl>
+  <dgm:styleLbl name="parChTrans2D3">
+    <dgm:fillClrLst meth="repeat">
+      <a:schemeClr val="accent1"/>
+    </dgm:fillClrLst>
+    <dgm:linClrLst meth="repeat">
+      <a:schemeClr val="accent1"/>
+    </dgm:linClrLst>
+    <dgm:effectClrLst/>
+    <dgm:txLinClrLst/>
+    <dgm:txFillClrLst meth="repeat">
+      <a:schemeClr val="lt1"/>
+    </dgm:txFillClrLst>
+    <dgm:txEffectClrLst/>
+  </dgm:styleLbl>
+  <dgm:styleLbl name="parChTrans2D4">
+    <dgm:fillClrLst meth="repeat">
+      <a:schemeClr val="accent1"/>
+    </dgm:fillClrLst>
+    <dgm:linClrLst meth="repeat">
+      <a:schemeClr val="accent1"/>
+    </dgm:linClrLst>
+    <dgm:effectClrLst/>
+    <dgm:txLinClrLst/>
+    <dgm:txFillClrLst meth="repeat">
+      <a:schemeClr val="lt1"/>
+    </dgm:txFillClrLst>
+    <dgm:txEffectClrLst/>
+  </dgm:styleLbl>
+  <dgm:styleLbl name="parChTrans1D1">
+    <dgm:fillClrLst meth="repeat">
+      <a:schemeClr val="accent1"/>
+    </dgm:fillClrLst>
+    <dgm:linClrLst meth="repeat">
+      <a:schemeClr val="accent1">
+        <a:shade val="60000"/>
+      </a:schemeClr>
+    </dgm:linClrLst>
+    <dgm:effectClrLst/>
+    <dgm:txLinClrLst/>
+    <dgm:txFillClrLst meth="repeat">
+      <a:schemeClr val="tx1"/>
+    </dgm:txFillClrLst>
+    <dgm:txEffectClrLst/>
+  </dgm:styleLbl>
+  <dgm:styleLbl name="parChTrans1D2">
+    <dgm:fillClrLst meth="repeat">
+      <a:schemeClr val="accent1"/>
+    </dgm:fillClrLst>
+    <dgm:linClrLst meth="repeat">
+      <a:schemeClr val="accent1">
+        <a:shade val="60000"/>
+      </a:schemeClr>
+    </dgm:linClrLst>
+    <dgm:effectClrLst/>
+    <dgm:txLinClrLst/>
+    <dgm:txFillClrLst meth="repeat">
+      <a:schemeClr val="tx1"/>
+    </dgm:txFillClrLst>
+    <dgm:txEffectClrLst/>
+  </dgm:styleLbl>
+  <dgm:styleLbl name="parChTrans1D3">
+    <dgm:fillClrLst meth="repeat">
+      <a:schemeClr val="accent1"/>
+    </dgm:fillClrLst>
+    <dgm:linClrLst meth="repeat">
+      <a:schemeClr val="accent1">
+        <a:shade val="80000"/>
+      </a:schemeClr>
+    </dgm:linClrLst>
+    <dgm:effectClrLst/>
+    <dgm:txLinClrLst/>
+    <dgm:txFillClrLst meth="repeat">
+      <a:schemeClr val="tx1"/>
+    </dgm:txFillClrLst>
+    <dgm:txEffectClrLst/>
+  </dgm:styleLbl>
+  <dgm:styleLbl name="parChTrans1D4">
+    <dgm:fillClrLst meth="repeat">
+      <a:schemeClr val="accent1"/>
+    </dgm:fillClrLst>
+    <dgm:linClrLst meth="repeat">
+      <a:schemeClr val="accent1">
+        <a:shade val="80000"/>
+      </a:schemeClr>
+    </dgm:linClrLst>
+    <dgm:effectClrLst/>
+    <dgm:txLinClrLst/>
+    <dgm:txFillClrLst meth="repeat">
+      <a:schemeClr val="tx1"/>
+    </dgm:txFillClrLst>
+    <dgm:txEffectClrLst/>
+  </dgm:styleLbl>
+  <dgm:styleLbl name="fgAcc1">
+    <dgm:fillClrLst meth="repeat">
+      <a:schemeClr val="lt1">
+        <a:alpha val="90000"/>
+      </a:schemeClr>
+    </dgm:fillClrLst>
+    <dgm:linClrLst meth="repeat">
+      <a:schemeClr val="accent1"/>
+    </dgm:linClrLst>
+    <dgm:effectClrLst/>
+    <dgm:txLinClrLst/>
+    <dgm:txFillClrLst meth="repeat">
+      <a:schemeClr val="dk1"/>
+    </dgm:txFillClrLst>
+    <dgm:txEffectClrLst/>
+  </dgm:styleLbl>
+  <dgm:styleLbl name="conFgAcc1">
+    <dgm:fillClrLst meth="repeat">
+      <a:schemeClr val="lt1">
+        <a:alpha val="90000"/>
+      </a:schemeClr>
+    </dgm:fillClrLst>
+    <dgm:linClrLst meth="repeat">
+      <a:schemeClr val="accent1"/>
+    </dgm:linClrLst>
+    <dgm:effectClrLst/>
+    <dgm:txLinClrLst/>
+    <dgm:txFillClrLst meth="repeat">
+      <a:schemeClr val="dk1"/>
+    </dgm:txFillClrLst>
+    <dgm:txEffectClrLst/>
+  </dgm:styleLbl>
+  <dgm:styleLbl name="alignAcc1">
+    <dgm:fillClrLst meth="repeat">
+      <a:schemeClr val="lt1">
+        <a:alpha val="90000"/>
+      </a:schemeClr>
+    </dgm:fillClrLst>
+    <dgm:linClrLst meth="repeat">
+      <a:schemeClr val="accent1"/>
+    </dgm:linClrLst>
+    <dgm:effectClrLst/>
+    <dgm:txLinClrLst/>
+    <dgm:txFillClrLst meth="repeat">
+      <a:schemeClr val="dk1"/>
+    </dgm:txFillClrLst>
+    <dgm:txEffectClrLst/>
+  </dgm:styleLbl>
+  <dgm:styleLbl name="trAlignAcc1">
+    <dgm:fillClrLst meth="repeat">
+      <a:schemeClr val="lt1">
+        <a:alpha val="40000"/>
+      </a:schemeClr>
+    </dgm:fillClrLst>
+    <dgm:linClrLst meth="repeat">
+      <a:schemeClr val="accent1"/>
+    </dgm:linClrLst>
+    <dgm:effectClrLst/>
+    <dgm:txLinClrLst/>
+    <dgm:txFillClrLst meth="repeat">
+      <a:schemeClr val="dk1"/>
+    </dgm:txFillClrLst>
+    <dgm:txEffectClrLst/>
+  </dgm:styleLbl>
+  <dgm:styleLbl name="bgAcc1">
+    <dgm:fillClrLst meth="repeat">
+      <a:schemeClr val="lt1">
+        <a:alpha val="90000"/>
+      </a:schemeClr>
+    </dgm:fillClrLst>
+    <dgm:linClrLst meth="repeat">
+      <a:schemeClr val="accent1"/>
+    </dgm:linClrLst>
+    <dgm:effectClrLst/>
+    <dgm:txLinClrLst/>
+    <dgm:txFillClrLst meth="repeat">
+      <a:schemeClr val="dk1"/>
+    </dgm:txFillClrLst>
+    <dgm:txEffectClrLst/>
+  </dgm:styleLbl>
+  <dgm:styleLbl name="solidFgAcc1">
+    <dgm:fillClrLst meth="repeat">
+      <a:schemeClr val="lt1"/>
+    </dgm:fillClrLst>
+    <dgm:linClrLst meth="repeat">
+      <a:schemeClr val="accent1"/>
+    </dgm:linClrLst>
+    <dgm:effectClrLst/>
+    <dgm:txLinClrLst/>
+    <dgm:txFillClrLst meth="repeat">
+      <a:schemeClr val="dk1"/>
+    </dgm:txFillClrLst>
+    <dgm:txEffectClrLst/>
+  </dgm:styleLbl>
+  <dgm:styleLbl name="solidAlignAcc1">
+    <dgm:fillClrLst meth="repeat">
+      <a:schemeClr val="lt1"/>
+    </dgm:fillClrLst>
+    <dgm:linClrLst meth="repeat">
+      <a:schemeClr val="accent1"/>
+    </dgm:linClrLst>
+    <dgm:effectClrLst/>
+    <dgm:txLinClrLst/>
+    <dgm:txFillClrLst meth="repeat">
+      <a:schemeClr val="dk1"/>
+    </dgm:txFillClrLst>
+    <dgm:txEffectClrLst/>
+  </dgm:styleLbl>
+  <dgm:styleLbl name="solidBgAcc1">
+    <dgm:fillClrLst meth="repeat">
+      <a:schemeClr val="lt1"/>
+    </dgm:fillClrLst>
+    <dgm:linClrLst meth="repeat">
+      <a:schemeClr val="accent1"/>
+    </dgm:linClrLst>
+    <dgm:effectClrLst/>
+    <dgm:txLinClrLst/>
+    <dgm:txFillClrLst meth="repeat">
+      <a:schemeClr val="dk1"/>
+    </dgm:txFillClrLst>
+    <dgm:txEffectClrLst/>
+  </dgm:styleLbl>
+  <dgm:styleLbl name="fgAccFollowNode1">
+    <dgm:fillClrLst meth="repeat">
+      <a:schemeClr val="accent1">
+        <a:alpha val="90000"/>
+        <a:tint val="40000"/>
+      </a:schemeClr>
+    </dgm:fillClrLst>
+    <dgm:linClrLst meth="repeat">
+      <a:schemeClr val="accent1">
+        <a:alpha val="90000"/>
+        <a:tint val="40000"/>
+      </a:schemeClr>
+    </dgm:linClrLst>
+    <dgm:effectClrLst/>
+    <dgm:txLinClrLst/>
+    <dgm:txFillClrLst meth="repeat">
+      <a:schemeClr val="dk1"/>
+    </dgm:txFillClrLst>
+    <dgm:txEffectClrLst/>
+  </dgm:styleLbl>
+  <dgm:styleLbl name="alignAccFollowNode1">
+    <dgm:fillClrLst meth="repeat">
+      <a:schemeClr val="accent1">
+        <a:alpha val="90000"/>
+        <a:tint val="40000"/>
+      </a:schemeClr>
+    </dgm:fillClrLst>
+    <dgm:linClrLst meth="repeat">
+      <a:schemeClr val="accent1">
+        <a:alpha val="90000"/>
+        <a:tint val="40000"/>
+      </a:schemeClr>
+    </dgm:linClrLst>
+    <dgm:effectClrLst/>
+    <dgm:txLinClrLst/>
+    <dgm:txFillClrLst meth="repeat">
+      <a:schemeClr val="dk1"/>
+    </dgm:txFillClrLst>
+    <dgm:txEffectClrLst/>
+  </dgm:styleLbl>
+  <dgm:styleLbl name="bgAccFollowNode1">
+    <dgm:fillClrLst meth="repeat">
+      <a:schemeClr val="accent1">
+        <a:alpha val="90000"/>
+        <a:tint val="40000"/>
+      </a:schemeClr>
+    </dgm:fillClrLst>
+    <dgm:linClrLst meth="repeat">
+      <a:schemeClr val="accent1">
+        <a:alpha val="90000"/>
+        <a:tint val="40000"/>
+      </a:schemeClr>
+    </dgm:linClrLst>
+    <dgm:effectClrLst/>
+    <dgm:txLinClrLst/>
+    <dgm:txFillClrLst meth="repeat">
+      <a:schemeClr val="dk1"/>
+    </dgm:txFillClrLst>
+    <dgm:txEffectClrLst/>
+  </dgm:styleLbl>
+  <dgm:styleLbl name="fgAcc0">
+    <dgm:fillClrLst meth="repeat">
+      <a:schemeClr val="lt1">
+        <a:alpha val="90000"/>
+      </a:schemeClr>
+    </dgm:fillClrLst>
+    <dgm:linClrLst meth="repeat">
+      <a:schemeClr val="accent1"/>
+    </dgm:linClrLst>
+    <dgm:effectClrLst/>
+    <dgm:txLinClrLst/>
+    <dgm:txFillClrLst meth="repeat">
+      <a:schemeClr val="dk1"/>
+    </dgm:txFillClrLst>
+    <dgm:txEffectClrLst/>
+  </dgm:styleLbl>
+  <dgm:styleLbl name="fgAcc2">
+    <dgm:fillClrLst meth="repeat">
+      <a:schemeClr val="lt1">
+        <a:alpha val="90000"/>
+      </a:schemeClr>
+    </dgm:fillClrLst>
+    <dgm:linClrLst meth="repeat">
+      <a:schemeClr val="accent1"/>
+    </dgm:linClrLst>
+    <dgm:effectClrLst/>
+    <dgm:txLinClrLst/>
+    <dgm:txFillClrLst meth="repeat">
+      <a:schemeClr val="dk1"/>
+    </dgm:txFillClrLst>
+    <dgm:txEffectClrLst/>
+  </dgm:styleLbl>
+  <dgm:styleLbl name="fgAcc3">
+    <dgm:fillClrLst meth="repeat">
+      <a:schemeClr val="lt1">
+        <a:alpha val="90000"/>
+      </a:schemeClr>
+    </dgm:fillClrLst>
+    <dgm:linClrLst meth="repeat">
+      <a:schemeClr val="accent1"/>
+    </dgm:linClrLst>
+    <dgm:effectClrLst/>
+    <dgm:txLinClrLst/>
+    <dgm:txFillClrLst meth="repeat">
+      <a:schemeClr val="dk1"/>
+    </dgm:txFillClrLst>
+    <dgm:txEffectClrLst/>
+  </dgm:styleLbl>
+  <dgm:styleLbl name="fgAcc4">
+    <dgm:fillClrLst meth="repeat">
+      <a:schemeClr val="lt1">
+        <a:alpha val="90000"/>
+      </a:schemeClr>
+    </dgm:fillClrLst>
+    <dgm:linClrLst meth="repeat">
+      <a:schemeClr val="accent1"/>
+    </dgm:linClrLst>
+    <dgm:effectClrLst/>
+    <dgm:txLinClrLst/>
+    <dgm:txFillClrLst meth="repeat">
+      <a:schemeClr val="dk1"/>
+    </dgm:txFillClrLst>
+    <dgm:txEffectClrLst/>
+  </dgm:styleLbl>
+  <dgm:styleLbl name="bgShp">
+    <dgm:fillClrLst meth="repeat">
+      <a:schemeClr val="accent1">
+        <a:tint val="40000"/>
+      </a:schemeClr>
+    </dgm:fillClrLst>
+    <dgm:linClrLst meth="repeat">
+      <a:schemeClr val="accent1"/>
+    </dgm:linClrLst>
+    <dgm:effectClrLst/>
+    <dgm:txLinClrLst/>
+    <dgm:txFillClrLst meth="repeat">
+      <a:schemeClr val="dk1"/>
+    </dgm:txFillClrLst>
+    <dgm:txEffectClrLst/>
+  </dgm:styleLbl>
+  <dgm:styleLbl name="dkBgShp">
+    <dgm:fillClrLst meth="repeat">
+      <a:schemeClr val="accent1">
+        <a:shade val="80000"/>
+      </a:schemeClr>
+    </dgm:fillClrLst>
+    <dgm:linClrLst meth="repeat">
+      <a:schemeClr val="accent1"/>
+    </dgm:linClrLst>
+    <dgm:effectClrLst/>
+    <dgm:txLinClrLst/>
+    <dgm:txFillClrLst meth="repeat">
+      <a:schemeClr val="lt1"/>
+    </dgm:txFillClrLst>
+    <dgm:txEffectClrLst/>
+  </dgm:styleLbl>
+  <dgm:styleLbl name="trBgShp">
+    <dgm:fillClrLst meth="repeat">
+      <a:schemeClr val="accent1">
+        <a:tint val="50000"/>
+        <a:alpha val="40000"/>
+      </a:schemeClr>
+    </dgm:fillClrLst>
+    <dgm:linClrLst meth="repeat">
+      <a:schemeClr val="accent1"/>
+    </dgm:linClrLst>
+    <dgm:effectClrLst/>
+    <dgm:txLinClrLst/>
+    <dgm:txFillClrLst meth="repeat">
+      <a:schemeClr val="lt1"/>
+    </dgm:txFillClrLst>
+    <dgm:txEffectClrLst/>
+  </dgm:styleLbl>
+  <dgm:styleLbl name="fgShp">
+    <dgm:fillClrLst meth="repeat">
+      <a:schemeClr val="accent1">
+        <a:tint val="60000"/>
+      </a:schemeClr>
+    </dgm:fillClrLst>
+    <dgm:linClrLst meth="repeat">
+      <a:schemeClr val="lt1"/>
+    </dgm:linClrLst>
+    <dgm:effectClrLst/>
+    <dgm:txLinClrLst/>
+    <dgm:txFillClrLst meth="repeat">
+      <a:schemeClr val="dk1"/>
+    </dgm:txFillClrLst>
+    <dgm:txEffectClrLst/>
+  </dgm:styleLbl>
+  <dgm:styleLbl name="revTx">
+    <dgm:fillClrLst meth="repeat">
+      <a:schemeClr val="lt1">
+        <a:alpha val="0"/>
+      </a:schemeClr>
+    </dgm:fillClrLst>
+    <dgm:linClrLst meth="repeat">
+      <a:schemeClr val="dk1">
+        <a:alpha val="0"/>
+      </a:schemeClr>
+    </dgm:linClrLst>
+    <dgm:effectClrLst/>
+    <dgm:txLinClrLst/>
+    <dgm:txFillClrLst meth="repeat">
+      <a:schemeClr val="tx1"/>
+    </dgm:txFillClrLst>
+    <dgm:txEffectClrLst/>
+  </dgm:styleLbl>
+</dgm:colorsDef>
+</file>
+
+<file path=ppt/diagrams/colors5.xml><?xml version="1.0" encoding="utf-8"?>
 <dgm:colorsDef xmlns:dgm="http://schemas.openxmlformats.org/drawingml/2006/diagram" xmlns:a="http://schemas.openxmlformats.org/drawingml/2006/main" uniqueId="urn:microsoft.com/office/officeart/2005/8/colors/accent0_3">
   <dgm:title val=""/>
   <dgm:desc val=""/>
@@ -4774,8 +5578,682 @@
 <file path=ppt/diagrams/data3.xml><?xml version="1.0" encoding="utf-8"?>
 <dgm:dataModel xmlns:dgm="http://schemas.openxmlformats.org/drawingml/2006/diagram" xmlns:a="http://schemas.openxmlformats.org/drawingml/2006/main">
   <dgm:ptLst>
+    <dgm:pt modelId="{7057BF96-D269-404B-A805-F05A12C7491E}" type="doc">
+      <dgm:prSet loTypeId="urn:microsoft.com/office/officeart/2005/8/layout/process5" loCatId="process" qsTypeId="urn:microsoft.com/office/officeart/2005/8/quickstyle/simple1" qsCatId="simple" csTypeId="urn:microsoft.com/office/officeart/2005/8/colors/accent0_1" csCatId="mainScheme" phldr="1"/>
+      <dgm:spPr/>
+      <dgm:t>
+        <a:bodyPr/>
+        <a:lstStyle/>
+        <a:p>
+          <a:endParaRPr lang="pt-BR"/>
+        </a:p>
+      </dgm:t>
+    </dgm:pt>
+    <dgm:pt modelId="{F065C948-A633-485B-B370-CA276745C076}">
+      <dgm:prSet phldrT="[Texto]" custT="1"/>
+      <dgm:spPr/>
+      <dgm:t>
+        <a:bodyPr/>
+        <a:lstStyle/>
+        <a:p>
+          <a:r>
+            <a:rPr lang="pt-BR" sz="1000" dirty="0"/>
+            <a:t>Aquisição da Imagem</a:t>
+          </a:r>
+        </a:p>
+      </dgm:t>
+    </dgm:pt>
+    <dgm:pt modelId="{75BF7D6C-A6DD-4895-A7A7-00D86B8073A4}" type="parTrans" cxnId="{FDF35483-617F-41ED-919D-489DF57D996F}">
+      <dgm:prSet/>
+      <dgm:spPr/>
+      <dgm:t>
+        <a:bodyPr/>
+        <a:lstStyle/>
+        <a:p>
+          <a:endParaRPr lang="pt-BR" sz="1000"/>
+        </a:p>
+      </dgm:t>
+    </dgm:pt>
+    <dgm:pt modelId="{A92DE6FA-1268-416D-8A36-F7C4B7501CD2}" type="sibTrans" cxnId="{FDF35483-617F-41ED-919D-489DF57D996F}">
+      <dgm:prSet custT="1"/>
+      <dgm:spPr/>
+      <dgm:t>
+        <a:bodyPr/>
+        <a:lstStyle/>
+        <a:p>
+          <a:endParaRPr lang="pt-BR" sz="1000"/>
+        </a:p>
+      </dgm:t>
+    </dgm:pt>
+    <dgm:pt modelId="{DBF3241C-EA27-4BB2-BF35-B82C9F670472}">
+      <dgm:prSet phldrT="[Texto]" custT="1"/>
+      <dgm:spPr/>
+      <dgm:t>
+        <a:bodyPr/>
+        <a:lstStyle/>
+        <a:p>
+          <a:r>
+            <a:rPr lang="pt-BR" sz="1000" dirty="0"/>
+            <a:t>Rotação de 90°</a:t>
+          </a:r>
+        </a:p>
+      </dgm:t>
+    </dgm:pt>
+    <dgm:pt modelId="{43C85F26-56A9-41D9-B013-F4FD48615DF0}" type="parTrans" cxnId="{CCC08CEF-FA05-454D-BEDF-1DB348F76069}">
+      <dgm:prSet/>
+      <dgm:spPr/>
+      <dgm:t>
+        <a:bodyPr/>
+        <a:lstStyle/>
+        <a:p>
+          <a:endParaRPr lang="pt-BR" sz="1000"/>
+        </a:p>
+      </dgm:t>
+    </dgm:pt>
+    <dgm:pt modelId="{BA542621-EF1B-406D-8EFE-C444850CC4F8}" type="sibTrans" cxnId="{CCC08CEF-FA05-454D-BEDF-1DB348F76069}">
+      <dgm:prSet custT="1"/>
+      <dgm:spPr/>
+      <dgm:t>
+        <a:bodyPr/>
+        <a:lstStyle/>
+        <a:p>
+          <a:endParaRPr lang="pt-BR" sz="1000"/>
+        </a:p>
+      </dgm:t>
+    </dgm:pt>
+    <dgm:pt modelId="{AB591455-5BA3-4F3B-958D-365402D499AB}">
+      <dgm:prSet phldrT="[Texto]" custT="1"/>
+      <dgm:spPr/>
+      <dgm:t>
+        <a:bodyPr/>
+        <a:lstStyle/>
+        <a:p>
+          <a:r>
+            <a:rPr lang="pt-BR" sz="1000" dirty="0"/>
+            <a:t>Suavização da imagem</a:t>
+          </a:r>
+        </a:p>
+      </dgm:t>
+    </dgm:pt>
+    <dgm:pt modelId="{CA57F737-6F62-4F5A-B4A6-5451E3C24CF6}" type="parTrans" cxnId="{DF3E8554-9133-4A43-8714-566BA569EBAA}">
+      <dgm:prSet/>
+      <dgm:spPr/>
+      <dgm:t>
+        <a:bodyPr/>
+        <a:lstStyle/>
+        <a:p>
+          <a:endParaRPr lang="pt-BR" sz="1000"/>
+        </a:p>
+      </dgm:t>
+    </dgm:pt>
+    <dgm:pt modelId="{D6A8CFC7-AC3E-4252-A5C3-89B0AC45D72E}" type="sibTrans" cxnId="{DF3E8554-9133-4A43-8714-566BA569EBAA}">
+      <dgm:prSet custT="1"/>
+      <dgm:spPr/>
+      <dgm:t>
+        <a:bodyPr/>
+        <a:lstStyle/>
+        <a:p>
+          <a:endParaRPr lang="pt-BR" sz="1000"/>
+        </a:p>
+      </dgm:t>
+    </dgm:pt>
+    <dgm:pt modelId="{EB88E898-6100-4F03-9B27-66B8F56B7EEC}">
+      <dgm:prSet custT="1"/>
+      <dgm:spPr/>
+      <dgm:t>
+        <a:bodyPr/>
+        <a:lstStyle/>
+        <a:p>
+          <a:r>
+            <a:rPr lang="pt-BR" sz="1000" dirty="0"/>
+            <a:t>Conversão RGB para HSV</a:t>
+          </a:r>
+        </a:p>
+      </dgm:t>
+    </dgm:pt>
+    <dgm:pt modelId="{B8B6D863-FBA9-4056-ABAE-8B592F84AA4E}" type="parTrans" cxnId="{61C32F4F-F4BC-461E-B2AC-77328867E764}">
+      <dgm:prSet/>
+      <dgm:spPr/>
+      <dgm:t>
+        <a:bodyPr/>
+        <a:lstStyle/>
+        <a:p>
+          <a:endParaRPr lang="pt-BR" sz="1000"/>
+        </a:p>
+      </dgm:t>
+    </dgm:pt>
+    <dgm:pt modelId="{B5AE7E88-77EE-4A02-AF23-B94EB5C945B6}" type="sibTrans" cxnId="{61C32F4F-F4BC-461E-B2AC-77328867E764}">
+      <dgm:prSet custT="1"/>
+      <dgm:spPr/>
+      <dgm:t>
+        <a:bodyPr/>
+        <a:lstStyle/>
+        <a:p>
+          <a:endParaRPr lang="pt-BR" sz="1000"/>
+        </a:p>
+      </dgm:t>
+    </dgm:pt>
+    <dgm:pt modelId="{29C8D0D3-29DC-4EDE-90C7-7C7DDAE790DA}">
+      <dgm:prSet custT="1"/>
+      <dgm:spPr/>
+      <dgm:t>
+        <a:bodyPr/>
+        <a:lstStyle/>
+        <a:p>
+          <a:r>
+            <a:rPr lang="pt-BR" sz="1000" dirty="0"/>
+            <a:t>Filtro HSV</a:t>
+          </a:r>
+        </a:p>
+      </dgm:t>
+    </dgm:pt>
+    <dgm:pt modelId="{FC060D33-1167-402B-B25C-25B112B7951C}" type="parTrans" cxnId="{CA04C42E-0430-4F98-A0D9-A62056891942}">
+      <dgm:prSet/>
+      <dgm:spPr/>
+      <dgm:t>
+        <a:bodyPr/>
+        <a:lstStyle/>
+        <a:p>
+          <a:endParaRPr lang="pt-BR" sz="1000"/>
+        </a:p>
+      </dgm:t>
+    </dgm:pt>
+    <dgm:pt modelId="{A2B0D8DB-266D-4169-B738-593AB389D8B5}" type="sibTrans" cxnId="{CA04C42E-0430-4F98-A0D9-A62056891942}">
+      <dgm:prSet custT="1"/>
+      <dgm:spPr/>
+      <dgm:t>
+        <a:bodyPr/>
+        <a:lstStyle/>
+        <a:p>
+          <a:endParaRPr lang="pt-BR" sz="1000"/>
+        </a:p>
+      </dgm:t>
+    </dgm:pt>
+    <dgm:pt modelId="{F89B6672-DBB4-4138-91BE-45E6357E8189}">
+      <dgm:prSet custT="1"/>
+      <dgm:spPr/>
+      <dgm:t>
+        <a:bodyPr/>
+        <a:lstStyle/>
+        <a:p>
+          <a:r>
+            <a:rPr lang="pt-BR" sz="1000" dirty="0"/>
+            <a:t>Operações Morfológicas</a:t>
+          </a:r>
+        </a:p>
+      </dgm:t>
+    </dgm:pt>
+    <dgm:pt modelId="{420854F6-7DC1-43A4-803D-5E65C1BCD627}" type="parTrans" cxnId="{95FE0450-BA8F-4AE0-BF5E-75E61AF0E667}">
+      <dgm:prSet/>
+      <dgm:spPr/>
+      <dgm:t>
+        <a:bodyPr/>
+        <a:lstStyle/>
+        <a:p>
+          <a:endParaRPr lang="pt-BR" sz="1000"/>
+        </a:p>
+      </dgm:t>
+    </dgm:pt>
+    <dgm:pt modelId="{4077CFD3-4054-4632-8716-BCA49E0D2810}" type="sibTrans" cxnId="{95FE0450-BA8F-4AE0-BF5E-75E61AF0E667}">
+      <dgm:prSet custT="1"/>
+      <dgm:spPr/>
+      <dgm:t>
+        <a:bodyPr/>
+        <a:lstStyle/>
+        <a:p>
+          <a:endParaRPr lang="pt-BR" sz="1000"/>
+        </a:p>
+      </dgm:t>
+    </dgm:pt>
+    <dgm:pt modelId="{A08C05C2-9865-4250-B9F3-A0D4FEB1543B}">
+      <dgm:prSet custT="1"/>
+      <dgm:spPr/>
+      <dgm:t>
+        <a:bodyPr/>
+        <a:lstStyle/>
+        <a:p>
+          <a:r>
+            <a:rPr lang="pt-BR" sz="1000" dirty="0"/>
+            <a:t>Encontra Contornos</a:t>
+          </a:r>
+        </a:p>
+      </dgm:t>
+    </dgm:pt>
+    <dgm:pt modelId="{9416BC6C-DAF8-40AA-8D35-A9510AF1D6FF}" type="parTrans" cxnId="{0825F704-3A1B-4FEB-99A8-F326C028A862}">
+      <dgm:prSet/>
+      <dgm:spPr/>
+      <dgm:t>
+        <a:bodyPr/>
+        <a:lstStyle/>
+        <a:p>
+          <a:endParaRPr lang="pt-BR" sz="1000"/>
+        </a:p>
+      </dgm:t>
+    </dgm:pt>
+    <dgm:pt modelId="{203BB0EC-A745-4755-9324-36DC43F612D7}" type="sibTrans" cxnId="{0825F704-3A1B-4FEB-99A8-F326C028A862}">
+      <dgm:prSet custT="1"/>
+      <dgm:spPr/>
+      <dgm:t>
+        <a:bodyPr/>
+        <a:lstStyle/>
+        <a:p>
+          <a:endParaRPr lang="pt-BR" sz="1000"/>
+        </a:p>
+      </dgm:t>
+    </dgm:pt>
+    <dgm:pt modelId="{1DE589FD-8173-47E1-9D6B-B2F3831E6D7F}">
+      <dgm:prSet custT="1"/>
+      <dgm:spPr/>
+      <dgm:t>
+        <a:bodyPr/>
+        <a:lstStyle/>
+        <a:p>
+          <a:r>
+            <a:rPr lang="pt-BR" sz="1000" dirty="0"/>
+            <a:t>Estima Raio e Posição do Circulo</a:t>
+          </a:r>
+        </a:p>
+      </dgm:t>
+    </dgm:pt>
+    <dgm:pt modelId="{67B88E93-F25B-43A0-BC3E-0CFCF8E5CA29}" type="parTrans" cxnId="{DC514200-95B2-438B-B790-6C694A83CA76}">
+      <dgm:prSet/>
+      <dgm:spPr/>
+      <dgm:t>
+        <a:bodyPr/>
+        <a:lstStyle/>
+        <a:p>
+          <a:endParaRPr lang="pt-BR" sz="1000"/>
+        </a:p>
+      </dgm:t>
+    </dgm:pt>
+    <dgm:pt modelId="{20F1411F-3EE4-4B1D-960C-5BCD03DAC96C}" type="sibTrans" cxnId="{DC514200-95B2-438B-B790-6C694A83CA76}">
+      <dgm:prSet custT="1"/>
+      <dgm:spPr/>
+      <dgm:t>
+        <a:bodyPr/>
+        <a:lstStyle/>
+        <a:p>
+          <a:endParaRPr lang="pt-BR" sz="1000"/>
+        </a:p>
+      </dgm:t>
+    </dgm:pt>
+    <dgm:pt modelId="{7880A153-E1BD-4128-9A84-4E99872499E3}">
+      <dgm:prSet custT="1"/>
+      <dgm:spPr/>
+      <dgm:t>
+        <a:bodyPr/>
+        <a:lstStyle/>
+        <a:p>
+          <a:r>
+            <a:rPr lang="pt-BR" sz="1000" dirty="0"/>
+            <a:t>Desenha uma Cruz no Centro do Circulo</a:t>
+          </a:r>
+        </a:p>
+      </dgm:t>
+    </dgm:pt>
+    <dgm:pt modelId="{181DF2BF-063B-4F96-AB00-A374F625B1B8}" type="parTrans" cxnId="{BBB5315D-7380-4E11-8376-92A1EEFD864A}">
+      <dgm:prSet/>
+      <dgm:spPr/>
+      <dgm:t>
+        <a:bodyPr/>
+        <a:lstStyle/>
+        <a:p>
+          <a:endParaRPr lang="pt-BR" sz="1000"/>
+        </a:p>
+      </dgm:t>
+    </dgm:pt>
+    <dgm:pt modelId="{A2E22B9A-3BB2-4BD0-8D97-9E84D90B8033}" type="sibTrans" cxnId="{BBB5315D-7380-4E11-8376-92A1EEFD864A}">
+      <dgm:prSet custT="1"/>
+      <dgm:spPr/>
+      <dgm:t>
+        <a:bodyPr/>
+        <a:lstStyle/>
+        <a:p>
+          <a:endParaRPr lang="pt-BR" sz="1000"/>
+        </a:p>
+      </dgm:t>
+    </dgm:pt>
+    <dgm:pt modelId="{E13C1750-D284-4ADA-80D3-1D1A92CB3DA1}">
+      <dgm:prSet custT="1"/>
+      <dgm:spPr/>
+      <dgm:t>
+        <a:bodyPr/>
+        <a:lstStyle/>
+        <a:p>
+          <a:r>
+            <a:rPr lang="pt-BR" sz="1000" dirty="0"/>
+            <a:t>Exibe a Imagem Original com a Cruz no Centro do Objeto Rastreado</a:t>
+          </a:r>
+        </a:p>
+      </dgm:t>
+    </dgm:pt>
+    <dgm:pt modelId="{3239A25D-5E7C-47A7-9E5B-CE3C65B6DFF6}" type="parTrans" cxnId="{186B161C-EFFB-47B3-9BFB-3CE7BD3A8156}">
+      <dgm:prSet/>
+      <dgm:spPr/>
+      <dgm:t>
+        <a:bodyPr/>
+        <a:lstStyle/>
+        <a:p>
+          <a:endParaRPr lang="pt-BR" sz="1000"/>
+        </a:p>
+      </dgm:t>
+    </dgm:pt>
+    <dgm:pt modelId="{98212717-5F39-4210-827D-962940895125}" type="sibTrans" cxnId="{186B161C-EFFB-47B3-9BFB-3CE7BD3A8156}">
+      <dgm:prSet custT="1"/>
+      <dgm:spPr/>
+      <dgm:t>
+        <a:bodyPr/>
+        <a:lstStyle/>
+        <a:p>
+          <a:endParaRPr lang="pt-BR" sz="1000"/>
+        </a:p>
+      </dgm:t>
+    </dgm:pt>
+    <dgm:pt modelId="{22FD3908-A66E-4E7E-AAC4-0682B5574927}">
+      <dgm:prSet custT="1"/>
+      <dgm:spPr/>
+      <dgm:t>
+        <a:bodyPr/>
+        <a:lstStyle/>
+        <a:p>
+          <a:r>
+            <a:rPr lang="pt-BR" sz="1000" dirty="0"/>
+            <a:t>Envia as informações de Posição e Raio do Circulo para o Controlador</a:t>
+          </a:r>
+        </a:p>
+      </dgm:t>
+    </dgm:pt>
+    <dgm:pt modelId="{BA8BF294-E770-43F2-A916-722DE06EBF3E}" type="parTrans" cxnId="{87354311-943B-4522-B726-983C7810E1F8}">
+      <dgm:prSet/>
+      <dgm:spPr/>
+      <dgm:t>
+        <a:bodyPr/>
+        <a:lstStyle/>
+        <a:p>
+          <a:endParaRPr lang="pt-BR" sz="1000"/>
+        </a:p>
+      </dgm:t>
+    </dgm:pt>
+    <dgm:pt modelId="{0315673B-0FC7-4C48-9622-E194C3A3E4EE}" type="sibTrans" cxnId="{87354311-943B-4522-B726-983C7810E1F8}">
+      <dgm:prSet/>
+      <dgm:spPr/>
+      <dgm:t>
+        <a:bodyPr/>
+        <a:lstStyle/>
+        <a:p>
+          <a:endParaRPr lang="pt-BR" sz="1000"/>
+        </a:p>
+      </dgm:t>
+    </dgm:pt>
+    <dgm:pt modelId="{5A4DAD0A-3662-46BA-BC87-892E4F421FF7}" type="pres">
+      <dgm:prSet presAssocID="{7057BF96-D269-404B-A805-F05A12C7491E}" presName="diagram" presStyleCnt="0">
+        <dgm:presLayoutVars>
+          <dgm:dir/>
+          <dgm:resizeHandles val="exact"/>
+        </dgm:presLayoutVars>
+      </dgm:prSet>
+      <dgm:spPr/>
+    </dgm:pt>
+    <dgm:pt modelId="{9D10BA6C-8BC7-4A35-8D7A-C43979A8F8A2}" type="pres">
+      <dgm:prSet presAssocID="{F065C948-A633-485B-B370-CA276745C076}" presName="node" presStyleLbl="node1" presStyleIdx="0" presStyleCnt="11">
+        <dgm:presLayoutVars>
+          <dgm:bulletEnabled val="1"/>
+        </dgm:presLayoutVars>
+      </dgm:prSet>
+      <dgm:spPr/>
+    </dgm:pt>
+    <dgm:pt modelId="{530923B7-2F2A-4F0F-A9E5-FC25B9FDD638}" type="pres">
+      <dgm:prSet presAssocID="{A92DE6FA-1268-416D-8A36-F7C4B7501CD2}" presName="sibTrans" presStyleLbl="sibTrans2D1" presStyleIdx="0" presStyleCnt="10"/>
+      <dgm:spPr/>
+    </dgm:pt>
+    <dgm:pt modelId="{36A5C86C-19FA-4E21-80AF-3BD0C839F8BB}" type="pres">
+      <dgm:prSet presAssocID="{A92DE6FA-1268-416D-8A36-F7C4B7501CD2}" presName="connectorText" presStyleLbl="sibTrans2D1" presStyleIdx="0" presStyleCnt="10"/>
+      <dgm:spPr/>
+    </dgm:pt>
+    <dgm:pt modelId="{9F928E82-40BF-4265-9E8E-3A8D1DEC0BB2}" type="pres">
+      <dgm:prSet presAssocID="{DBF3241C-EA27-4BB2-BF35-B82C9F670472}" presName="node" presStyleLbl="node1" presStyleIdx="1" presStyleCnt="11">
+        <dgm:presLayoutVars>
+          <dgm:bulletEnabled val="1"/>
+        </dgm:presLayoutVars>
+      </dgm:prSet>
+      <dgm:spPr/>
+    </dgm:pt>
+    <dgm:pt modelId="{5C0D02E6-B0EE-4E38-8A15-2F531226144C}" type="pres">
+      <dgm:prSet presAssocID="{BA542621-EF1B-406D-8EFE-C444850CC4F8}" presName="sibTrans" presStyleLbl="sibTrans2D1" presStyleIdx="1" presStyleCnt="10"/>
+      <dgm:spPr/>
+    </dgm:pt>
+    <dgm:pt modelId="{532A8E59-FD92-4FFC-ACD3-1F6DBF105283}" type="pres">
+      <dgm:prSet presAssocID="{BA542621-EF1B-406D-8EFE-C444850CC4F8}" presName="connectorText" presStyleLbl="sibTrans2D1" presStyleIdx="1" presStyleCnt="10"/>
+      <dgm:spPr/>
+    </dgm:pt>
+    <dgm:pt modelId="{53230EE6-DE99-4A40-ACCC-8E5B957F1A96}" type="pres">
+      <dgm:prSet presAssocID="{AB591455-5BA3-4F3B-958D-365402D499AB}" presName="node" presStyleLbl="node1" presStyleIdx="2" presStyleCnt="11">
+        <dgm:presLayoutVars>
+          <dgm:bulletEnabled val="1"/>
+        </dgm:presLayoutVars>
+      </dgm:prSet>
+      <dgm:spPr/>
+    </dgm:pt>
+    <dgm:pt modelId="{2BF6B84B-09D6-4389-8AEC-228573A5A987}" type="pres">
+      <dgm:prSet presAssocID="{D6A8CFC7-AC3E-4252-A5C3-89B0AC45D72E}" presName="sibTrans" presStyleLbl="sibTrans2D1" presStyleIdx="2" presStyleCnt="10"/>
+      <dgm:spPr/>
+    </dgm:pt>
+    <dgm:pt modelId="{F364C839-4989-42BE-A28C-6012C9DD9212}" type="pres">
+      <dgm:prSet presAssocID="{D6A8CFC7-AC3E-4252-A5C3-89B0AC45D72E}" presName="connectorText" presStyleLbl="sibTrans2D1" presStyleIdx="2" presStyleCnt="10"/>
+      <dgm:spPr/>
+    </dgm:pt>
+    <dgm:pt modelId="{867CC196-25EF-4D90-A27B-FBA326AD7ED0}" type="pres">
+      <dgm:prSet presAssocID="{EB88E898-6100-4F03-9B27-66B8F56B7EEC}" presName="node" presStyleLbl="node1" presStyleIdx="3" presStyleCnt="11">
+        <dgm:presLayoutVars>
+          <dgm:bulletEnabled val="1"/>
+        </dgm:presLayoutVars>
+      </dgm:prSet>
+      <dgm:spPr/>
+    </dgm:pt>
+    <dgm:pt modelId="{BC05D22A-96E1-4E2F-B44F-265B504C48F7}" type="pres">
+      <dgm:prSet presAssocID="{B5AE7E88-77EE-4A02-AF23-B94EB5C945B6}" presName="sibTrans" presStyleLbl="sibTrans2D1" presStyleIdx="3" presStyleCnt="10"/>
+      <dgm:spPr/>
+    </dgm:pt>
+    <dgm:pt modelId="{4820CABE-C0C0-4127-9378-BB813929CAE2}" type="pres">
+      <dgm:prSet presAssocID="{B5AE7E88-77EE-4A02-AF23-B94EB5C945B6}" presName="connectorText" presStyleLbl="sibTrans2D1" presStyleIdx="3" presStyleCnt="10"/>
+      <dgm:spPr/>
+    </dgm:pt>
+    <dgm:pt modelId="{ADE7EA77-20B9-452E-89F5-93564C6CCE56}" type="pres">
+      <dgm:prSet presAssocID="{29C8D0D3-29DC-4EDE-90C7-7C7DDAE790DA}" presName="node" presStyleLbl="node1" presStyleIdx="4" presStyleCnt="11">
+        <dgm:presLayoutVars>
+          <dgm:bulletEnabled val="1"/>
+        </dgm:presLayoutVars>
+      </dgm:prSet>
+      <dgm:spPr/>
+    </dgm:pt>
+    <dgm:pt modelId="{2294403E-074F-4FDB-B214-7EF6CFD0A970}" type="pres">
+      <dgm:prSet presAssocID="{A2B0D8DB-266D-4169-B738-593AB389D8B5}" presName="sibTrans" presStyleLbl="sibTrans2D1" presStyleIdx="4" presStyleCnt="10"/>
+      <dgm:spPr/>
+    </dgm:pt>
+    <dgm:pt modelId="{92D80E80-69E5-460A-B021-1E7095382C16}" type="pres">
+      <dgm:prSet presAssocID="{A2B0D8DB-266D-4169-B738-593AB389D8B5}" presName="connectorText" presStyleLbl="sibTrans2D1" presStyleIdx="4" presStyleCnt="10"/>
+      <dgm:spPr/>
+    </dgm:pt>
+    <dgm:pt modelId="{2447AAE3-27D3-425C-A32D-FB3AE706CA4F}" type="pres">
+      <dgm:prSet presAssocID="{F89B6672-DBB4-4138-91BE-45E6357E8189}" presName="node" presStyleLbl="node1" presStyleIdx="5" presStyleCnt="11">
+        <dgm:presLayoutVars>
+          <dgm:bulletEnabled val="1"/>
+        </dgm:presLayoutVars>
+      </dgm:prSet>
+      <dgm:spPr/>
+    </dgm:pt>
+    <dgm:pt modelId="{4AA68797-65C1-4467-A723-B0358B3EB783}" type="pres">
+      <dgm:prSet presAssocID="{4077CFD3-4054-4632-8716-BCA49E0D2810}" presName="sibTrans" presStyleLbl="sibTrans2D1" presStyleIdx="5" presStyleCnt="10"/>
+      <dgm:spPr/>
+    </dgm:pt>
+    <dgm:pt modelId="{DC7BA26E-4A2A-4B5F-8CB8-A29F34D411C8}" type="pres">
+      <dgm:prSet presAssocID="{4077CFD3-4054-4632-8716-BCA49E0D2810}" presName="connectorText" presStyleLbl="sibTrans2D1" presStyleIdx="5" presStyleCnt="10"/>
+      <dgm:spPr/>
+    </dgm:pt>
+    <dgm:pt modelId="{980678BD-78D9-48C0-993F-44678A35B3DA}" type="pres">
+      <dgm:prSet presAssocID="{A08C05C2-9865-4250-B9F3-A0D4FEB1543B}" presName="node" presStyleLbl="node1" presStyleIdx="6" presStyleCnt="11">
+        <dgm:presLayoutVars>
+          <dgm:bulletEnabled val="1"/>
+        </dgm:presLayoutVars>
+      </dgm:prSet>
+      <dgm:spPr/>
+    </dgm:pt>
+    <dgm:pt modelId="{D3ADE72C-E83B-42FD-A721-E0374252F86C}" type="pres">
+      <dgm:prSet presAssocID="{203BB0EC-A745-4755-9324-36DC43F612D7}" presName="sibTrans" presStyleLbl="sibTrans2D1" presStyleIdx="6" presStyleCnt="10"/>
+      <dgm:spPr/>
+    </dgm:pt>
+    <dgm:pt modelId="{DA1C84A6-DD7B-453E-87B7-79844282748F}" type="pres">
+      <dgm:prSet presAssocID="{203BB0EC-A745-4755-9324-36DC43F612D7}" presName="connectorText" presStyleLbl="sibTrans2D1" presStyleIdx="6" presStyleCnt="10"/>
+      <dgm:spPr/>
+    </dgm:pt>
+    <dgm:pt modelId="{61507B05-1F47-4D2D-82BD-512DEE868D3F}" type="pres">
+      <dgm:prSet presAssocID="{1DE589FD-8173-47E1-9D6B-B2F3831E6D7F}" presName="node" presStyleLbl="node1" presStyleIdx="7" presStyleCnt="11">
+        <dgm:presLayoutVars>
+          <dgm:bulletEnabled val="1"/>
+        </dgm:presLayoutVars>
+      </dgm:prSet>
+      <dgm:spPr/>
+    </dgm:pt>
+    <dgm:pt modelId="{FEF29B4F-2298-4036-B41B-BC879878D940}" type="pres">
+      <dgm:prSet presAssocID="{20F1411F-3EE4-4B1D-960C-5BCD03DAC96C}" presName="sibTrans" presStyleLbl="sibTrans2D1" presStyleIdx="7" presStyleCnt="10"/>
+      <dgm:spPr/>
+    </dgm:pt>
+    <dgm:pt modelId="{53EB6216-DE47-4B54-94CB-6423B1B7AEAD}" type="pres">
+      <dgm:prSet presAssocID="{20F1411F-3EE4-4B1D-960C-5BCD03DAC96C}" presName="connectorText" presStyleLbl="sibTrans2D1" presStyleIdx="7" presStyleCnt="10"/>
+      <dgm:spPr/>
+    </dgm:pt>
+    <dgm:pt modelId="{C04AE41B-D23A-42F0-92FB-FC24CFE453A8}" type="pres">
+      <dgm:prSet presAssocID="{7880A153-E1BD-4128-9A84-4E99872499E3}" presName="node" presStyleLbl="node1" presStyleIdx="8" presStyleCnt="11">
+        <dgm:presLayoutVars>
+          <dgm:bulletEnabled val="1"/>
+        </dgm:presLayoutVars>
+      </dgm:prSet>
+      <dgm:spPr/>
+    </dgm:pt>
+    <dgm:pt modelId="{3A744EF1-F128-4EBB-AB7F-1EAA244B9755}" type="pres">
+      <dgm:prSet presAssocID="{A2E22B9A-3BB2-4BD0-8D97-9E84D90B8033}" presName="sibTrans" presStyleLbl="sibTrans2D1" presStyleIdx="8" presStyleCnt="10"/>
+      <dgm:spPr/>
+    </dgm:pt>
+    <dgm:pt modelId="{1AB71949-7764-436F-B3AA-3BEDAE644B01}" type="pres">
+      <dgm:prSet presAssocID="{A2E22B9A-3BB2-4BD0-8D97-9E84D90B8033}" presName="connectorText" presStyleLbl="sibTrans2D1" presStyleIdx="8" presStyleCnt="10"/>
+      <dgm:spPr/>
+    </dgm:pt>
+    <dgm:pt modelId="{EF0ABADE-EA7E-412C-B137-016FD2DF1C33}" type="pres">
+      <dgm:prSet presAssocID="{E13C1750-D284-4ADA-80D3-1D1A92CB3DA1}" presName="node" presStyleLbl="node1" presStyleIdx="9" presStyleCnt="11">
+        <dgm:presLayoutVars>
+          <dgm:bulletEnabled val="1"/>
+        </dgm:presLayoutVars>
+      </dgm:prSet>
+      <dgm:spPr/>
+    </dgm:pt>
+    <dgm:pt modelId="{E85CA101-3B65-477F-9653-4B34865588E1}" type="pres">
+      <dgm:prSet presAssocID="{98212717-5F39-4210-827D-962940895125}" presName="sibTrans" presStyleLbl="sibTrans2D1" presStyleIdx="9" presStyleCnt="10"/>
+      <dgm:spPr/>
+    </dgm:pt>
+    <dgm:pt modelId="{31BD1E7A-67D7-4861-889A-DBA57FF20E7B}" type="pres">
+      <dgm:prSet presAssocID="{98212717-5F39-4210-827D-962940895125}" presName="connectorText" presStyleLbl="sibTrans2D1" presStyleIdx="9" presStyleCnt="10"/>
+      <dgm:spPr/>
+    </dgm:pt>
+    <dgm:pt modelId="{DB005DD4-7D45-4B97-9C05-43F66158D394}" type="pres">
+      <dgm:prSet presAssocID="{22FD3908-A66E-4E7E-AAC4-0682B5574927}" presName="node" presStyleLbl="node1" presStyleIdx="10" presStyleCnt="11">
+        <dgm:presLayoutVars>
+          <dgm:bulletEnabled val="1"/>
+        </dgm:presLayoutVars>
+      </dgm:prSet>
+      <dgm:spPr/>
+    </dgm:pt>
+  </dgm:ptLst>
+  <dgm:cxnLst>
+    <dgm:cxn modelId="{DC514200-95B2-438B-B790-6C694A83CA76}" srcId="{7057BF96-D269-404B-A805-F05A12C7491E}" destId="{1DE589FD-8173-47E1-9D6B-B2F3831E6D7F}" srcOrd="7" destOrd="0" parTransId="{67B88E93-F25B-43A0-BC3E-0CFCF8E5CA29}" sibTransId="{20F1411F-3EE4-4B1D-960C-5BCD03DAC96C}"/>
+    <dgm:cxn modelId="{BBEE4E00-7BE4-4457-AB8C-8D14FA0A643B}" type="presOf" srcId="{4077CFD3-4054-4632-8716-BCA49E0D2810}" destId="{DC7BA26E-4A2A-4B5F-8CB8-A29F34D411C8}" srcOrd="1" destOrd="0" presId="urn:microsoft.com/office/officeart/2005/8/layout/process5"/>
+    <dgm:cxn modelId="{C5DA7800-27A1-4065-99A8-FD463058F761}" type="presOf" srcId="{20F1411F-3EE4-4B1D-960C-5BCD03DAC96C}" destId="{FEF29B4F-2298-4036-B41B-BC879878D940}" srcOrd="0" destOrd="0" presId="urn:microsoft.com/office/officeart/2005/8/layout/process5"/>
+    <dgm:cxn modelId="{D6567E01-5014-45EF-943F-0C3733344CAC}" type="presOf" srcId="{D6A8CFC7-AC3E-4252-A5C3-89B0AC45D72E}" destId="{F364C839-4989-42BE-A28C-6012C9DD9212}" srcOrd="1" destOrd="0" presId="urn:microsoft.com/office/officeart/2005/8/layout/process5"/>
+    <dgm:cxn modelId="{DB986F04-E340-41CA-9819-873A44332C2A}" type="presOf" srcId="{1DE589FD-8173-47E1-9D6B-B2F3831E6D7F}" destId="{61507B05-1F47-4D2D-82BD-512DEE868D3F}" srcOrd="0" destOrd="0" presId="urn:microsoft.com/office/officeart/2005/8/layout/process5"/>
+    <dgm:cxn modelId="{0825F704-3A1B-4FEB-99A8-F326C028A862}" srcId="{7057BF96-D269-404B-A805-F05A12C7491E}" destId="{A08C05C2-9865-4250-B9F3-A0D4FEB1543B}" srcOrd="6" destOrd="0" parTransId="{9416BC6C-DAF8-40AA-8D35-A9510AF1D6FF}" sibTransId="{203BB0EC-A745-4755-9324-36DC43F612D7}"/>
+    <dgm:cxn modelId="{39157D0F-0DC2-489F-B3B9-09134F0C797D}" type="presOf" srcId="{A2E22B9A-3BB2-4BD0-8D97-9E84D90B8033}" destId="{3A744EF1-F128-4EBB-AB7F-1EAA244B9755}" srcOrd="0" destOrd="0" presId="urn:microsoft.com/office/officeart/2005/8/layout/process5"/>
+    <dgm:cxn modelId="{87354311-943B-4522-B726-983C7810E1F8}" srcId="{7057BF96-D269-404B-A805-F05A12C7491E}" destId="{22FD3908-A66E-4E7E-AAC4-0682B5574927}" srcOrd="10" destOrd="0" parTransId="{BA8BF294-E770-43F2-A916-722DE06EBF3E}" sibTransId="{0315673B-0FC7-4C48-9622-E194C3A3E4EE}"/>
+    <dgm:cxn modelId="{186B161C-EFFB-47B3-9BFB-3CE7BD3A8156}" srcId="{7057BF96-D269-404B-A805-F05A12C7491E}" destId="{E13C1750-D284-4ADA-80D3-1D1A92CB3DA1}" srcOrd="9" destOrd="0" parTransId="{3239A25D-5E7C-47A7-9E5B-CE3C65B6DFF6}" sibTransId="{98212717-5F39-4210-827D-962940895125}"/>
+    <dgm:cxn modelId="{628E261C-63E7-4113-BDF2-35810707AC6E}" type="presOf" srcId="{F065C948-A633-485B-B370-CA276745C076}" destId="{9D10BA6C-8BC7-4A35-8D7A-C43979A8F8A2}" srcOrd="0" destOrd="0" presId="urn:microsoft.com/office/officeart/2005/8/layout/process5"/>
+    <dgm:cxn modelId="{E667281F-4EE8-483D-8A0F-55D3ED0F3A04}" type="presOf" srcId="{A92DE6FA-1268-416D-8A36-F7C4B7501CD2}" destId="{36A5C86C-19FA-4E21-80AF-3BD0C839F8BB}" srcOrd="1" destOrd="0" presId="urn:microsoft.com/office/officeart/2005/8/layout/process5"/>
+    <dgm:cxn modelId="{EC91EE24-CB06-4A0D-BD22-E5234D4630C9}" type="presOf" srcId="{B5AE7E88-77EE-4A02-AF23-B94EB5C945B6}" destId="{BC05D22A-96E1-4E2F-B44F-265B504C48F7}" srcOrd="0" destOrd="0" presId="urn:microsoft.com/office/officeart/2005/8/layout/process5"/>
+    <dgm:cxn modelId="{4C39302C-AF71-4A6C-8F7A-36BE76A10061}" type="presOf" srcId="{7880A153-E1BD-4128-9A84-4E99872499E3}" destId="{C04AE41B-D23A-42F0-92FB-FC24CFE453A8}" srcOrd="0" destOrd="0" presId="urn:microsoft.com/office/officeart/2005/8/layout/process5"/>
+    <dgm:cxn modelId="{B0C0E42C-17C4-4D67-8A0E-99E09886E93B}" type="presOf" srcId="{EB88E898-6100-4F03-9B27-66B8F56B7EEC}" destId="{867CC196-25EF-4D90-A27B-FBA326AD7ED0}" srcOrd="0" destOrd="0" presId="urn:microsoft.com/office/officeart/2005/8/layout/process5"/>
+    <dgm:cxn modelId="{CA04C42E-0430-4F98-A0D9-A62056891942}" srcId="{7057BF96-D269-404B-A805-F05A12C7491E}" destId="{29C8D0D3-29DC-4EDE-90C7-7C7DDAE790DA}" srcOrd="4" destOrd="0" parTransId="{FC060D33-1167-402B-B25C-25B112B7951C}" sibTransId="{A2B0D8DB-266D-4169-B738-593AB389D8B5}"/>
+    <dgm:cxn modelId="{56BAE732-8A1E-4024-97EE-C2E128974608}" type="presOf" srcId="{22FD3908-A66E-4E7E-AAC4-0682B5574927}" destId="{DB005DD4-7D45-4B97-9C05-43F66158D394}" srcOrd="0" destOrd="0" presId="urn:microsoft.com/office/officeart/2005/8/layout/process5"/>
+    <dgm:cxn modelId="{9E9CB137-DAF0-4963-9879-20BF72B6A3B6}" type="presOf" srcId="{A2B0D8DB-266D-4169-B738-593AB389D8B5}" destId="{2294403E-074F-4FDB-B214-7EF6CFD0A970}" srcOrd="0" destOrd="0" presId="urn:microsoft.com/office/officeart/2005/8/layout/process5"/>
+    <dgm:cxn modelId="{19748E5B-C5B3-48F5-A610-8BF46E3CE786}" type="presOf" srcId="{AB591455-5BA3-4F3B-958D-365402D499AB}" destId="{53230EE6-DE99-4A40-ACCC-8E5B957F1A96}" srcOrd="0" destOrd="0" presId="urn:microsoft.com/office/officeart/2005/8/layout/process5"/>
+    <dgm:cxn modelId="{BBB5315D-7380-4E11-8376-92A1EEFD864A}" srcId="{7057BF96-D269-404B-A805-F05A12C7491E}" destId="{7880A153-E1BD-4128-9A84-4E99872499E3}" srcOrd="8" destOrd="0" parTransId="{181DF2BF-063B-4F96-AB00-A374F625B1B8}" sibTransId="{A2E22B9A-3BB2-4BD0-8D97-9E84D90B8033}"/>
+    <dgm:cxn modelId="{0289545E-B868-45DA-A00B-DBFB73DADF77}" type="presOf" srcId="{A2E22B9A-3BB2-4BD0-8D97-9E84D90B8033}" destId="{1AB71949-7764-436F-B3AA-3BEDAE644B01}" srcOrd="1" destOrd="0" presId="urn:microsoft.com/office/officeart/2005/8/layout/process5"/>
+    <dgm:cxn modelId="{13974E4A-E514-4772-A61F-1DA40E4D9DF5}" type="presOf" srcId="{4077CFD3-4054-4632-8716-BCA49E0D2810}" destId="{4AA68797-65C1-4467-A723-B0358B3EB783}" srcOrd="0" destOrd="0" presId="urn:microsoft.com/office/officeart/2005/8/layout/process5"/>
+    <dgm:cxn modelId="{75FD8A6A-8A28-4741-85A1-6D2F619D5754}" type="presOf" srcId="{A92DE6FA-1268-416D-8A36-F7C4B7501CD2}" destId="{530923B7-2F2A-4F0F-A9E5-FC25B9FDD638}" srcOrd="0" destOrd="0" presId="urn:microsoft.com/office/officeart/2005/8/layout/process5"/>
+    <dgm:cxn modelId="{9BF5836B-2FB5-460C-BC91-C8AD4C94C855}" type="presOf" srcId="{98212717-5F39-4210-827D-962940895125}" destId="{31BD1E7A-67D7-4861-889A-DBA57FF20E7B}" srcOrd="1" destOrd="0" presId="urn:microsoft.com/office/officeart/2005/8/layout/process5"/>
+    <dgm:cxn modelId="{1FF0B26D-2EBE-4DEB-9465-44209070294E}" type="presOf" srcId="{BA542621-EF1B-406D-8EFE-C444850CC4F8}" destId="{5C0D02E6-B0EE-4E38-8A15-2F531226144C}" srcOrd="0" destOrd="0" presId="urn:microsoft.com/office/officeart/2005/8/layout/process5"/>
+    <dgm:cxn modelId="{61C32F4F-F4BC-461E-B2AC-77328867E764}" srcId="{7057BF96-D269-404B-A805-F05A12C7491E}" destId="{EB88E898-6100-4F03-9B27-66B8F56B7EEC}" srcOrd="3" destOrd="0" parTransId="{B8B6D863-FBA9-4056-ABAE-8B592F84AA4E}" sibTransId="{B5AE7E88-77EE-4A02-AF23-B94EB5C945B6}"/>
+    <dgm:cxn modelId="{95FE0450-BA8F-4AE0-BF5E-75E61AF0E667}" srcId="{7057BF96-D269-404B-A805-F05A12C7491E}" destId="{F89B6672-DBB4-4138-91BE-45E6357E8189}" srcOrd="5" destOrd="0" parTransId="{420854F6-7DC1-43A4-803D-5E65C1BCD627}" sibTransId="{4077CFD3-4054-4632-8716-BCA49E0D2810}"/>
+    <dgm:cxn modelId="{DF3E8554-9133-4A43-8714-566BA569EBAA}" srcId="{7057BF96-D269-404B-A805-F05A12C7491E}" destId="{AB591455-5BA3-4F3B-958D-365402D499AB}" srcOrd="2" destOrd="0" parTransId="{CA57F737-6F62-4F5A-B4A6-5451E3C24CF6}" sibTransId="{D6A8CFC7-AC3E-4252-A5C3-89B0AC45D72E}"/>
+    <dgm:cxn modelId="{E0034755-3F19-46CB-A65F-A676E6FB6186}" type="presOf" srcId="{DBF3241C-EA27-4BB2-BF35-B82C9F670472}" destId="{9F928E82-40BF-4265-9E8E-3A8D1DEC0BB2}" srcOrd="0" destOrd="0" presId="urn:microsoft.com/office/officeart/2005/8/layout/process5"/>
+    <dgm:cxn modelId="{6C3CD959-1390-49C8-A982-85A8DB71AEC3}" type="presOf" srcId="{E13C1750-D284-4ADA-80D3-1D1A92CB3DA1}" destId="{EF0ABADE-EA7E-412C-B137-016FD2DF1C33}" srcOrd="0" destOrd="0" presId="urn:microsoft.com/office/officeart/2005/8/layout/process5"/>
+    <dgm:cxn modelId="{FDF35483-617F-41ED-919D-489DF57D996F}" srcId="{7057BF96-D269-404B-A805-F05A12C7491E}" destId="{F065C948-A633-485B-B370-CA276745C076}" srcOrd="0" destOrd="0" parTransId="{75BF7D6C-A6DD-4895-A7A7-00D86B8073A4}" sibTransId="{A92DE6FA-1268-416D-8A36-F7C4B7501CD2}"/>
+    <dgm:cxn modelId="{1F8EDE8E-A317-4D61-B760-431E9140ABB8}" type="presOf" srcId="{B5AE7E88-77EE-4A02-AF23-B94EB5C945B6}" destId="{4820CABE-C0C0-4127-9378-BB813929CAE2}" srcOrd="1" destOrd="0" presId="urn:microsoft.com/office/officeart/2005/8/layout/process5"/>
+    <dgm:cxn modelId="{96F4E797-4B76-4B13-926A-DD83F1C1E516}" type="presOf" srcId="{203BB0EC-A745-4755-9324-36DC43F612D7}" destId="{DA1C84A6-DD7B-453E-87B7-79844282748F}" srcOrd="1" destOrd="0" presId="urn:microsoft.com/office/officeart/2005/8/layout/process5"/>
+    <dgm:cxn modelId="{D8B88FA9-20A4-4C12-88AD-2A37CF34A890}" type="presOf" srcId="{F89B6672-DBB4-4138-91BE-45E6357E8189}" destId="{2447AAE3-27D3-425C-A32D-FB3AE706CA4F}" srcOrd="0" destOrd="0" presId="urn:microsoft.com/office/officeart/2005/8/layout/process5"/>
+    <dgm:cxn modelId="{0E3E45B5-B6CC-4BD0-9310-87A9D4619FFB}" type="presOf" srcId="{203BB0EC-A745-4755-9324-36DC43F612D7}" destId="{D3ADE72C-E83B-42FD-A721-E0374252F86C}" srcOrd="0" destOrd="0" presId="urn:microsoft.com/office/officeart/2005/8/layout/process5"/>
+    <dgm:cxn modelId="{BF7A74B5-959A-4205-954F-FBF46ACD8400}" type="presOf" srcId="{98212717-5F39-4210-827D-962940895125}" destId="{E85CA101-3B65-477F-9653-4B34865588E1}" srcOrd="0" destOrd="0" presId="urn:microsoft.com/office/officeart/2005/8/layout/process5"/>
+    <dgm:cxn modelId="{6C2D2CCF-EC29-41C6-A78C-4B7307AB3A5C}" type="presOf" srcId="{D6A8CFC7-AC3E-4252-A5C3-89B0AC45D72E}" destId="{2BF6B84B-09D6-4389-8AEC-228573A5A987}" srcOrd="0" destOrd="0" presId="urn:microsoft.com/office/officeart/2005/8/layout/process5"/>
+    <dgm:cxn modelId="{BB4D19DA-17AE-4438-9290-79D1F051114D}" type="presOf" srcId="{BA542621-EF1B-406D-8EFE-C444850CC4F8}" destId="{532A8E59-FD92-4FFC-ACD3-1F6DBF105283}" srcOrd="1" destOrd="0" presId="urn:microsoft.com/office/officeart/2005/8/layout/process5"/>
+    <dgm:cxn modelId="{FDE09BE1-D52D-4CFC-AEB6-DA3AB51595EB}" type="presOf" srcId="{7057BF96-D269-404B-A805-F05A12C7491E}" destId="{5A4DAD0A-3662-46BA-BC87-892E4F421FF7}" srcOrd="0" destOrd="0" presId="urn:microsoft.com/office/officeart/2005/8/layout/process5"/>
+    <dgm:cxn modelId="{796AAFEE-4A1E-40C6-915D-938C0EAAB516}" type="presOf" srcId="{29C8D0D3-29DC-4EDE-90C7-7C7DDAE790DA}" destId="{ADE7EA77-20B9-452E-89F5-93564C6CCE56}" srcOrd="0" destOrd="0" presId="urn:microsoft.com/office/officeart/2005/8/layout/process5"/>
+    <dgm:cxn modelId="{CCC08CEF-FA05-454D-BEDF-1DB348F76069}" srcId="{7057BF96-D269-404B-A805-F05A12C7491E}" destId="{DBF3241C-EA27-4BB2-BF35-B82C9F670472}" srcOrd="1" destOrd="0" parTransId="{43C85F26-56A9-41D9-B013-F4FD48615DF0}" sibTransId="{BA542621-EF1B-406D-8EFE-C444850CC4F8}"/>
+    <dgm:cxn modelId="{15862FF3-D605-4D75-9FAB-B0F294B255FF}" type="presOf" srcId="{A2B0D8DB-266D-4169-B738-593AB389D8B5}" destId="{92D80E80-69E5-460A-B021-1E7095382C16}" srcOrd="1" destOrd="0" presId="urn:microsoft.com/office/officeart/2005/8/layout/process5"/>
+    <dgm:cxn modelId="{F5EAAAF9-CB9D-41DB-BB02-AB653E627044}" type="presOf" srcId="{A08C05C2-9865-4250-B9F3-A0D4FEB1543B}" destId="{980678BD-78D9-48C0-993F-44678A35B3DA}" srcOrd="0" destOrd="0" presId="urn:microsoft.com/office/officeart/2005/8/layout/process5"/>
+    <dgm:cxn modelId="{D09298FF-F82A-4C6A-AC1A-5CBAA66C64B1}" type="presOf" srcId="{20F1411F-3EE4-4B1D-960C-5BCD03DAC96C}" destId="{53EB6216-DE47-4B54-94CB-6423B1B7AEAD}" srcOrd="1" destOrd="0" presId="urn:microsoft.com/office/officeart/2005/8/layout/process5"/>
+    <dgm:cxn modelId="{CE8C9AC0-781A-4930-8E77-64AE006D7A4F}" type="presParOf" srcId="{5A4DAD0A-3662-46BA-BC87-892E4F421FF7}" destId="{9D10BA6C-8BC7-4A35-8D7A-C43979A8F8A2}" srcOrd="0" destOrd="0" presId="urn:microsoft.com/office/officeart/2005/8/layout/process5"/>
+    <dgm:cxn modelId="{110FFE2C-FD83-4890-BF83-154D9B49D8D1}" type="presParOf" srcId="{5A4DAD0A-3662-46BA-BC87-892E4F421FF7}" destId="{530923B7-2F2A-4F0F-A9E5-FC25B9FDD638}" srcOrd="1" destOrd="0" presId="urn:microsoft.com/office/officeart/2005/8/layout/process5"/>
+    <dgm:cxn modelId="{A01030CA-7B64-4D43-8B81-79D44EC4E8EE}" type="presParOf" srcId="{530923B7-2F2A-4F0F-A9E5-FC25B9FDD638}" destId="{36A5C86C-19FA-4E21-80AF-3BD0C839F8BB}" srcOrd="0" destOrd="0" presId="urn:microsoft.com/office/officeart/2005/8/layout/process5"/>
+    <dgm:cxn modelId="{2918AB27-771A-49E6-87F1-48DECD17782F}" type="presParOf" srcId="{5A4DAD0A-3662-46BA-BC87-892E4F421FF7}" destId="{9F928E82-40BF-4265-9E8E-3A8D1DEC0BB2}" srcOrd="2" destOrd="0" presId="urn:microsoft.com/office/officeart/2005/8/layout/process5"/>
+    <dgm:cxn modelId="{3625A293-3C12-4F7E-82BB-BF2666EA7125}" type="presParOf" srcId="{5A4DAD0A-3662-46BA-BC87-892E4F421FF7}" destId="{5C0D02E6-B0EE-4E38-8A15-2F531226144C}" srcOrd="3" destOrd="0" presId="urn:microsoft.com/office/officeart/2005/8/layout/process5"/>
+    <dgm:cxn modelId="{0CF5E913-7839-4E8F-A6F9-DAEAABF41507}" type="presParOf" srcId="{5C0D02E6-B0EE-4E38-8A15-2F531226144C}" destId="{532A8E59-FD92-4FFC-ACD3-1F6DBF105283}" srcOrd="0" destOrd="0" presId="urn:microsoft.com/office/officeart/2005/8/layout/process5"/>
+    <dgm:cxn modelId="{2A9D5625-FBE1-423C-AAB1-7CE2E5A9DB60}" type="presParOf" srcId="{5A4DAD0A-3662-46BA-BC87-892E4F421FF7}" destId="{53230EE6-DE99-4A40-ACCC-8E5B957F1A96}" srcOrd="4" destOrd="0" presId="urn:microsoft.com/office/officeart/2005/8/layout/process5"/>
+    <dgm:cxn modelId="{BECCEC19-1588-4E57-BFCF-B62FC20CFEBB}" type="presParOf" srcId="{5A4DAD0A-3662-46BA-BC87-892E4F421FF7}" destId="{2BF6B84B-09D6-4389-8AEC-228573A5A987}" srcOrd="5" destOrd="0" presId="urn:microsoft.com/office/officeart/2005/8/layout/process5"/>
+    <dgm:cxn modelId="{6A69DE61-581D-43E0-AA75-9D8DCBDB92FE}" type="presParOf" srcId="{2BF6B84B-09D6-4389-8AEC-228573A5A987}" destId="{F364C839-4989-42BE-A28C-6012C9DD9212}" srcOrd="0" destOrd="0" presId="urn:microsoft.com/office/officeart/2005/8/layout/process5"/>
+    <dgm:cxn modelId="{06E71531-90EF-4F95-8A9C-CD6EFF3B2F58}" type="presParOf" srcId="{5A4DAD0A-3662-46BA-BC87-892E4F421FF7}" destId="{867CC196-25EF-4D90-A27B-FBA326AD7ED0}" srcOrd="6" destOrd="0" presId="urn:microsoft.com/office/officeart/2005/8/layout/process5"/>
+    <dgm:cxn modelId="{2096DD2B-668B-43CA-A2D4-4E96E71D9024}" type="presParOf" srcId="{5A4DAD0A-3662-46BA-BC87-892E4F421FF7}" destId="{BC05D22A-96E1-4E2F-B44F-265B504C48F7}" srcOrd="7" destOrd="0" presId="urn:microsoft.com/office/officeart/2005/8/layout/process5"/>
+    <dgm:cxn modelId="{35E274FF-1E3C-4861-9783-FDAE4492855E}" type="presParOf" srcId="{BC05D22A-96E1-4E2F-B44F-265B504C48F7}" destId="{4820CABE-C0C0-4127-9378-BB813929CAE2}" srcOrd="0" destOrd="0" presId="urn:microsoft.com/office/officeart/2005/8/layout/process5"/>
+    <dgm:cxn modelId="{3D6F1F36-FDA8-4B56-A400-D7D957BAE075}" type="presParOf" srcId="{5A4DAD0A-3662-46BA-BC87-892E4F421FF7}" destId="{ADE7EA77-20B9-452E-89F5-93564C6CCE56}" srcOrd="8" destOrd="0" presId="urn:microsoft.com/office/officeart/2005/8/layout/process5"/>
+    <dgm:cxn modelId="{E24C3963-7022-471C-84C7-03D7C5A54B1E}" type="presParOf" srcId="{5A4DAD0A-3662-46BA-BC87-892E4F421FF7}" destId="{2294403E-074F-4FDB-B214-7EF6CFD0A970}" srcOrd="9" destOrd="0" presId="urn:microsoft.com/office/officeart/2005/8/layout/process5"/>
+    <dgm:cxn modelId="{54C94F59-AAE7-4ABE-A878-65D3D2A4E994}" type="presParOf" srcId="{2294403E-074F-4FDB-B214-7EF6CFD0A970}" destId="{92D80E80-69E5-460A-B021-1E7095382C16}" srcOrd="0" destOrd="0" presId="urn:microsoft.com/office/officeart/2005/8/layout/process5"/>
+    <dgm:cxn modelId="{452868C3-B238-449B-A0DF-10F9B47BBB57}" type="presParOf" srcId="{5A4DAD0A-3662-46BA-BC87-892E4F421FF7}" destId="{2447AAE3-27D3-425C-A32D-FB3AE706CA4F}" srcOrd="10" destOrd="0" presId="urn:microsoft.com/office/officeart/2005/8/layout/process5"/>
+    <dgm:cxn modelId="{D3C6A701-4CAC-40C7-A5E2-137FEF7D0750}" type="presParOf" srcId="{5A4DAD0A-3662-46BA-BC87-892E4F421FF7}" destId="{4AA68797-65C1-4467-A723-B0358B3EB783}" srcOrd="11" destOrd="0" presId="urn:microsoft.com/office/officeart/2005/8/layout/process5"/>
+    <dgm:cxn modelId="{4C3BC23A-A866-4B06-A024-5F67095DC433}" type="presParOf" srcId="{4AA68797-65C1-4467-A723-B0358B3EB783}" destId="{DC7BA26E-4A2A-4B5F-8CB8-A29F34D411C8}" srcOrd="0" destOrd="0" presId="urn:microsoft.com/office/officeart/2005/8/layout/process5"/>
+    <dgm:cxn modelId="{24BDFA5F-79E1-44CE-82F0-21D55F60B786}" type="presParOf" srcId="{5A4DAD0A-3662-46BA-BC87-892E4F421FF7}" destId="{980678BD-78D9-48C0-993F-44678A35B3DA}" srcOrd="12" destOrd="0" presId="urn:microsoft.com/office/officeart/2005/8/layout/process5"/>
+    <dgm:cxn modelId="{3F58D9BD-EEA3-47F9-8152-C6FD2DC60B21}" type="presParOf" srcId="{5A4DAD0A-3662-46BA-BC87-892E4F421FF7}" destId="{D3ADE72C-E83B-42FD-A721-E0374252F86C}" srcOrd="13" destOrd="0" presId="urn:microsoft.com/office/officeart/2005/8/layout/process5"/>
+    <dgm:cxn modelId="{9700B90A-8C49-410B-B5A7-BB32223ABABE}" type="presParOf" srcId="{D3ADE72C-E83B-42FD-A721-E0374252F86C}" destId="{DA1C84A6-DD7B-453E-87B7-79844282748F}" srcOrd="0" destOrd="0" presId="urn:microsoft.com/office/officeart/2005/8/layout/process5"/>
+    <dgm:cxn modelId="{8DF549F0-695D-41A3-BF1C-E7EE4B1D81F3}" type="presParOf" srcId="{5A4DAD0A-3662-46BA-BC87-892E4F421FF7}" destId="{61507B05-1F47-4D2D-82BD-512DEE868D3F}" srcOrd="14" destOrd="0" presId="urn:microsoft.com/office/officeart/2005/8/layout/process5"/>
+    <dgm:cxn modelId="{F1F163D8-C712-4E87-9755-217ECF0B674E}" type="presParOf" srcId="{5A4DAD0A-3662-46BA-BC87-892E4F421FF7}" destId="{FEF29B4F-2298-4036-B41B-BC879878D940}" srcOrd="15" destOrd="0" presId="urn:microsoft.com/office/officeart/2005/8/layout/process5"/>
+    <dgm:cxn modelId="{E853C520-010E-4E82-B0A9-10AE24A705C0}" type="presParOf" srcId="{FEF29B4F-2298-4036-B41B-BC879878D940}" destId="{53EB6216-DE47-4B54-94CB-6423B1B7AEAD}" srcOrd="0" destOrd="0" presId="urn:microsoft.com/office/officeart/2005/8/layout/process5"/>
+    <dgm:cxn modelId="{E76805B0-D1C4-481D-8540-A5992FC92A02}" type="presParOf" srcId="{5A4DAD0A-3662-46BA-BC87-892E4F421FF7}" destId="{C04AE41B-D23A-42F0-92FB-FC24CFE453A8}" srcOrd="16" destOrd="0" presId="urn:microsoft.com/office/officeart/2005/8/layout/process5"/>
+    <dgm:cxn modelId="{401350BE-71EF-404A-B81B-67DD691A7126}" type="presParOf" srcId="{5A4DAD0A-3662-46BA-BC87-892E4F421FF7}" destId="{3A744EF1-F128-4EBB-AB7F-1EAA244B9755}" srcOrd="17" destOrd="0" presId="urn:microsoft.com/office/officeart/2005/8/layout/process5"/>
+    <dgm:cxn modelId="{C6352C01-3446-4D10-9D09-478FCE23EC34}" type="presParOf" srcId="{3A744EF1-F128-4EBB-AB7F-1EAA244B9755}" destId="{1AB71949-7764-436F-B3AA-3BEDAE644B01}" srcOrd="0" destOrd="0" presId="urn:microsoft.com/office/officeart/2005/8/layout/process5"/>
+    <dgm:cxn modelId="{D5441B97-FAA6-4994-8D8D-C0A151EAFCD9}" type="presParOf" srcId="{5A4DAD0A-3662-46BA-BC87-892E4F421FF7}" destId="{EF0ABADE-EA7E-412C-B137-016FD2DF1C33}" srcOrd="18" destOrd="0" presId="urn:microsoft.com/office/officeart/2005/8/layout/process5"/>
+    <dgm:cxn modelId="{A6B14F65-3B8D-4FFC-A4E0-DC8282C1832B}" type="presParOf" srcId="{5A4DAD0A-3662-46BA-BC87-892E4F421FF7}" destId="{E85CA101-3B65-477F-9653-4B34865588E1}" srcOrd="19" destOrd="0" presId="urn:microsoft.com/office/officeart/2005/8/layout/process5"/>
+    <dgm:cxn modelId="{45E22EC6-53C7-4B14-9E5E-33202DA29F9B}" type="presParOf" srcId="{E85CA101-3B65-477F-9653-4B34865588E1}" destId="{31BD1E7A-67D7-4861-889A-DBA57FF20E7B}" srcOrd="0" destOrd="0" presId="urn:microsoft.com/office/officeart/2005/8/layout/process5"/>
+    <dgm:cxn modelId="{829B299F-0262-47E3-970E-100967588EB2}" type="presParOf" srcId="{5A4DAD0A-3662-46BA-BC87-892E4F421FF7}" destId="{DB005DD4-7D45-4B97-9C05-43F66158D394}" srcOrd="20" destOrd="0" presId="urn:microsoft.com/office/officeart/2005/8/layout/process5"/>
+  </dgm:cxnLst>
+  <dgm:bg/>
+  <dgm:whole/>
+  <dgm:extLst>
+    <a:ext uri="http://schemas.microsoft.com/office/drawing/2008/diagram">
+      <dsp:dataModelExt xmlns:dsp="http://schemas.microsoft.com/office/drawing/2008/diagram" relId="rId6" minVer="http://schemas.openxmlformats.org/drawingml/2006/diagram"/>
+    </a:ext>
+  </dgm:extLst>
+</dgm:dataModel>
+</file>
+
+<file path=ppt/diagrams/data4.xml><?xml version="1.0" encoding="utf-8"?>
+<dgm:dataModel xmlns:dgm="http://schemas.openxmlformats.org/drawingml/2006/diagram" xmlns:a="http://schemas.openxmlformats.org/drawingml/2006/main">
+  <dgm:ptLst>
     <dgm:pt modelId="{D20D3FC2-B97C-4837-AC42-BE7BC588F8EF}" type="doc">
-      <dgm:prSet loTypeId="urn:microsoft.com/office/officeart/2005/8/layout/chevron1" loCatId="process" qsTypeId="urn:microsoft.com/office/officeart/2005/8/quickstyle/simple3" qsCatId="simple" csTypeId="urn:microsoft.com/office/officeart/2005/8/colors/accent0_3" csCatId="mainScheme" phldr="1"/>
+      <dgm:prSet loTypeId="urn:microsoft.com/office/officeart/2005/8/layout/chevron1" loCatId="process" qsTypeId="urn:microsoft.com/office/officeart/2005/8/quickstyle/simple3" qsCatId="simple" csTypeId="urn:microsoft.com/office/officeart/2005/8/colors/accent1_2" csCatId="accent1" phldr="1"/>
       <dgm:spPr/>
     </dgm:pt>
     <dgm:pt modelId="{A7BC3FB9-4552-4CCD-8724-387E253EF73E}">
@@ -4959,7 +6437,7 @@
 </dgm:dataModel>
 </file>
 
-<file path=ppt/diagrams/data4.xml><?xml version="1.0" encoding="utf-8"?>
+<file path=ppt/diagrams/data5.xml><?xml version="1.0" encoding="utf-8"?>
 <dgm:dataModel xmlns:dgm="http://schemas.openxmlformats.org/drawingml/2006/diagram" xmlns:a="http://schemas.openxmlformats.org/drawingml/2006/main">
   <dgm:ptLst>
     <dgm:pt modelId="{FE045DAE-1A45-4F6E-AC5E-960246C53672}" type="doc">
@@ -9148,6 +10626,1609 @@
       <dsp:cNvGrpSpPr/>
     </dsp:nvGrpSpPr>
     <dsp:grpSpPr/>
+    <dsp:sp modelId="{9D10BA6C-8BC7-4A35-8D7A-C43979A8F8A2}">
+      <dsp:nvSpPr>
+        <dsp:cNvPr id="0" name=""/>
+        <dsp:cNvSpPr/>
+      </dsp:nvSpPr>
+      <dsp:spPr>
+        <a:xfrm>
+          <a:off x="0" y="403285"/>
+          <a:ext cx="1453392" cy="872035"/>
+        </a:xfrm>
+        <a:prstGeom prst="roundRect">
+          <a:avLst>
+            <a:gd name="adj" fmla="val 10000"/>
+          </a:avLst>
+        </a:prstGeom>
+        <a:solidFill>
+          <a:schemeClr val="lt1">
+            <a:hueOff val="0"/>
+            <a:satOff val="0"/>
+            <a:lumOff val="0"/>
+            <a:alphaOff val="0"/>
+          </a:schemeClr>
+        </a:solidFill>
+        <a:ln w="12700" cap="flat" cmpd="sng" algn="ctr">
+          <a:solidFill>
+            <a:schemeClr val="dk1">
+              <a:shade val="80000"/>
+              <a:hueOff val="0"/>
+              <a:satOff val="0"/>
+              <a:lumOff val="0"/>
+              <a:alphaOff val="0"/>
+            </a:schemeClr>
+          </a:solidFill>
+          <a:prstDash val="solid"/>
+          <a:miter lim="800000"/>
+        </a:ln>
+        <a:effectLst/>
+      </dsp:spPr>
+      <dsp:style>
+        <a:lnRef idx="2">
+          <a:scrgbClr r="0" g="0" b="0"/>
+        </a:lnRef>
+        <a:fillRef idx="1">
+          <a:scrgbClr r="0" g="0" b="0"/>
+        </a:fillRef>
+        <a:effectRef idx="0">
+          <a:scrgbClr r="0" g="0" b="0"/>
+        </a:effectRef>
+        <a:fontRef idx="minor">
+          <a:schemeClr val="lt1"/>
+        </a:fontRef>
+      </dsp:style>
+      <dsp:txBody>
+        <a:bodyPr spcFirstLastPara="0" vert="horz" wrap="square" lIns="38100" tIns="38100" rIns="38100" bIns="38100" numCol="1" spcCol="1270" anchor="ctr" anchorCtr="0">
+          <a:noAutofit/>
+        </a:bodyPr>
+        <a:lstStyle/>
+        <a:p>
+          <a:pPr marL="0" lvl="0" indent="0" algn="ctr" defTabSz="444500">
+            <a:lnSpc>
+              <a:spcPct val="90000"/>
+            </a:lnSpc>
+            <a:spcBef>
+              <a:spcPct val="0"/>
+            </a:spcBef>
+            <a:spcAft>
+              <a:spcPct val="35000"/>
+            </a:spcAft>
+            <a:buNone/>
+          </a:pPr>
+          <a:r>
+            <a:rPr lang="pt-BR" sz="1000" kern="1200" dirty="0"/>
+            <a:t>Aquisição da Imagem</a:t>
+          </a:r>
+        </a:p>
+      </dsp:txBody>
+      <dsp:txXfrm>
+        <a:off x="25541" y="428826"/>
+        <a:ext cx="1402310" cy="820953"/>
+      </dsp:txXfrm>
+    </dsp:sp>
+    <dsp:sp modelId="{530923B7-2F2A-4F0F-A9E5-FC25B9FDD638}">
+      <dsp:nvSpPr>
+        <dsp:cNvPr id="0" name=""/>
+        <dsp:cNvSpPr/>
+      </dsp:nvSpPr>
+      <dsp:spPr>
+        <a:xfrm>
+          <a:off x="1581291" y="659083"/>
+          <a:ext cx="308119" cy="360441"/>
+        </a:xfrm>
+        <a:prstGeom prst="rightArrow">
+          <a:avLst>
+            <a:gd name="adj1" fmla="val 60000"/>
+            <a:gd name="adj2" fmla="val 50000"/>
+          </a:avLst>
+        </a:prstGeom>
+        <a:solidFill>
+          <a:schemeClr val="dk1">
+            <a:tint val="60000"/>
+            <a:hueOff val="0"/>
+            <a:satOff val="0"/>
+            <a:lumOff val="0"/>
+            <a:alphaOff val="0"/>
+          </a:schemeClr>
+        </a:solidFill>
+        <a:ln>
+          <a:noFill/>
+        </a:ln>
+        <a:effectLst/>
+      </dsp:spPr>
+      <dsp:style>
+        <a:lnRef idx="0">
+          <a:scrgbClr r="0" g="0" b="0"/>
+        </a:lnRef>
+        <a:fillRef idx="1">
+          <a:scrgbClr r="0" g="0" b="0"/>
+        </a:fillRef>
+        <a:effectRef idx="0">
+          <a:scrgbClr r="0" g="0" b="0"/>
+        </a:effectRef>
+        <a:fontRef idx="minor">
+          <a:schemeClr val="lt1"/>
+        </a:fontRef>
+      </dsp:style>
+      <dsp:txBody>
+        <a:bodyPr spcFirstLastPara="0" vert="horz" wrap="square" lIns="0" tIns="0" rIns="0" bIns="0" numCol="1" spcCol="1270" anchor="ctr" anchorCtr="0">
+          <a:noAutofit/>
+        </a:bodyPr>
+        <a:lstStyle/>
+        <a:p>
+          <a:pPr marL="0" lvl="0" indent="0" algn="ctr" defTabSz="444500">
+            <a:lnSpc>
+              <a:spcPct val="90000"/>
+            </a:lnSpc>
+            <a:spcBef>
+              <a:spcPct val="0"/>
+            </a:spcBef>
+            <a:spcAft>
+              <a:spcPct val="35000"/>
+            </a:spcAft>
+            <a:buNone/>
+          </a:pPr>
+          <a:endParaRPr lang="pt-BR" sz="1000" kern="1200"/>
+        </a:p>
+      </dsp:txBody>
+      <dsp:txXfrm>
+        <a:off x="1581291" y="731171"/>
+        <a:ext cx="215683" cy="216265"/>
+      </dsp:txXfrm>
+    </dsp:sp>
+    <dsp:sp modelId="{9F928E82-40BF-4265-9E8E-3A8D1DEC0BB2}">
+      <dsp:nvSpPr>
+        <dsp:cNvPr id="0" name=""/>
+        <dsp:cNvSpPr/>
+      </dsp:nvSpPr>
+      <dsp:spPr>
+        <a:xfrm>
+          <a:off x="2034749" y="403285"/>
+          <a:ext cx="1453392" cy="872035"/>
+        </a:xfrm>
+        <a:prstGeom prst="roundRect">
+          <a:avLst>
+            <a:gd name="adj" fmla="val 10000"/>
+          </a:avLst>
+        </a:prstGeom>
+        <a:solidFill>
+          <a:schemeClr val="lt1">
+            <a:hueOff val="0"/>
+            <a:satOff val="0"/>
+            <a:lumOff val="0"/>
+            <a:alphaOff val="0"/>
+          </a:schemeClr>
+        </a:solidFill>
+        <a:ln w="12700" cap="flat" cmpd="sng" algn="ctr">
+          <a:solidFill>
+            <a:schemeClr val="dk1">
+              <a:shade val="80000"/>
+              <a:hueOff val="0"/>
+              <a:satOff val="0"/>
+              <a:lumOff val="0"/>
+              <a:alphaOff val="0"/>
+            </a:schemeClr>
+          </a:solidFill>
+          <a:prstDash val="solid"/>
+          <a:miter lim="800000"/>
+        </a:ln>
+        <a:effectLst/>
+      </dsp:spPr>
+      <dsp:style>
+        <a:lnRef idx="2">
+          <a:scrgbClr r="0" g="0" b="0"/>
+        </a:lnRef>
+        <a:fillRef idx="1">
+          <a:scrgbClr r="0" g="0" b="0"/>
+        </a:fillRef>
+        <a:effectRef idx="0">
+          <a:scrgbClr r="0" g="0" b="0"/>
+        </a:effectRef>
+        <a:fontRef idx="minor">
+          <a:schemeClr val="lt1"/>
+        </a:fontRef>
+      </dsp:style>
+      <dsp:txBody>
+        <a:bodyPr spcFirstLastPara="0" vert="horz" wrap="square" lIns="38100" tIns="38100" rIns="38100" bIns="38100" numCol="1" spcCol="1270" anchor="ctr" anchorCtr="0">
+          <a:noAutofit/>
+        </a:bodyPr>
+        <a:lstStyle/>
+        <a:p>
+          <a:pPr marL="0" lvl="0" indent="0" algn="ctr" defTabSz="444500">
+            <a:lnSpc>
+              <a:spcPct val="90000"/>
+            </a:lnSpc>
+            <a:spcBef>
+              <a:spcPct val="0"/>
+            </a:spcBef>
+            <a:spcAft>
+              <a:spcPct val="35000"/>
+            </a:spcAft>
+            <a:buNone/>
+          </a:pPr>
+          <a:r>
+            <a:rPr lang="pt-BR" sz="1000" kern="1200" dirty="0"/>
+            <a:t>Rotação de 90°</a:t>
+          </a:r>
+        </a:p>
+      </dsp:txBody>
+      <dsp:txXfrm>
+        <a:off x="2060290" y="428826"/>
+        <a:ext cx="1402310" cy="820953"/>
+      </dsp:txXfrm>
+    </dsp:sp>
+    <dsp:sp modelId="{5C0D02E6-B0EE-4E38-8A15-2F531226144C}">
+      <dsp:nvSpPr>
+        <dsp:cNvPr id="0" name=""/>
+        <dsp:cNvSpPr/>
+      </dsp:nvSpPr>
+      <dsp:spPr>
+        <a:xfrm>
+          <a:off x="3616040" y="659083"/>
+          <a:ext cx="308119" cy="360441"/>
+        </a:xfrm>
+        <a:prstGeom prst="rightArrow">
+          <a:avLst>
+            <a:gd name="adj1" fmla="val 60000"/>
+            <a:gd name="adj2" fmla="val 50000"/>
+          </a:avLst>
+        </a:prstGeom>
+        <a:solidFill>
+          <a:schemeClr val="dk1">
+            <a:tint val="60000"/>
+            <a:hueOff val="0"/>
+            <a:satOff val="0"/>
+            <a:lumOff val="0"/>
+            <a:alphaOff val="0"/>
+          </a:schemeClr>
+        </a:solidFill>
+        <a:ln>
+          <a:noFill/>
+        </a:ln>
+        <a:effectLst/>
+      </dsp:spPr>
+      <dsp:style>
+        <a:lnRef idx="0">
+          <a:scrgbClr r="0" g="0" b="0"/>
+        </a:lnRef>
+        <a:fillRef idx="1">
+          <a:scrgbClr r="0" g="0" b="0"/>
+        </a:fillRef>
+        <a:effectRef idx="0">
+          <a:scrgbClr r="0" g="0" b="0"/>
+        </a:effectRef>
+        <a:fontRef idx="minor">
+          <a:schemeClr val="lt1"/>
+        </a:fontRef>
+      </dsp:style>
+      <dsp:txBody>
+        <a:bodyPr spcFirstLastPara="0" vert="horz" wrap="square" lIns="0" tIns="0" rIns="0" bIns="0" numCol="1" spcCol="1270" anchor="ctr" anchorCtr="0">
+          <a:noAutofit/>
+        </a:bodyPr>
+        <a:lstStyle/>
+        <a:p>
+          <a:pPr marL="0" lvl="0" indent="0" algn="ctr" defTabSz="444500">
+            <a:lnSpc>
+              <a:spcPct val="90000"/>
+            </a:lnSpc>
+            <a:spcBef>
+              <a:spcPct val="0"/>
+            </a:spcBef>
+            <a:spcAft>
+              <a:spcPct val="35000"/>
+            </a:spcAft>
+            <a:buNone/>
+          </a:pPr>
+          <a:endParaRPr lang="pt-BR" sz="1000" kern="1200"/>
+        </a:p>
+      </dsp:txBody>
+      <dsp:txXfrm>
+        <a:off x="3616040" y="731171"/>
+        <a:ext cx="215683" cy="216265"/>
+      </dsp:txXfrm>
+    </dsp:sp>
+    <dsp:sp modelId="{53230EE6-DE99-4A40-ACCC-8E5B957F1A96}">
+      <dsp:nvSpPr>
+        <dsp:cNvPr id="0" name=""/>
+        <dsp:cNvSpPr/>
+      </dsp:nvSpPr>
+      <dsp:spPr>
+        <a:xfrm>
+          <a:off x="4069499" y="403285"/>
+          <a:ext cx="1453392" cy="872035"/>
+        </a:xfrm>
+        <a:prstGeom prst="roundRect">
+          <a:avLst>
+            <a:gd name="adj" fmla="val 10000"/>
+          </a:avLst>
+        </a:prstGeom>
+        <a:solidFill>
+          <a:schemeClr val="lt1">
+            <a:hueOff val="0"/>
+            <a:satOff val="0"/>
+            <a:lumOff val="0"/>
+            <a:alphaOff val="0"/>
+          </a:schemeClr>
+        </a:solidFill>
+        <a:ln w="12700" cap="flat" cmpd="sng" algn="ctr">
+          <a:solidFill>
+            <a:schemeClr val="dk1">
+              <a:shade val="80000"/>
+              <a:hueOff val="0"/>
+              <a:satOff val="0"/>
+              <a:lumOff val="0"/>
+              <a:alphaOff val="0"/>
+            </a:schemeClr>
+          </a:solidFill>
+          <a:prstDash val="solid"/>
+          <a:miter lim="800000"/>
+        </a:ln>
+        <a:effectLst/>
+      </dsp:spPr>
+      <dsp:style>
+        <a:lnRef idx="2">
+          <a:scrgbClr r="0" g="0" b="0"/>
+        </a:lnRef>
+        <a:fillRef idx="1">
+          <a:scrgbClr r="0" g="0" b="0"/>
+        </a:fillRef>
+        <a:effectRef idx="0">
+          <a:scrgbClr r="0" g="0" b="0"/>
+        </a:effectRef>
+        <a:fontRef idx="minor">
+          <a:schemeClr val="lt1"/>
+        </a:fontRef>
+      </dsp:style>
+      <dsp:txBody>
+        <a:bodyPr spcFirstLastPara="0" vert="horz" wrap="square" lIns="38100" tIns="38100" rIns="38100" bIns="38100" numCol="1" spcCol="1270" anchor="ctr" anchorCtr="0">
+          <a:noAutofit/>
+        </a:bodyPr>
+        <a:lstStyle/>
+        <a:p>
+          <a:pPr marL="0" lvl="0" indent="0" algn="ctr" defTabSz="444500">
+            <a:lnSpc>
+              <a:spcPct val="90000"/>
+            </a:lnSpc>
+            <a:spcBef>
+              <a:spcPct val="0"/>
+            </a:spcBef>
+            <a:spcAft>
+              <a:spcPct val="35000"/>
+            </a:spcAft>
+            <a:buNone/>
+          </a:pPr>
+          <a:r>
+            <a:rPr lang="pt-BR" sz="1000" kern="1200" dirty="0"/>
+            <a:t>Suavização da imagem</a:t>
+          </a:r>
+        </a:p>
+      </dsp:txBody>
+      <dsp:txXfrm>
+        <a:off x="4095040" y="428826"/>
+        <a:ext cx="1402310" cy="820953"/>
+      </dsp:txXfrm>
+    </dsp:sp>
+    <dsp:sp modelId="{2BF6B84B-09D6-4389-8AEC-228573A5A987}">
+      <dsp:nvSpPr>
+        <dsp:cNvPr id="0" name=""/>
+        <dsp:cNvSpPr/>
+      </dsp:nvSpPr>
+      <dsp:spPr>
+        <a:xfrm>
+          <a:off x="5650790" y="659083"/>
+          <a:ext cx="308119" cy="360441"/>
+        </a:xfrm>
+        <a:prstGeom prst="rightArrow">
+          <a:avLst>
+            <a:gd name="adj1" fmla="val 60000"/>
+            <a:gd name="adj2" fmla="val 50000"/>
+          </a:avLst>
+        </a:prstGeom>
+        <a:solidFill>
+          <a:schemeClr val="dk1">
+            <a:tint val="60000"/>
+            <a:hueOff val="0"/>
+            <a:satOff val="0"/>
+            <a:lumOff val="0"/>
+            <a:alphaOff val="0"/>
+          </a:schemeClr>
+        </a:solidFill>
+        <a:ln>
+          <a:noFill/>
+        </a:ln>
+        <a:effectLst/>
+      </dsp:spPr>
+      <dsp:style>
+        <a:lnRef idx="0">
+          <a:scrgbClr r="0" g="0" b="0"/>
+        </a:lnRef>
+        <a:fillRef idx="1">
+          <a:scrgbClr r="0" g="0" b="0"/>
+        </a:fillRef>
+        <a:effectRef idx="0">
+          <a:scrgbClr r="0" g="0" b="0"/>
+        </a:effectRef>
+        <a:fontRef idx="minor">
+          <a:schemeClr val="lt1"/>
+        </a:fontRef>
+      </dsp:style>
+      <dsp:txBody>
+        <a:bodyPr spcFirstLastPara="0" vert="horz" wrap="square" lIns="0" tIns="0" rIns="0" bIns="0" numCol="1" spcCol="1270" anchor="ctr" anchorCtr="0">
+          <a:noAutofit/>
+        </a:bodyPr>
+        <a:lstStyle/>
+        <a:p>
+          <a:pPr marL="0" lvl="0" indent="0" algn="ctr" defTabSz="444500">
+            <a:lnSpc>
+              <a:spcPct val="90000"/>
+            </a:lnSpc>
+            <a:spcBef>
+              <a:spcPct val="0"/>
+            </a:spcBef>
+            <a:spcAft>
+              <a:spcPct val="35000"/>
+            </a:spcAft>
+            <a:buNone/>
+          </a:pPr>
+          <a:endParaRPr lang="pt-BR" sz="1000" kern="1200"/>
+        </a:p>
+      </dsp:txBody>
+      <dsp:txXfrm>
+        <a:off x="5650790" y="731171"/>
+        <a:ext cx="215683" cy="216265"/>
+      </dsp:txXfrm>
+    </dsp:sp>
+    <dsp:sp modelId="{867CC196-25EF-4D90-A27B-FBA326AD7ED0}">
+      <dsp:nvSpPr>
+        <dsp:cNvPr id="0" name=""/>
+        <dsp:cNvSpPr/>
+      </dsp:nvSpPr>
+      <dsp:spPr>
+        <a:xfrm>
+          <a:off x="6104249" y="403285"/>
+          <a:ext cx="1453392" cy="872035"/>
+        </a:xfrm>
+        <a:prstGeom prst="roundRect">
+          <a:avLst>
+            <a:gd name="adj" fmla="val 10000"/>
+          </a:avLst>
+        </a:prstGeom>
+        <a:solidFill>
+          <a:schemeClr val="lt1">
+            <a:hueOff val="0"/>
+            <a:satOff val="0"/>
+            <a:lumOff val="0"/>
+            <a:alphaOff val="0"/>
+          </a:schemeClr>
+        </a:solidFill>
+        <a:ln w="12700" cap="flat" cmpd="sng" algn="ctr">
+          <a:solidFill>
+            <a:schemeClr val="dk1">
+              <a:shade val="80000"/>
+              <a:hueOff val="0"/>
+              <a:satOff val="0"/>
+              <a:lumOff val="0"/>
+              <a:alphaOff val="0"/>
+            </a:schemeClr>
+          </a:solidFill>
+          <a:prstDash val="solid"/>
+          <a:miter lim="800000"/>
+        </a:ln>
+        <a:effectLst/>
+      </dsp:spPr>
+      <dsp:style>
+        <a:lnRef idx="2">
+          <a:scrgbClr r="0" g="0" b="0"/>
+        </a:lnRef>
+        <a:fillRef idx="1">
+          <a:scrgbClr r="0" g="0" b="0"/>
+        </a:fillRef>
+        <a:effectRef idx="0">
+          <a:scrgbClr r="0" g="0" b="0"/>
+        </a:effectRef>
+        <a:fontRef idx="minor">
+          <a:schemeClr val="lt1"/>
+        </a:fontRef>
+      </dsp:style>
+      <dsp:txBody>
+        <a:bodyPr spcFirstLastPara="0" vert="horz" wrap="square" lIns="38100" tIns="38100" rIns="38100" bIns="38100" numCol="1" spcCol="1270" anchor="ctr" anchorCtr="0">
+          <a:noAutofit/>
+        </a:bodyPr>
+        <a:lstStyle/>
+        <a:p>
+          <a:pPr marL="0" lvl="0" indent="0" algn="ctr" defTabSz="444500">
+            <a:lnSpc>
+              <a:spcPct val="90000"/>
+            </a:lnSpc>
+            <a:spcBef>
+              <a:spcPct val="0"/>
+            </a:spcBef>
+            <a:spcAft>
+              <a:spcPct val="35000"/>
+            </a:spcAft>
+            <a:buNone/>
+          </a:pPr>
+          <a:r>
+            <a:rPr lang="pt-BR" sz="1000" kern="1200" dirty="0"/>
+            <a:t>Conversão RGB para HSV</a:t>
+          </a:r>
+        </a:p>
+      </dsp:txBody>
+      <dsp:txXfrm>
+        <a:off x="6129790" y="428826"/>
+        <a:ext cx="1402310" cy="820953"/>
+      </dsp:txXfrm>
+    </dsp:sp>
+    <dsp:sp modelId="{BC05D22A-96E1-4E2F-B44F-265B504C48F7}">
+      <dsp:nvSpPr>
+        <dsp:cNvPr id="0" name=""/>
+        <dsp:cNvSpPr/>
+      </dsp:nvSpPr>
+      <dsp:spPr>
+        <a:xfrm>
+          <a:off x="7685540" y="659083"/>
+          <a:ext cx="308119" cy="360441"/>
+        </a:xfrm>
+        <a:prstGeom prst="rightArrow">
+          <a:avLst>
+            <a:gd name="adj1" fmla="val 60000"/>
+            <a:gd name="adj2" fmla="val 50000"/>
+          </a:avLst>
+        </a:prstGeom>
+        <a:solidFill>
+          <a:schemeClr val="dk1">
+            <a:tint val="60000"/>
+            <a:hueOff val="0"/>
+            <a:satOff val="0"/>
+            <a:lumOff val="0"/>
+            <a:alphaOff val="0"/>
+          </a:schemeClr>
+        </a:solidFill>
+        <a:ln>
+          <a:noFill/>
+        </a:ln>
+        <a:effectLst/>
+      </dsp:spPr>
+      <dsp:style>
+        <a:lnRef idx="0">
+          <a:scrgbClr r="0" g="0" b="0"/>
+        </a:lnRef>
+        <a:fillRef idx="1">
+          <a:scrgbClr r="0" g="0" b="0"/>
+        </a:fillRef>
+        <a:effectRef idx="0">
+          <a:scrgbClr r="0" g="0" b="0"/>
+        </a:effectRef>
+        <a:fontRef idx="minor">
+          <a:schemeClr val="lt1"/>
+        </a:fontRef>
+      </dsp:style>
+      <dsp:txBody>
+        <a:bodyPr spcFirstLastPara="0" vert="horz" wrap="square" lIns="0" tIns="0" rIns="0" bIns="0" numCol="1" spcCol="1270" anchor="ctr" anchorCtr="0">
+          <a:noAutofit/>
+        </a:bodyPr>
+        <a:lstStyle/>
+        <a:p>
+          <a:pPr marL="0" lvl="0" indent="0" algn="ctr" defTabSz="444500">
+            <a:lnSpc>
+              <a:spcPct val="90000"/>
+            </a:lnSpc>
+            <a:spcBef>
+              <a:spcPct val="0"/>
+            </a:spcBef>
+            <a:spcAft>
+              <a:spcPct val="35000"/>
+            </a:spcAft>
+            <a:buNone/>
+          </a:pPr>
+          <a:endParaRPr lang="pt-BR" sz="1000" kern="1200"/>
+        </a:p>
+      </dsp:txBody>
+      <dsp:txXfrm>
+        <a:off x="7685540" y="731171"/>
+        <a:ext cx="215683" cy="216265"/>
+      </dsp:txXfrm>
+    </dsp:sp>
+    <dsp:sp modelId="{ADE7EA77-20B9-452E-89F5-93564C6CCE56}">
+      <dsp:nvSpPr>
+        <dsp:cNvPr id="0" name=""/>
+        <dsp:cNvSpPr/>
+      </dsp:nvSpPr>
+      <dsp:spPr>
+        <a:xfrm>
+          <a:off x="8138998" y="403285"/>
+          <a:ext cx="1453392" cy="872035"/>
+        </a:xfrm>
+        <a:prstGeom prst="roundRect">
+          <a:avLst>
+            <a:gd name="adj" fmla="val 10000"/>
+          </a:avLst>
+        </a:prstGeom>
+        <a:solidFill>
+          <a:schemeClr val="lt1">
+            <a:hueOff val="0"/>
+            <a:satOff val="0"/>
+            <a:lumOff val="0"/>
+            <a:alphaOff val="0"/>
+          </a:schemeClr>
+        </a:solidFill>
+        <a:ln w="12700" cap="flat" cmpd="sng" algn="ctr">
+          <a:solidFill>
+            <a:schemeClr val="dk1">
+              <a:shade val="80000"/>
+              <a:hueOff val="0"/>
+              <a:satOff val="0"/>
+              <a:lumOff val="0"/>
+              <a:alphaOff val="0"/>
+            </a:schemeClr>
+          </a:solidFill>
+          <a:prstDash val="solid"/>
+          <a:miter lim="800000"/>
+        </a:ln>
+        <a:effectLst/>
+      </dsp:spPr>
+      <dsp:style>
+        <a:lnRef idx="2">
+          <a:scrgbClr r="0" g="0" b="0"/>
+        </a:lnRef>
+        <a:fillRef idx="1">
+          <a:scrgbClr r="0" g="0" b="0"/>
+        </a:fillRef>
+        <a:effectRef idx="0">
+          <a:scrgbClr r="0" g="0" b="0"/>
+        </a:effectRef>
+        <a:fontRef idx="minor">
+          <a:schemeClr val="lt1"/>
+        </a:fontRef>
+      </dsp:style>
+      <dsp:txBody>
+        <a:bodyPr spcFirstLastPara="0" vert="horz" wrap="square" lIns="38100" tIns="38100" rIns="38100" bIns="38100" numCol="1" spcCol="1270" anchor="ctr" anchorCtr="0">
+          <a:noAutofit/>
+        </a:bodyPr>
+        <a:lstStyle/>
+        <a:p>
+          <a:pPr marL="0" lvl="0" indent="0" algn="ctr" defTabSz="444500">
+            <a:lnSpc>
+              <a:spcPct val="90000"/>
+            </a:lnSpc>
+            <a:spcBef>
+              <a:spcPct val="0"/>
+            </a:spcBef>
+            <a:spcAft>
+              <a:spcPct val="35000"/>
+            </a:spcAft>
+            <a:buNone/>
+          </a:pPr>
+          <a:r>
+            <a:rPr lang="pt-BR" sz="1000" kern="1200" dirty="0"/>
+            <a:t>Filtro HSV</a:t>
+          </a:r>
+        </a:p>
+      </dsp:txBody>
+      <dsp:txXfrm>
+        <a:off x="8164539" y="428826"/>
+        <a:ext cx="1402310" cy="820953"/>
+      </dsp:txXfrm>
+    </dsp:sp>
+    <dsp:sp modelId="{2294403E-074F-4FDB-B214-7EF6CFD0A970}">
+      <dsp:nvSpPr>
+        <dsp:cNvPr id="0" name=""/>
+        <dsp:cNvSpPr/>
+      </dsp:nvSpPr>
+      <dsp:spPr>
+        <a:xfrm>
+          <a:off x="9720289" y="659083"/>
+          <a:ext cx="308119" cy="360441"/>
+        </a:xfrm>
+        <a:prstGeom prst="rightArrow">
+          <a:avLst>
+            <a:gd name="adj1" fmla="val 60000"/>
+            <a:gd name="adj2" fmla="val 50000"/>
+          </a:avLst>
+        </a:prstGeom>
+        <a:solidFill>
+          <a:schemeClr val="dk1">
+            <a:tint val="60000"/>
+            <a:hueOff val="0"/>
+            <a:satOff val="0"/>
+            <a:lumOff val="0"/>
+            <a:alphaOff val="0"/>
+          </a:schemeClr>
+        </a:solidFill>
+        <a:ln>
+          <a:noFill/>
+        </a:ln>
+        <a:effectLst/>
+      </dsp:spPr>
+      <dsp:style>
+        <a:lnRef idx="0">
+          <a:scrgbClr r="0" g="0" b="0"/>
+        </a:lnRef>
+        <a:fillRef idx="1">
+          <a:scrgbClr r="0" g="0" b="0"/>
+        </a:fillRef>
+        <a:effectRef idx="0">
+          <a:scrgbClr r="0" g="0" b="0"/>
+        </a:effectRef>
+        <a:fontRef idx="minor">
+          <a:schemeClr val="lt1"/>
+        </a:fontRef>
+      </dsp:style>
+      <dsp:txBody>
+        <a:bodyPr spcFirstLastPara="0" vert="horz" wrap="square" lIns="0" tIns="0" rIns="0" bIns="0" numCol="1" spcCol="1270" anchor="ctr" anchorCtr="0">
+          <a:noAutofit/>
+        </a:bodyPr>
+        <a:lstStyle/>
+        <a:p>
+          <a:pPr marL="0" lvl="0" indent="0" algn="ctr" defTabSz="444500">
+            <a:lnSpc>
+              <a:spcPct val="90000"/>
+            </a:lnSpc>
+            <a:spcBef>
+              <a:spcPct val="0"/>
+            </a:spcBef>
+            <a:spcAft>
+              <a:spcPct val="35000"/>
+            </a:spcAft>
+            <a:buNone/>
+          </a:pPr>
+          <a:endParaRPr lang="pt-BR" sz="1000" kern="1200"/>
+        </a:p>
+      </dsp:txBody>
+      <dsp:txXfrm>
+        <a:off x="9720289" y="731171"/>
+        <a:ext cx="215683" cy="216265"/>
+      </dsp:txXfrm>
+    </dsp:sp>
+    <dsp:sp modelId="{2447AAE3-27D3-425C-A32D-FB3AE706CA4F}">
+      <dsp:nvSpPr>
+        <dsp:cNvPr id="0" name=""/>
+        <dsp:cNvSpPr/>
+      </dsp:nvSpPr>
+      <dsp:spPr>
+        <a:xfrm>
+          <a:off x="10173748" y="403285"/>
+          <a:ext cx="1453392" cy="872035"/>
+        </a:xfrm>
+        <a:prstGeom prst="roundRect">
+          <a:avLst>
+            <a:gd name="adj" fmla="val 10000"/>
+          </a:avLst>
+        </a:prstGeom>
+        <a:solidFill>
+          <a:schemeClr val="lt1">
+            <a:hueOff val="0"/>
+            <a:satOff val="0"/>
+            <a:lumOff val="0"/>
+            <a:alphaOff val="0"/>
+          </a:schemeClr>
+        </a:solidFill>
+        <a:ln w="12700" cap="flat" cmpd="sng" algn="ctr">
+          <a:solidFill>
+            <a:schemeClr val="dk1">
+              <a:shade val="80000"/>
+              <a:hueOff val="0"/>
+              <a:satOff val="0"/>
+              <a:lumOff val="0"/>
+              <a:alphaOff val="0"/>
+            </a:schemeClr>
+          </a:solidFill>
+          <a:prstDash val="solid"/>
+          <a:miter lim="800000"/>
+        </a:ln>
+        <a:effectLst/>
+      </dsp:spPr>
+      <dsp:style>
+        <a:lnRef idx="2">
+          <a:scrgbClr r="0" g="0" b="0"/>
+        </a:lnRef>
+        <a:fillRef idx="1">
+          <a:scrgbClr r="0" g="0" b="0"/>
+        </a:fillRef>
+        <a:effectRef idx="0">
+          <a:scrgbClr r="0" g="0" b="0"/>
+        </a:effectRef>
+        <a:fontRef idx="minor">
+          <a:schemeClr val="lt1"/>
+        </a:fontRef>
+      </dsp:style>
+      <dsp:txBody>
+        <a:bodyPr spcFirstLastPara="0" vert="horz" wrap="square" lIns="38100" tIns="38100" rIns="38100" bIns="38100" numCol="1" spcCol="1270" anchor="ctr" anchorCtr="0">
+          <a:noAutofit/>
+        </a:bodyPr>
+        <a:lstStyle/>
+        <a:p>
+          <a:pPr marL="0" lvl="0" indent="0" algn="ctr" defTabSz="444500">
+            <a:lnSpc>
+              <a:spcPct val="90000"/>
+            </a:lnSpc>
+            <a:spcBef>
+              <a:spcPct val="0"/>
+            </a:spcBef>
+            <a:spcAft>
+              <a:spcPct val="35000"/>
+            </a:spcAft>
+            <a:buNone/>
+          </a:pPr>
+          <a:r>
+            <a:rPr lang="pt-BR" sz="1000" kern="1200" dirty="0"/>
+            <a:t>Operações Morfológicas</a:t>
+          </a:r>
+        </a:p>
+      </dsp:txBody>
+      <dsp:txXfrm>
+        <a:off x="10199289" y="428826"/>
+        <a:ext cx="1402310" cy="820953"/>
+      </dsp:txXfrm>
+    </dsp:sp>
+    <dsp:sp modelId="{4AA68797-65C1-4467-A723-B0358B3EB783}">
+      <dsp:nvSpPr>
+        <dsp:cNvPr id="0" name=""/>
+        <dsp:cNvSpPr/>
+      </dsp:nvSpPr>
+      <dsp:spPr>
+        <a:xfrm rot="5400000">
+          <a:off x="10746385" y="1377058"/>
+          <a:ext cx="308119" cy="360441"/>
+        </a:xfrm>
+        <a:prstGeom prst="rightArrow">
+          <a:avLst>
+            <a:gd name="adj1" fmla="val 60000"/>
+            <a:gd name="adj2" fmla="val 50000"/>
+          </a:avLst>
+        </a:prstGeom>
+        <a:solidFill>
+          <a:schemeClr val="dk1">
+            <a:tint val="60000"/>
+            <a:hueOff val="0"/>
+            <a:satOff val="0"/>
+            <a:lumOff val="0"/>
+            <a:alphaOff val="0"/>
+          </a:schemeClr>
+        </a:solidFill>
+        <a:ln>
+          <a:noFill/>
+        </a:ln>
+        <a:effectLst/>
+      </dsp:spPr>
+      <dsp:style>
+        <a:lnRef idx="0">
+          <a:scrgbClr r="0" g="0" b="0"/>
+        </a:lnRef>
+        <a:fillRef idx="1">
+          <a:scrgbClr r="0" g="0" b="0"/>
+        </a:fillRef>
+        <a:effectRef idx="0">
+          <a:scrgbClr r="0" g="0" b="0"/>
+        </a:effectRef>
+        <a:fontRef idx="minor">
+          <a:schemeClr val="lt1"/>
+        </a:fontRef>
+      </dsp:style>
+      <dsp:txBody>
+        <a:bodyPr spcFirstLastPara="0" vert="horz" wrap="square" lIns="0" tIns="0" rIns="0" bIns="0" numCol="1" spcCol="1270" anchor="ctr" anchorCtr="0">
+          <a:noAutofit/>
+        </a:bodyPr>
+        <a:lstStyle/>
+        <a:p>
+          <a:pPr marL="0" lvl="0" indent="0" algn="ctr" defTabSz="444500">
+            <a:lnSpc>
+              <a:spcPct val="90000"/>
+            </a:lnSpc>
+            <a:spcBef>
+              <a:spcPct val="0"/>
+            </a:spcBef>
+            <a:spcAft>
+              <a:spcPct val="35000"/>
+            </a:spcAft>
+            <a:buNone/>
+          </a:pPr>
+          <a:endParaRPr lang="pt-BR" sz="1000" kern="1200"/>
+        </a:p>
+      </dsp:txBody>
+      <dsp:txXfrm rot="-5400000">
+        <a:off x="10792312" y="1403219"/>
+        <a:ext cx="216265" cy="215683"/>
+      </dsp:txXfrm>
+    </dsp:sp>
+    <dsp:sp modelId="{980678BD-78D9-48C0-993F-44678A35B3DA}">
+      <dsp:nvSpPr>
+        <dsp:cNvPr id="0" name=""/>
+        <dsp:cNvSpPr/>
+      </dsp:nvSpPr>
+      <dsp:spPr>
+        <a:xfrm>
+          <a:off x="10173748" y="1856678"/>
+          <a:ext cx="1453392" cy="872035"/>
+        </a:xfrm>
+        <a:prstGeom prst="roundRect">
+          <a:avLst>
+            <a:gd name="adj" fmla="val 10000"/>
+          </a:avLst>
+        </a:prstGeom>
+        <a:solidFill>
+          <a:schemeClr val="lt1">
+            <a:hueOff val="0"/>
+            <a:satOff val="0"/>
+            <a:lumOff val="0"/>
+            <a:alphaOff val="0"/>
+          </a:schemeClr>
+        </a:solidFill>
+        <a:ln w="12700" cap="flat" cmpd="sng" algn="ctr">
+          <a:solidFill>
+            <a:schemeClr val="dk1">
+              <a:shade val="80000"/>
+              <a:hueOff val="0"/>
+              <a:satOff val="0"/>
+              <a:lumOff val="0"/>
+              <a:alphaOff val="0"/>
+            </a:schemeClr>
+          </a:solidFill>
+          <a:prstDash val="solid"/>
+          <a:miter lim="800000"/>
+        </a:ln>
+        <a:effectLst/>
+      </dsp:spPr>
+      <dsp:style>
+        <a:lnRef idx="2">
+          <a:scrgbClr r="0" g="0" b="0"/>
+        </a:lnRef>
+        <a:fillRef idx="1">
+          <a:scrgbClr r="0" g="0" b="0"/>
+        </a:fillRef>
+        <a:effectRef idx="0">
+          <a:scrgbClr r="0" g="0" b="0"/>
+        </a:effectRef>
+        <a:fontRef idx="minor">
+          <a:schemeClr val="lt1"/>
+        </a:fontRef>
+      </dsp:style>
+      <dsp:txBody>
+        <a:bodyPr spcFirstLastPara="0" vert="horz" wrap="square" lIns="38100" tIns="38100" rIns="38100" bIns="38100" numCol="1" spcCol="1270" anchor="ctr" anchorCtr="0">
+          <a:noAutofit/>
+        </a:bodyPr>
+        <a:lstStyle/>
+        <a:p>
+          <a:pPr marL="0" lvl="0" indent="0" algn="ctr" defTabSz="444500">
+            <a:lnSpc>
+              <a:spcPct val="90000"/>
+            </a:lnSpc>
+            <a:spcBef>
+              <a:spcPct val="0"/>
+            </a:spcBef>
+            <a:spcAft>
+              <a:spcPct val="35000"/>
+            </a:spcAft>
+            <a:buNone/>
+          </a:pPr>
+          <a:r>
+            <a:rPr lang="pt-BR" sz="1000" kern="1200" dirty="0"/>
+            <a:t>Encontra Contornos</a:t>
+          </a:r>
+        </a:p>
+      </dsp:txBody>
+      <dsp:txXfrm>
+        <a:off x="10199289" y="1882219"/>
+        <a:ext cx="1402310" cy="820953"/>
+      </dsp:txXfrm>
+    </dsp:sp>
+    <dsp:sp modelId="{D3ADE72C-E83B-42FD-A721-E0374252F86C}">
+      <dsp:nvSpPr>
+        <dsp:cNvPr id="0" name=""/>
+        <dsp:cNvSpPr/>
+      </dsp:nvSpPr>
+      <dsp:spPr>
+        <a:xfrm rot="10800000">
+          <a:off x="9737730" y="2112475"/>
+          <a:ext cx="308119" cy="360441"/>
+        </a:xfrm>
+        <a:prstGeom prst="rightArrow">
+          <a:avLst>
+            <a:gd name="adj1" fmla="val 60000"/>
+            <a:gd name="adj2" fmla="val 50000"/>
+          </a:avLst>
+        </a:prstGeom>
+        <a:solidFill>
+          <a:schemeClr val="dk1">
+            <a:tint val="60000"/>
+            <a:hueOff val="0"/>
+            <a:satOff val="0"/>
+            <a:lumOff val="0"/>
+            <a:alphaOff val="0"/>
+          </a:schemeClr>
+        </a:solidFill>
+        <a:ln>
+          <a:noFill/>
+        </a:ln>
+        <a:effectLst/>
+      </dsp:spPr>
+      <dsp:style>
+        <a:lnRef idx="0">
+          <a:scrgbClr r="0" g="0" b="0"/>
+        </a:lnRef>
+        <a:fillRef idx="1">
+          <a:scrgbClr r="0" g="0" b="0"/>
+        </a:fillRef>
+        <a:effectRef idx="0">
+          <a:scrgbClr r="0" g="0" b="0"/>
+        </a:effectRef>
+        <a:fontRef idx="minor">
+          <a:schemeClr val="lt1"/>
+        </a:fontRef>
+      </dsp:style>
+      <dsp:txBody>
+        <a:bodyPr spcFirstLastPara="0" vert="horz" wrap="square" lIns="0" tIns="0" rIns="0" bIns="0" numCol="1" spcCol="1270" anchor="ctr" anchorCtr="0">
+          <a:noAutofit/>
+        </a:bodyPr>
+        <a:lstStyle/>
+        <a:p>
+          <a:pPr marL="0" lvl="0" indent="0" algn="ctr" defTabSz="444500">
+            <a:lnSpc>
+              <a:spcPct val="90000"/>
+            </a:lnSpc>
+            <a:spcBef>
+              <a:spcPct val="0"/>
+            </a:spcBef>
+            <a:spcAft>
+              <a:spcPct val="35000"/>
+            </a:spcAft>
+            <a:buNone/>
+          </a:pPr>
+          <a:endParaRPr lang="pt-BR" sz="1000" kern="1200"/>
+        </a:p>
+      </dsp:txBody>
+      <dsp:txXfrm rot="10800000">
+        <a:off x="9830166" y="2184563"/>
+        <a:ext cx="215683" cy="216265"/>
+      </dsp:txXfrm>
+    </dsp:sp>
+    <dsp:sp modelId="{61507B05-1F47-4D2D-82BD-512DEE868D3F}">
+      <dsp:nvSpPr>
+        <dsp:cNvPr id="0" name=""/>
+        <dsp:cNvSpPr/>
+      </dsp:nvSpPr>
+      <dsp:spPr>
+        <a:xfrm>
+          <a:off x="8138998" y="1856678"/>
+          <a:ext cx="1453392" cy="872035"/>
+        </a:xfrm>
+        <a:prstGeom prst="roundRect">
+          <a:avLst>
+            <a:gd name="adj" fmla="val 10000"/>
+          </a:avLst>
+        </a:prstGeom>
+        <a:solidFill>
+          <a:schemeClr val="lt1">
+            <a:hueOff val="0"/>
+            <a:satOff val="0"/>
+            <a:lumOff val="0"/>
+            <a:alphaOff val="0"/>
+          </a:schemeClr>
+        </a:solidFill>
+        <a:ln w="12700" cap="flat" cmpd="sng" algn="ctr">
+          <a:solidFill>
+            <a:schemeClr val="dk1">
+              <a:shade val="80000"/>
+              <a:hueOff val="0"/>
+              <a:satOff val="0"/>
+              <a:lumOff val="0"/>
+              <a:alphaOff val="0"/>
+            </a:schemeClr>
+          </a:solidFill>
+          <a:prstDash val="solid"/>
+          <a:miter lim="800000"/>
+        </a:ln>
+        <a:effectLst/>
+      </dsp:spPr>
+      <dsp:style>
+        <a:lnRef idx="2">
+          <a:scrgbClr r="0" g="0" b="0"/>
+        </a:lnRef>
+        <a:fillRef idx="1">
+          <a:scrgbClr r="0" g="0" b="0"/>
+        </a:fillRef>
+        <a:effectRef idx="0">
+          <a:scrgbClr r="0" g="0" b="0"/>
+        </a:effectRef>
+        <a:fontRef idx="minor">
+          <a:schemeClr val="lt1"/>
+        </a:fontRef>
+      </dsp:style>
+      <dsp:txBody>
+        <a:bodyPr spcFirstLastPara="0" vert="horz" wrap="square" lIns="38100" tIns="38100" rIns="38100" bIns="38100" numCol="1" spcCol="1270" anchor="ctr" anchorCtr="0">
+          <a:noAutofit/>
+        </a:bodyPr>
+        <a:lstStyle/>
+        <a:p>
+          <a:pPr marL="0" lvl="0" indent="0" algn="ctr" defTabSz="444500">
+            <a:lnSpc>
+              <a:spcPct val="90000"/>
+            </a:lnSpc>
+            <a:spcBef>
+              <a:spcPct val="0"/>
+            </a:spcBef>
+            <a:spcAft>
+              <a:spcPct val="35000"/>
+            </a:spcAft>
+            <a:buNone/>
+          </a:pPr>
+          <a:r>
+            <a:rPr lang="pt-BR" sz="1000" kern="1200" dirty="0"/>
+            <a:t>Estima Raio e Posição do Circulo</a:t>
+          </a:r>
+        </a:p>
+      </dsp:txBody>
+      <dsp:txXfrm>
+        <a:off x="8164539" y="1882219"/>
+        <a:ext cx="1402310" cy="820953"/>
+      </dsp:txXfrm>
+    </dsp:sp>
+    <dsp:sp modelId="{FEF29B4F-2298-4036-B41B-BC879878D940}">
+      <dsp:nvSpPr>
+        <dsp:cNvPr id="0" name=""/>
+        <dsp:cNvSpPr/>
+      </dsp:nvSpPr>
+      <dsp:spPr>
+        <a:xfrm rot="10800000">
+          <a:off x="7702980" y="2112475"/>
+          <a:ext cx="308119" cy="360441"/>
+        </a:xfrm>
+        <a:prstGeom prst="rightArrow">
+          <a:avLst>
+            <a:gd name="adj1" fmla="val 60000"/>
+            <a:gd name="adj2" fmla="val 50000"/>
+          </a:avLst>
+        </a:prstGeom>
+        <a:solidFill>
+          <a:schemeClr val="dk1">
+            <a:tint val="60000"/>
+            <a:hueOff val="0"/>
+            <a:satOff val="0"/>
+            <a:lumOff val="0"/>
+            <a:alphaOff val="0"/>
+          </a:schemeClr>
+        </a:solidFill>
+        <a:ln>
+          <a:noFill/>
+        </a:ln>
+        <a:effectLst/>
+      </dsp:spPr>
+      <dsp:style>
+        <a:lnRef idx="0">
+          <a:scrgbClr r="0" g="0" b="0"/>
+        </a:lnRef>
+        <a:fillRef idx="1">
+          <a:scrgbClr r="0" g="0" b="0"/>
+        </a:fillRef>
+        <a:effectRef idx="0">
+          <a:scrgbClr r="0" g="0" b="0"/>
+        </a:effectRef>
+        <a:fontRef idx="minor">
+          <a:schemeClr val="lt1"/>
+        </a:fontRef>
+      </dsp:style>
+      <dsp:txBody>
+        <a:bodyPr spcFirstLastPara="0" vert="horz" wrap="square" lIns="0" tIns="0" rIns="0" bIns="0" numCol="1" spcCol="1270" anchor="ctr" anchorCtr="0">
+          <a:noAutofit/>
+        </a:bodyPr>
+        <a:lstStyle/>
+        <a:p>
+          <a:pPr marL="0" lvl="0" indent="0" algn="ctr" defTabSz="444500">
+            <a:lnSpc>
+              <a:spcPct val="90000"/>
+            </a:lnSpc>
+            <a:spcBef>
+              <a:spcPct val="0"/>
+            </a:spcBef>
+            <a:spcAft>
+              <a:spcPct val="35000"/>
+            </a:spcAft>
+            <a:buNone/>
+          </a:pPr>
+          <a:endParaRPr lang="pt-BR" sz="1000" kern="1200"/>
+        </a:p>
+      </dsp:txBody>
+      <dsp:txXfrm rot="10800000">
+        <a:off x="7795416" y="2184563"/>
+        <a:ext cx="215683" cy="216265"/>
+      </dsp:txXfrm>
+    </dsp:sp>
+    <dsp:sp modelId="{C04AE41B-D23A-42F0-92FB-FC24CFE453A8}">
+      <dsp:nvSpPr>
+        <dsp:cNvPr id="0" name=""/>
+        <dsp:cNvSpPr/>
+      </dsp:nvSpPr>
+      <dsp:spPr>
+        <a:xfrm>
+          <a:off x="6104249" y="1856678"/>
+          <a:ext cx="1453392" cy="872035"/>
+        </a:xfrm>
+        <a:prstGeom prst="roundRect">
+          <a:avLst>
+            <a:gd name="adj" fmla="val 10000"/>
+          </a:avLst>
+        </a:prstGeom>
+        <a:solidFill>
+          <a:schemeClr val="lt1">
+            <a:hueOff val="0"/>
+            <a:satOff val="0"/>
+            <a:lumOff val="0"/>
+            <a:alphaOff val="0"/>
+          </a:schemeClr>
+        </a:solidFill>
+        <a:ln w="12700" cap="flat" cmpd="sng" algn="ctr">
+          <a:solidFill>
+            <a:schemeClr val="dk1">
+              <a:shade val="80000"/>
+              <a:hueOff val="0"/>
+              <a:satOff val="0"/>
+              <a:lumOff val="0"/>
+              <a:alphaOff val="0"/>
+            </a:schemeClr>
+          </a:solidFill>
+          <a:prstDash val="solid"/>
+          <a:miter lim="800000"/>
+        </a:ln>
+        <a:effectLst/>
+      </dsp:spPr>
+      <dsp:style>
+        <a:lnRef idx="2">
+          <a:scrgbClr r="0" g="0" b="0"/>
+        </a:lnRef>
+        <a:fillRef idx="1">
+          <a:scrgbClr r="0" g="0" b="0"/>
+        </a:fillRef>
+        <a:effectRef idx="0">
+          <a:scrgbClr r="0" g="0" b="0"/>
+        </a:effectRef>
+        <a:fontRef idx="minor">
+          <a:schemeClr val="lt1"/>
+        </a:fontRef>
+      </dsp:style>
+      <dsp:txBody>
+        <a:bodyPr spcFirstLastPara="0" vert="horz" wrap="square" lIns="38100" tIns="38100" rIns="38100" bIns="38100" numCol="1" spcCol="1270" anchor="ctr" anchorCtr="0">
+          <a:noAutofit/>
+        </a:bodyPr>
+        <a:lstStyle/>
+        <a:p>
+          <a:pPr marL="0" lvl="0" indent="0" algn="ctr" defTabSz="444500">
+            <a:lnSpc>
+              <a:spcPct val="90000"/>
+            </a:lnSpc>
+            <a:spcBef>
+              <a:spcPct val="0"/>
+            </a:spcBef>
+            <a:spcAft>
+              <a:spcPct val="35000"/>
+            </a:spcAft>
+            <a:buNone/>
+          </a:pPr>
+          <a:r>
+            <a:rPr lang="pt-BR" sz="1000" kern="1200" dirty="0"/>
+            <a:t>Desenha uma Cruz no Centro do Circulo</a:t>
+          </a:r>
+        </a:p>
+      </dsp:txBody>
+      <dsp:txXfrm>
+        <a:off x="6129790" y="1882219"/>
+        <a:ext cx="1402310" cy="820953"/>
+      </dsp:txXfrm>
+    </dsp:sp>
+    <dsp:sp modelId="{3A744EF1-F128-4EBB-AB7F-1EAA244B9755}">
+      <dsp:nvSpPr>
+        <dsp:cNvPr id="0" name=""/>
+        <dsp:cNvSpPr/>
+      </dsp:nvSpPr>
+      <dsp:spPr>
+        <a:xfrm rot="10800000">
+          <a:off x="5668231" y="2112475"/>
+          <a:ext cx="308119" cy="360441"/>
+        </a:xfrm>
+        <a:prstGeom prst="rightArrow">
+          <a:avLst>
+            <a:gd name="adj1" fmla="val 60000"/>
+            <a:gd name="adj2" fmla="val 50000"/>
+          </a:avLst>
+        </a:prstGeom>
+        <a:solidFill>
+          <a:schemeClr val="dk1">
+            <a:tint val="60000"/>
+            <a:hueOff val="0"/>
+            <a:satOff val="0"/>
+            <a:lumOff val="0"/>
+            <a:alphaOff val="0"/>
+          </a:schemeClr>
+        </a:solidFill>
+        <a:ln>
+          <a:noFill/>
+        </a:ln>
+        <a:effectLst/>
+      </dsp:spPr>
+      <dsp:style>
+        <a:lnRef idx="0">
+          <a:scrgbClr r="0" g="0" b="0"/>
+        </a:lnRef>
+        <a:fillRef idx="1">
+          <a:scrgbClr r="0" g="0" b="0"/>
+        </a:fillRef>
+        <a:effectRef idx="0">
+          <a:scrgbClr r="0" g="0" b="0"/>
+        </a:effectRef>
+        <a:fontRef idx="minor">
+          <a:schemeClr val="lt1"/>
+        </a:fontRef>
+      </dsp:style>
+      <dsp:txBody>
+        <a:bodyPr spcFirstLastPara="0" vert="horz" wrap="square" lIns="0" tIns="0" rIns="0" bIns="0" numCol="1" spcCol="1270" anchor="ctr" anchorCtr="0">
+          <a:noAutofit/>
+        </a:bodyPr>
+        <a:lstStyle/>
+        <a:p>
+          <a:pPr marL="0" lvl="0" indent="0" algn="ctr" defTabSz="444500">
+            <a:lnSpc>
+              <a:spcPct val="90000"/>
+            </a:lnSpc>
+            <a:spcBef>
+              <a:spcPct val="0"/>
+            </a:spcBef>
+            <a:spcAft>
+              <a:spcPct val="35000"/>
+            </a:spcAft>
+            <a:buNone/>
+          </a:pPr>
+          <a:endParaRPr lang="pt-BR" sz="1000" kern="1200"/>
+        </a:p>
+      </dsp:txBody>
+      <dsp:txXfrm rot="10800000">
+        <a:off x="5760667" y="2184563"/>
+        <a:ext cx="215683" cy="216265"/>
+      </dsp:txXfrm>
+    </dsp:sp>
+    <dsp:sp modelId="{EF0ABADE-EA7E-412C-B137-016FD2DF1C33}">
+      <dsp:nvSpPr>
+        <dsp:cNvPr id="0" name=""/>
+        <dsp:cNvSpPr/>
+      </dsp:nvSpPr>
+      <dsp:spPr>
+        <a:xfrm>
+          <a:off x="4069499" y="1856678"/>
+          <a:ext cx="1453392" cy="872035"/>
+        </a:xfrm>
+        <a:prstGeom prst="roundRect">
+          <a:avLst>
+            <a:gd name="adj" fmla="val 10000"/>
+          </a:avLst>
+        </a:prstGeom>
+        <a:solidFill>
+          <a:schemeClr val="lt1">
+            <a:hueOff val="0"/>
+            <a:satOff val="0"/>
+            <a:lumOff val="0"/>
+            <a:alphaOff val="0"/>
+          </a:schemeClr>
+        </a:solidFill>
+        <a:ln w="12700" cap="flat" cmpd="sng" algn="ctr">
+          <a:solidFill>
+            <a:schemeClr val="dk1">
+              <a:shade val="80000"/>
+              <a:hueOff val="0"/>
+              <a:satOff val="0"/>
+              <a:lumOff val="0"/>
+              <a:alphaOff val="0"/>
+            </a:schemeClr>
+          </a:solidFill>
+          <a:prstDash val="solid"/>
+          <a:miter lim="800000"/>
+        </a:ln>
+        <a:effectLst/>
+      </dsp:spPr>
+      <dsp:style>
+        <a:lnRef idx="2">
+          <a:scrgbClr r="0" g="0" b="0"/>
+        </a:lnRef>
+        <a:fillRef idx="1">
+          <a:scrgbClr r="0" g="0" b="0"/>
+        </a:fillRef>
+        <a:effectRef idx="0">
+          <a:scrgbClr r="0" g="0" b="0"/>
+        </a:effectRef>
+        <a:fontRef idx="minor">
+          <a:schemeClr val="lt1"/>
+        </a:fontRef>
+      </dsp:style>
+      <dsp:txBody>
+        <a:bodyPr spcFirstLastPara="0" vert="horz" wrap="square" lIns="38100" tIns="38100" rIns="38100" bIns="38100" numCol="1" spcCol="1270" anchor="ctr" anchorCtr="0">
+          <a:noAutofit/>
+        </a:bodyPr>
+        <a:lstStyle/>
+        <a:p>
+          <a:pPr marL="0" lvl="0" indent="0" algn="ctr" defTabSz="444500">
+            <a:lnSpc>
+              <a:spcPct val="90000"/>
+            </a:lnSpc>
+            <a:spcBef>
+              <a:spcPct val="0"/>
+            </a:spcBef>
+            <a:spcAft>
+              <a:spcPct val="35000"/>
+            </a:spcAft>
+            <a:buNone/>
+          </a:pPr>
+          <a:r>
+            <a:rPr lang="pt-BR" sz="1000" kern="1200" dirty="0"/>
+            <a:t>Exibe a Imagem Original com a Cruz no Centro do Objeto Rastreado</a:t>
+          </a:r>
+        </a:p>
+      </dsp:txBody>
+      <dsp:txXfrm>
+        <a:off x="4095040" y="1882219"/>
+        <a:ext cx="1402310" cy="820953"/>
+      </dsp:txXfrm>
+    </dsp:sp>
+    <dsp:sp modelId="{E85CA101-3B65-477F-9653-4B34865588E1}">
+      <dsp:nvSpPr>
+        <dsp:cNvPr id="0" name=""/>
+        <dsp:cNvSpPr/>
+      </dsp:nvSpPr>
+      <dsp:spPr>
+        <a:xfrm rot="10800000">
+          <a:off x="3633481" y="2112475"/>
+          <a:ext cx="308119" cy="360441"/>
+        </a:xfrm>
+        <a:prstGeom prst="rightArrow">
+          <a:avLst>
+            <a:gd name="adj1" fmla="val 60000"/>
+            <a:gd name="adj2" fmla="val 50000"/>
+          </a:avLst>
+        </a:prstGeom>
+        <a:solidFill>
+          <a:schemeClr val="dk1">
+            <a:tint val="60000"/>
+            <a:hueOff val="0"/>
+            <a:satOff val="0"/>
+            <a:lumOff val="0"/>
+            <a:alphaOff val="0"/>
+          </a:schemeClr>
+        </a:solidFill>
+        <a:ln>
+          <a:noFill/>
+        </a:ln>
+        <a:effectLst/>
+      </dsp:spPr>
+      <dsp:style>
+        <a:lnRef idx="0">
+          <a:scrgbClr r="0" g="0" b="0"/>
+        </a:lnRef>
+        <a:fillRef idx="1">
+          <a:scrgbClr r="0" g="0" b="0"/>
+        </a:fillRef>
+        <a:effectRef idx="0">
+          <a:scrgbClr r="0" g="0" b="0"/>
+        </a:effectRef>
+        <a:fontRef idx="minor">
+          <a:schemeClr val="lt1"/>
+        </a:fontRef>
+      </dsp:style>
+      <dsp:txBody>
+        <a:bodyPr spcFirstLastPara="0" vert="horz" wrap="square" lIns="0" tIns="0" rIns="0" bIns="0" numCol="1" spcCol="1270" anchor="ctr" anchorCtr="0">
+          <a:noAutofit/>
+        </a:bodyPr>
+        <a:lstStyle/>
+        <a:p>
+          <a:pPr marL="0" lvl="0" indent="0" algn="ctr" defTabSz="444500">
+            <a:lnSpc>
+              <a:spcPct val="90000"/>
+            </a:lnSpc>
+            <a:spcBef>
+              <a:spcPct val="0"/>
+            </a:spcBef>
+            <a:spcAft>
+              <a:spcPct val="35000"/>
+            </a:spcAft>
+            <a:buNone/>
+          </a:pPr>
+          <a:endParaRPr lang="pt-BR" sz="1000" kern="1200"/>
+        </a:p>
+      </dsp:txBody>
+      <dsp:txXfrm rot="10800000">
+        <a:off x="3725917" y="2184563"/>
+        <a:ext cx="215683" cy="216265"/>
+      </dsp:txXfrm>
+    </dsp:sp>
+    <dsp:sp modelId="{DB005DD4-7D45-4B97-9C05-43F66158D394}">
+      <dsp:nvSpPr>
+        <dsp:cNvPr id="0" name=""/>
+        <dsp:cNvSpPr/>
+      </dsp:nvSpPr>
+      <dsp:spPr>
+        <a:xfrm>
+          <a:off x="2034749" y="1856678"/>
+          <a:ext cx="1453392" cy="872035"/>
+        </a:xfrm>
+        <a:prstGeom prst="roundRect">
+          <a:avLst>
+            <a:gd name="adj" fmla="val 10000"/>
+          </a:avLst>
+        </a:prstGeom>
+        <a:solidFill>
+          <a:schemeClr val="lt1">
+            <a:hueOff val="0"/>
+            <a:satOff val="0"/>
+            <a:lumOff val="0"/>
+            <a:alphaOff val="0"/>
+          </a:schemeClr>
+        </a:solidFill>
+        <a:ln w="12700" cap="flat" cmpd="sng" algn="ctr">
+          <a:solidFill>
+            <a:schemeClr val="dk1">
+              <a:shade val="80000"/>
+              <a:hueOff val="0"/>
+              <a:satOff val="0"/>
+              <a:lumOff val="0"/>
+              <a:alphaOff val="0"/>
+            </a:schemeClr>
+          </a:solidFill>
+          <a:prstDash val="solid"/>
+          <a:miter lim="800000"/>
+        </a:ln>
+        <a:effectLst/>
+      </dsp:spPr>
+      <dsp:style>
+        <a:lnRef idx="2">
+          <a:scrgbClr r="0" g="0" b="0"/>
+        </a:lnRef>
+        <a:fillRef idx="1">
+          <a:scrgbClr r="0" g="0" b="0"/>
+        </a:fillRef>
+        <a:effectRef idx="0">
+          <a:scrgbClr r="0" g="0" b="0"/>
+        </a:effectRef>
+        <a:fontRef idx="minor">
+          <a:schemeClr val="lt1"/>
+        </a:fontRef>
+      </dsp:style>
+      <dsp:txBody>
+        <a:bodyPr spcFirstLastPara="0" vert="horz" wrap="square" lIns="38100" tIns="38100" rIns="38100" bIns="38100" numCol="1" spcCol="1270" anchor="ctr" anchorCtr="0">
+          <a:noAutofit/>
+        </a:bodyPr>
+        <a:lstStyle/>
+        <a:p>
+          <a:pPr marL="0" lvl="0" indent="0" algn="ctr" defTabSz="444500">
+            <a:lnSpc>
+              <a:spcPct val="90000"/>
+            </a:lnSpc>
+            <a:spcBef>
+              <a:spcPct val="0"/>
+            </a:spcBef>
+            <a:spcAft>
+              <a:spcPct val="35000"/>
+            </a:spcAft>
+            <a:buNone/>
+          </a:pPr>
+          <a:r>
+            <a:rPr lang="pt-BR" sz="1000" kern="1200" dirty="0"/>
+            <a:t>Envia as informações de Posição e Raio do Circulo para o Controlador</a:t>
+          </a:r>
+        </a:p>
+      </dsp:txBody>
+      <dsp:txXfrm>
+        <a:off x="2060290" y="1882219"/>
+        <a:ext cx="1402310" cy="820953"/>
+      </dsp:txXfrm>
+    </dsp:sp>
+  </dsp:spTree>
+</dsp:drawing>
+</file>
+
+<file path=ppt/diagrams/drawing4.xml><?xml version="1.0" encoding="utf-8"?>
+<dsp:drawing xmlns:dgm="http://schemas.openxmlformats.org/drawingml/2006/diagram" xmlns:dsp="http://schemas.microsoft.com/office/drawing/2008/diagram" xmlns:a="http://schemas.openxmlformats.org/drawingml/2006/main">
+  <dsp:spTree>
+    <dsp:nvGrpSpPr>
+      <dsp:cNvPr id="0" name=""/>
+      <dsp:cNvGrpSpPr/>
+    </dsp:nvGrpSpPr>
+    <dsp:grpSpPr/>
     <dsp:sp modelId="{AA83C976-9390-44F4-84AE-0317083322CB}">
       <dsp:nvSpPr>
         <dsp:cNvPr id="0" name=""/>
@@ -9164,7 +12245,7 @@
         <a:gradFill rotWithShape="0">
           <a:gsLst>
             <a:gs pos="0">
-              <a:schemeClr val="dk2">
+              <a:schemeClr val="accent1">
                 <a:hueOff val="0"/>
                 <a:satOff val="0"/>
                 <a:lumOff val="0"/>
@@ -9175,7 +12256,7 @@
               </a:schemeClr>
             </a:gs>
             <a:gs pos="50000">
-              <a:schemeClr val="dk2">
+              <a:schemeClr val="accent1">
                 <a:hueOff val="0"/>
                 <a:satOff val="0"/>
                 <a:lumOff val="0"/>
@@ -9186,7 +12267,7 @@
               </a:schemeClr>
             </a:gs>
             <a:gs pos="100000">
-              <a:schemeClr val="dk2">
+              <a:schemeClr val="accent1">
                 <a:hueOff val="0"/>
                 <a:satOff val="0"/>
                 <a:lumOff val="0"/>
@@ -9270,7 +12351,7 @@
         <a:gradFill rotWithShape="0">
           <a:gsLst>
             <a:gs pos="0">
-              <a:schemeClr val="dk2">
+              <a:schemeClr val="accent1">
                 <a:hueOff val="0"/>
                 <a:satOff val="0"/>
                 <a:lumOff val="0"/>
@@ -9281,7 +12362,7 @@
               </a:schemeClr>
             </a:gs>
             <a:gs pos="50000">
-              <a:schemeClr val="dk2">
+              <a:schemeClr val="accent1">
                 <a:hueOff val="0"/>
                 <a:satOff val="0"/>
                 <a:lumOff val="0"/>
@@ -9292,7 +12373,7 @@
               </a:schemeClr>
             </a:gs>
             <a:gs pos="100000">
-              <a:schemeClr val="dk2">
+              <a:schemeClr val="accent1">
                 <a:hueOff val="0"/>
                 <a:satOff val="0"/>
                 <a:lumOff val="0"/>
@@ -9376,7 +12457,7 @@
         <a:gradFill rotWithShape="0">
           <a:gsLst>
             <a:gs pos="0">
-              <a:schemeClr val="dk2">
+              <a:schemeClr val="accent1">
                 <a:hueOff val="0"/>
                 <a:satOff val="0"/>
                 <a:lumOff val="0"/>
@@ -9387,7 +12468,7 @@
               </a:schemeClr>
             </a:gs>
             <a:gs pos="50000">
-              <a:schemeClr val="dk2">
+              <a:schemeClr val="accent1">
                 <a:hueOff val="0"/>
                 <a:satOff val="0"/>
                 <a:lumOff val="0"/>
@@ -9398,7 +12479,7 @@
               </a:schemeClr>
             </a:gs>
             <a:gs pos="100000">
-              <a:schemeClr val="dk2">
+              <a:schemeClr val="accent1">
                 <a:hueOff val="0"/>
                 <a:satOff val="0"/>
                 <a:lumOff val="0"/>
@@ -9470,7 +12551,7 @@
 </dsp:drawing>
 </file>
 
-<file path=ppt/diagrams/drawing4.xml><?xml version="1.0" encoding="utf-8"?>
+<file path=ppt/diagrams/drawing5.xml><?xml version="1.0" encoding="utf-8"?>
 <dsp:drawing xmlns:dgm="http://schemas.openxmlformats.org/drawingml/2006/diagram" xmlns:dsp="http://schemas.microsoft.com/office/drawing/2008/diagram" xmlns:a="http://schemas.openxmlformats.org/drawingml/2006/main">
   <dsp:spTree>
     <dsp:nvGrpSpPr>
@@ -10527,6 +13608,177 @@
 </file>
 
 <file path=ppt/diagrams/layout3.xml><?xml version="1.0" encoding="utf-8"?>
+<dgm:layoutDef xmlns:dgm="http://schemas.openxmlformats.org/drawingml/2006/diagram" xmlns:a="http://schemas.openxmlformats.org/drawingml/2006/main" uniqueId="urn:microsoft.com/office/officeart/2005/8/layout/process5">
+  <dgm:title val=""/>
+  <dgm:desc val=""/>
+  <dgm:catLst>
+    <dgm:cat type="process" pri="17000"/>
+  </dgm:catLst>
+  <dgm:sampData>
+    <dgm:dataModel>
+      <dgm:ptLst>
+        <dgm:pt modelId="0" type="doc"/>
+        <dgm:pt modelId="1">
+          <dgm:prSet phldr="1"/>
+        </dgm:pt>
+        <dgm:pt modelId="2">
+          <dgm:prSet phldr="1"/>
+        </dgm:pt>
+        <dgm:pt modelId="3">
+          <dgm:prSet phldr="1"/>
+        </dgm:pt>
+        <dgm:pt modelId="4">
+          <dgm:prSet phldr="1"/>
+        </dgm:pt>
+        <dgm:pt modelId="5">
+          <dgm:prSet phldr="1"/>
+        </dgm:pt>
+      </dgm:ptLst>
+      <dgm:cxnLst>
+        <dgm:cxn modelId="7" srcId="0" destId="1" srcOrd="0" destOrd="0"/>
+        <dgm:cxn modelId="8" srcId="0" destId="2" srcOrd="1" destOrd="0"/>
+        <dgm:cxn modelId="9" srcId="0" destId="3" srcOrd="2" destOrd="0"/>
+        <dgm:cxn modelId="10" srcId="0" destId="4" srcOrd="3" destOrd="0"/>
+        <dgm:cxn modelId="11" srcId="0" destId="5" srcOrd="4" destOrd="0"/>
+      </dgm:cxnLst>
+      <dgm:bg/>
+      <dgm:whole/>
+    </dgm:dataModel>
+  </dgm:sampData>
+  <dgm:styleData>
+    <dgm:dataModel>
+      <dgm:ptLst>
+        <dgm:pt modelId="0" type="doc"/>
+        <dgm:pt modelId="1"/>
+        <dgm:pt modelId="2"/>
+      </dgm:ptLst>
+      <dgm:cxnLst>
+        <dgm:cxn modelId="3" srcId="0" destId="1" srcOrd="0" destOrd="0"/>
+        <dgm:cxn modelId="4" srcId="0" destId="2" srcOrd="1" destOrd="0"/>
+      </dgm:cxnLst>
+      <dgm:bg/>
+      <dgm:whole/>
+    </dgm:dataModel>
+  </dgm:styleData>
+  <dgm:clrData>
+    <dgm:dataModel>
+      <dgm:ptLst>
+        <dgm:pt modelId="0" type="doc"/>
+        <dgm:pt modelId="1"/>
+        <dgm:pt modelId="2"/>
+        <dgm:pt modelId="3"/>
+        <dgm:pt modelId="4"/>
+      </dgm:ptLst>
+      <dgm:cxnLst>
+        <dgm:cxn modelId="5" srcId="0" destId="1" srcOrd="0" destOrd="0"/>
+        <dgm:cxn modelId="6" srcId="0" destId="2" srcOrd="1" destOrd="0"/>
+        <dgm:cxn modelId="7" srcId="0" destId="3" srcOrd="2" destOrd="0"/>
+        <dgm:cxn modelId="8" srcId="0" destId="4" srcOrd="3" destOrd="0"/>
+      </dgm:cxnLst>
+      <dgm:bg/>
+      <dgm:whole/>
+    </dgm:dataModel>
+  </dgm:clrData>
+  <dgm:layoutNode name="diagram">
+    <dgm:varLst>
+      <dgm:dir/>
+      <dgm:resizeHandles val="exact"/>
+    </dgm:varLst>
+    <dgm:choose name="Name0">
+      <dgm:if name="Name1" axis="self" func="var" arg="dir" op="equ" val="norm">
+        <dgm:alg type="snake">
+          <dgm:param type="grDir" val="tL"/>
+          <dgm:param type="flowDir" val="row"/>
+          <dgm:param type="contDir" val="revDir"/>
+          <dgm:param type="bkpt" val="endCnv"/>
+        </dgm:alg>
+      </dgm:if>
+      <dgm:else name="Name2">
+        <dgm:alg type="snake">
+          <dgm:param type="grDir" val="tR"/>
+          <dgm:param type="flowDir" val="row"/>
+          <dgm:param type="contDir" val="revDir"/>
+          <dgm:param type="bkpt" val="endCnv"/>
+        </dgm:alg>
+      </dgm:else>
+    </dgm:choose>
+    <dgm:shape xmlns:r="http://schemas.openxmlformats.org/officeDocument/2006/relationships" r:blip="">
+      <dgm:adjLst/>
+    </dgm:shape>
+    <dgm:presOf/>
+    <dgm:constrLst>
+      <dgm:constr type="w" for="ch" ptType="node" refType="w"/>
+      <dgm:constr type="w" for="ch" forName="sibTrans" refType="w" refFor="ch" refPtType="node" op="equ" fact="0.4"/>
+      <dgm:constr type="sp" refType="w" refFor="ch" refForName="sibTrans" op="equ"/>
+      <dgm:constr type="primFontSz" for="ch" ptType="node" op="equ" val="65"/>
+      <dgm:constr type="primFontSz" for="des" forName="connectorText" op="equ" val="55"/>
+      <dgm:constr type="primFontSz" for="des" forName="connectorText" refType="primFontSz" refFor="ch" refPtType="node" op="lte" fact="0.8"/>
+    </dgm:constrLst>
+    <dgm:ruleLst/>
+    <dgm:forEach name="nodesForEach" axis="ch" ptType="node">
+      <dgm:layoutNode name="node">
+        <dgm:varLst>
+          <dgm:bulletEnabled val="1"/>
+        </dgm:varLst>
+        <dgm:alg type="tx"/>
+        <dgm:shape xmlns:r="http://schemas.openxmlformats.org/officeDocument/2006/relationships" type="roundRect" r:blip="">
+          <dgm:adjLst>
+            <dgm:adj idx="1" val="0.1"/>
+          </dgm:adjLst>
+        </dgm:shape>
+        <dgm:presOf axis="desOrSelf" ptType="node"/>
+        <dgm:constrLst>
+          <dgm:constr type="h" refType="w" fact="0.6"/>
+          <dgm:constr type="tMarg" refType="primFontSz" fact="0.3"/>
+          <dgm:constr type="bMarg" refType="primFontSz" fact="0.3"/>
+          <dgm:constr type="lMarg" refType="primFontSz" fact="0.3"/>
+          <dgm:constr type="rMarg" refType="primFontSz" fact="0.3"/>
+        </dgm:constrLst>
+        <dgm:ruleLst>
+          <dgm:rule type="primFontSz" val="5" fact="NaN" max="NaN"/>
+        </dgm:ruleLst>
+      </dgm:layoutNode>
+      <dgm:forEach name="sibTransForEach" axis="followSib" ptType="sibTrans" cnt="1">
+        <dgm:layoutNode name="sibTrans">
+          <dgm:alg type="conn">
+            <dgm:param type="begPts" val="auto"/>
+            <dgm:param type="endPts" val="auto"/>
+          </dgm:alg>
+          <dgm:shape xmlns:r="http://schemas.openxmlformats.org/officeDocument/2006/relationships" type="conn" r:blip="">
+            <dgm:adjLst/>
+          </dgm:shape>
+          <dgm:presOf axis="self"/>
+          <dgm:constrLst>
+            <dgm:constr type="h" refType="w" fact="0.62"/>
+            <dgm:constr type="connDist"/>
+          </dgm:constrLst>
+          <dgm:ruleLst/>
+          <dgm:layoutNode name="connectorText">
+            <dgm:alg type="tx">
+              <dgm:param type="autoTxRot" val="upr"/>
+            </dgm:alg>
+            <dgm:shape xmlns:r="http://schemas.openxmlformats.org/officeDocument/2006/relationships" type="conn" r:blip="" hideGeom="1">
+              <dgm:adjLst/>
+            </dgm:shape>
+            <dgm:presOf axis="self"/>
+            <dgm:constrLst>
+              <dgm:constr type="lMarg"/>
+              <dgm:constr type="rMarg"/>
+              <dgm:constr type="tMarg"/>
+              <dgm:constr type="bMarg"/>
+            </dgm:constrLst>
+            <dgm:ruleLst>
+              <dgm:rule type="primFontSz" val="5" fact="NaN" max="NaN"/>
+            </dgm:ruleLst>
+          </dgm:layoutNode>
+        </dgm:layoutNode>
+      </dgm:forEach>
+    </dgm:forEach>
+  </dgm:layoutNode>
+</dgm:layoutDef>
+</file>
+
+<file path=ppt/diagrams/layout4.xml><?xml version="1.0" encoding="utf-8"?>
 <dgm:layoutDef xmlns:dgm="http://schemas.openxmlformats.org/drawingml/2006/diagram" xmlns:a="http://schemas.openxmlformats.org/drawingml/2006/main" uniqueId="urn:microsoft.com/office/officeart/2005/8/layout/chevron1">
   <dgm:title val=""/>
   <dgm:desc val=""/>
@@ -10809,7 +14061,7 @@
 </dgm:layoutDef>
 </file>
 
-<file path=ppt/diagrams/layout4.xml><?xml version="1.0" encoding="utf-8"?>
+<file path=ppt/diagrams/layout5.xml><?xml version="1.0" encoding="utf-8"?>
 <dgm:layoutDef xmlns:dgm="http://schemas.openxmlformats.org/drawingml/2006/diagram" xmlns:a="http://schemas.openxmlformats.org/drawingml/2006/main" uniqueId="urn:microsoft.com/office/officeart/2005/8/layout/vProcess5">
   <dgm:title val=""/>
   <dgm:desc val=""/>
@@ -14104,6 +17356,1040 @@
 </file>
 
 <file path=ppt/diagrams/quickStyle3.xml><?xml version="1.0" encoding="utf-8"?>
+<dgm:styleDef xmlns:dgm="http://schemas.openxmlformats.org/drawingml/2006/diagram" xmlns:a="http://schemas.openxmlformats.org/drawingml/2006/main" uniqueId="urn:microsoft.com/office/officeart/2005/8/quickstyle/simple1">
+  <dgm:title val=""/>
+  <dgm:desc val=""/>
+  <dgm:catLst>
+    <dgm:cat type="simple" pri="10100"/>
+  </dgm:catLst>
+  <dgm:scene3d>
+    <a:camera prst="orthographicFront"/>
+    <a:lightRig rig="threePt" dir="t"/>
+  </dgm:scene3d>
+  <dgm:styleLbl name="node0">
+    <dgm:scene3d>
+      <a:camera prst="orthographicFront"/>
+      <a:lightRig rig="threePt" dir="t"/>
+    </dgm:scene3d>
+    <dgm:sp3d/>
+    <dgm:txPr/>
+    <dgm:style>
+      <a:lnRef idx="2">
+        <a:scrgbClr r="0" g="0" b="0"/>
+      </a:lnRef>
+      <a:fillRef idx="1">
+        <a:scrgbClr r="0" g="0" b="0"/>
+      </a:fillRef>
+      <a:effectRef idx="0">
+        <a:scrgbClr r="0" g="0" b="0"/>
+      </a:effectRef>
+      <a:fontRef idx="minor">
+        <a:schemeClr val="lt1"/>
+      </a:fontRef>
+    </dgm:style>
+  </dgm:styleLbl>
+  <dgm:styleLbl name="lnNode1">
+    <dgm:scene3d>
+      <a:camera prst="orthographicFront"/>
+      <a:lightRig rig="threePt" dir="t"/>
+    </dgm:scene3d>
+    <dgm:sp3d/>
+    <dgm:txPr/>
+    <dgm:style>
+      <a:lnRef idx="2">
+        <a:scrgbClr r="0" g="0" b="0"/>
+      </a:lnRef>
+      <a:fillRef idx="1">
+        <a:scrgbClr r="0" g="0" b="0"/>
+      </a:fillRef>
+      <a:effectRef idx="0">
+        <a:scrgbClr r="0" g="0" b="0"/>
+      </a:effectRef>
+      <a:fontRef idx="minor">
+        <a:schemeClr val="lt1"/>
+      </a:fontRef>
+    </dgm:style>
+  </dgm:styleLbl>
+  <dgm:styleLbl name="vennNode1">
+    <dgm:scene3d>
+      <a:camera prst="orthographicFront"/>
+      <a:lightRig rig="threePt" dir="t"/>
+    </dgm:scene3d>
+    <dgm:sp3d/>
+    <dgm:txPr/>
+    <dgm:style>
+      <a:lnRef idx="2">
+        <a:scrgbClr r="0" g="0" b="0"/>
+      </a:lnRef>
+      <a:fillRef idx="1">
+        <a:scrgbClr r="0" g="0" b="0"/>
+      </a:fillRef>
+      <a:effectRef idx="0">
+        <a:scrgbClr r="0" g="0" b="0"/>
+      </a:effectRef>
+      <a:fontRef idx="minor">
+        <a:schemeClr val="tx1"/>
+      </a:fontRef>
+    </dgm:style>
+  </dgm:styleLbl>
+  <dgm:styleLbl name="alignNode1">
+    <dgm:scene3d>
+      <a:camera prst="orthographicFront"/>
+      <a:lightRig rig="threePt" dir="t"/>
+    </dgm:scene3d>
+    <dgm:sp3d/>
+    <dgm:txPr/>
+    <dgm:style>
+      <a:lnRef idx="2">
+        <a:scrgbClr r="0" g="0" b="0"/>
+      </a:lnRef>
+      <a:fillRef idx="1">
+        <a:scrgbClr r="0" g="0" b="0"/>
+      </a:fillRef>
+      <a:effectRef idx="0">
+        <a:scrgbClr r="0" g="0" b="0"/>
+      </a:effectRef>
+      <a:fontRef idx="minor">
+        <a:schemeClr val="lt1"/>
+      </a:fontRef>
+    </dgm:style>
+  </dgm:styleLbl>
+  <dgm:styleLbl name="node1">
+    <dgm:scene3d>
+      <a:camera prst="orthographicFront"/>
+      <a:lightRig rig="threePt" dir="t"/>
+    </dgm:scene3d>
+    <dgm:sp3d/>
+    <dgm:txPr/>
+    <dgm:style>
+      <a:lnRef idx="2">
+        <a:scrgbClr r="0" g="0" b="0"/>
+      </a:lnRef>
+      <a:fillRef idx="1">
+        <a:scrgbClr r="0" g="0" b="0"/>
+      </a:fillRef>
+      <a:effectRef idx="0">
+        <a:scrgbClr r="0" g="0" b="0"/>
+      </a:effectRef>
+      <a:fontRef idx="minor">
+        <a:schemeClr val="lt1"/>
+      </a:fontRef>
+    </dgm:style>
+  </dgm:styleLbl>
+  <dgm:styleLbl name="node2">
+    <dgm:scene3d>
+      <a:camera prst="orthographicFront"/>
+      <a:lightRig rig="threePt" dir="t"/>
+    </dgm:scene3d>
+    <dgm:sp3d/>
+    <dgm:txPr/>
+    <dgm:style>
+      <a:lnRef idx="2">
+        <a:scrgbClr r="0" g="0" b="0"/>
+      </a:lnRef>
+      <a:fillRef idx="1">
+        <a:scrgbClr r="0" g="0" b="0"/>
+      </a:fillRef>
+      <a:effectRef idx="0">
+        <a:scrgbClr r="0" g="0" b="0"/>
+      </a:effectRef>
+      <a:fontRef idx="minor">
+        <a:schemeClr val="lt1"/>
+      </a:fontRef>
+    </dgm:style>
+  </dgm:styleLbl>
+  <dgm:styleLbl name="node3">
+    <dgm:scene3d>
+      <a:camera prst="orthographicFront"/>
+      <a:lightRig rig="threePt" dir="t"/>
+    </dgm:scene3d>
+    <dgm:sp3d/>
+    <dgm:txPr/>
+    <dgm:style>
+      <a:lnRef idx="2">
+        <a:scrgbClr r="0" g="0" b="0"/>
+      </a:lnRef>
+      <a:fillRef idx="1">
+        <a:scrgbClr r="0" g="0" b="0"/>
+      </a:fillRef>
+      <a:effectRef idx="0">
+        <a:scrgbClr r="0" g="0" b="0"/>
+      </a:effectRef>
+      <a:fontRef idx="minor">
+        <a:schemeClr val="lt1"/>
+      </a:fontRef>
+    </dgm:style>
+  </dgm:styleLbl>
+  <dgm:styleLbl name="node4">
+    <dgm:scene3d>
+      <a:camera prst="orthographicFront"/>
+      <a:lightRig rig="threePt" dir="t"/>
+    </dgm:scene3d>
+    <dgm:sp3d/>
+    <dgm:txPr/>
+    <dgm:style>
+      <a:lnRef idx="2">
+        <a:scrgbClr r="0" g="0" b="0"/>
+      </a:lnRef>
+      <a:fillRef idx="1">
+        <a:scrgbClr r="0" g="0" b="0"/>
+      </a:fillRef>
+      <a:effectRef idx="0">
+        <a:scrgbClr r="0" g="0" b="0"/>
+      </a:effectRef>
+      <a:fontRef idx="minor">
+        <a:schemeClr val="lt1"/>
+      </a:fontRef>
+    </dgm:style>
+  </dgm:styleLbl>
+  <dgm:styleLbl name="fgImgPlace1">
+    <dgm:scene3d>
+      <a:camera prst="orthographicFront"/>
+      <a:lightRig rig="threePt" dir="t"/>
+    </dgm:scene3d>
+    <dgm:sp3d/>
+    <dgm:txPr/>
+    <dgm:style>
+      <a:lnRef idx="2">
+        <a:scrgbClr r="0" g="0" b="0"/>
+      </a:lnRef>
+      <a:fillRef idx="1">
+        <a:scrgbClr r="0" g="0" b="0"/>
+      </a:fillRef>
+      <a:effectRef idx="0">
+        <a:scrgbClr r="0" g="0" b="0"/>
+      </a:effectRef>
+      <a:fontRef idx="minor"/>
+    </dgm:style>
+  </dgm:styleLbl>
+  <dgm:styleLbl name="alignImgPlace1">
+    <dgm:scene3d>
+      <a:camera prst="orthographicFront"/>
+      <a:lightRig rig="threePt" dir="t"/>
+    </dgm:scene3d>
+    <dgm:sp3d/>
+    <dgm:txPr/>
+    <dgm:style>
+      <a:lnRef idx="2">
+        <a:scrgbClr r="0" g="0" b="0"/>
+      </a:lnRef>
+      <a:fillRef idx="1">
+        <a:scrgbClr r="0" g="0" b="0"/>
+      </a:fillRef>
+      <a:effectRef idx="0">
+        <a:scrgbClr r="0" g="0" b="0"/>
+      </a:effectRef>
+      <a:fontRef idx="minor"/>
+    </dgm:style>
+  </dgm:styleLbl>
+  <dgm:styleLbl name="bgImgPlace1">
+    <dgm:scene3d>
+      <a:camera prst="orthographicFront"/>
+      <a:lightRig rig="threePt" dir="t"/>
+    </dgm:scene3d>
+    <dgm:sp3d/>
+    <dgm:txPr/>
+    <dgm:style>
+      <a:lnRef idx="2">
+        <a:scrgbClr r="0" g="0" b="0"/>
+      </a:lnRef>
+      <a:fillRef idx="1">
+        <a:scrgbClr r="0" g="0" b="0"/>
+      </a:fillRef>
+      <a:effectRef idx="0">
+        <a:scrgbClr r="0" g="0" b="0"/>
+      </a:effectRef>
+      <a:fontRef idx="minor"/>
+    </dgm:style>
+  </dgm:styleLbl>
+  <dgm:styleLbl name="sibTrans2D1">
+    <dgm:scene3d>
+      <a:camera prst="orthographicFront"/>
+      <a:lightRig rig="threePt" dir="t"/>
+    </dgm:scene3d>
+    <dgm:sp3d/>
+    <dgm:txPr/>
+    <dgm:style>
+      <a:lnRef idx="0">
+        <a:scrgbClr r="0" g="0" b="0"/>
+      </a:lnRef>
+      <a:fillRef idx="1">
+        <a:scrgbClr r="0" g="0" b="0"/>
+      </a:fillRef>
+      <a:effectRef idx="0">
+        <a:scrgbClr r="0" g="0" b="0"/>
+      </a:effectRef>
+      <a:fontRef idx="minor">
+        <a:schemeClr val="lt1"/>
+      </a:fontRef>
+    </dgm:style>
+  </dgm:styleLbl>
+  <dgm:styleLbl name="fgSibTrans2D1">
+    <dgm:scene3d>
+      <a:camera prst="orthographicFront"/>
+      <a:lightRig rig="threePt" dir="t"/>
+    </dgm:scene3d>
+    <dgm:sp3d/>
+    <dgm:txPr/>
+    <dgm:style>
+      <a:lnRef idx="0">
+        <a:scrgbClr r="0" g="0" b="0"/>
+      </a:lnRef>
+      <a:fillRef idx="1">
+        <a:scrgbClr r="0" g="0" b="0"/>
+      </a:fillRef>
+      <a:effectRef idx="0">
+        <a:scrgbClr r="0" g="0" b="0"/>
+      </a:effectRef>
+      <a:fontRef idx="minor">
+        <a:schemeClr val="lt1"/>
+      </a:fontRef>
+    </dgm:style>
+  </dgm:styleLbl>
+  <dgm:styleLbl name="bgSibTrans2D1">
+    <dgm:scene3d>
+      <a:camera prst="orthographicFront"/>
+      <a:lightRig rig="threePt" dir="t"/>
+    </dgm:scene3d>
+    <dgm:sp3d/>
+    <dgm:txPr/>
+    <dgm:style>
+      <a:lnRef idx="0">
+        <a:scrgbClr r="0" g="0" b="0"/>
+      </a:lnRef>
+      <a:fillRef idx="1">
+        <a:scrgbClr r="0" g="0" b="0"/>
+      </a:fillRef>
+      <a:effectRef idx="0">
+        <a:scrgbClr r="0" g="0" b="0"/>
+      </a:effectRef>
+      <a:fontRef idx="minor">
+        <a:schemeClr val="lt1"/>
+      </a:fontRef>
+    </dgm:style>
+  </dgm:styleLbl>
+  <dgm:styleLbl name="sibTrans1D1">
+    <dgm:scene3d>
+      <a:camera prst="orthographicFront"/>
+      <a:lightRig rig="threePt" dir="t"/>
+    </dgm:scene3d>
+    <dgm:sp3d/>
+    <dgm:txPr/>
+    <dgm:style>
+      <a:lnRef idx="1">
+        <a:scrgbClr r="0" g="0" b="0"/>
+      </a:lnRef>
+      <a:fillRef idx="0">
+        <a:scrgbClr r="0" g="0" b="0"/>
+      </a:fillRef>
+      <a:effectRef idx="0">
+        <a:scrgbClr r="0" g="0" b="0"/>
+      </a:effectRef>
+      <a:fontRef idx="minor"/>
+    </dgm:style>
+  </dgm:styleLbl>
+  <dgm:styleLbl name="callout">
+    <dgm:scene3d>
+      <a:camera prst="orthographicFront"/>
+      <a:lightRig rig="threePt" dir="t"/>
+    </dgm:scene3d>
+    <dgm:sp3d/>
+    <dgm:txPr/>
+    <dgm:style>
+      <a:lnRef idx="2">
+        <a:scrgbClr r="0" g="0" b="0"/>
+      </a:lnRef>
+      <a:fillRef idx="1">
+        <a:scrgbClr r="0" g="0" b="0"/>
+      </a:fillRef>
+      <a:effectRef idx="0">
+        <a:scrgbClr r="0" g="0" b="0"/>
+      </a:effectRef>
+      <a:fontRef idx="minor"/>
+    </dgm:style>
+  </dgm:styleLbl>
+  <dgm:styleLbl name="asst0">
+    <dgm:scene3d>
+      <a:camera prst="orthographicFront"/>
+      <a:lightRig rig="threePt" dir="t"/>
+    </dgm:scene3d>
+    <dgm:sp3d/>
+    <dgm:txPr/>
+    <dgm:style>
+      <a:lnRef idx="2">
+        <a:scrgbClr r="0" g="0" b="0"/>
+      </a:lnRef>
+      <a:fillRef idx="1">
+        <a:scrgbClr r="0" g="0" b="0"/>
+      </a:fillRef>
+      <a:effectRef idx="0">
+        <a:scrgbClr r="0" g="0" b="0"/>
+      </a:effectRef>
+      <a:fontRef idx="minor">
+        <a:schemeClr val="lt1"/>
+      </a:fontRef>
+    </dgm:style>
+  </dgm:styleLbl>
+  <dgm:styleLbl name="asst1">
+    <dgm:scene3d>
+      <a:camera prst="orthographicFront"/>
+      <a:lightRig rig="threePt" dir="t"/>
+    </dgm:scene3d>
+    <dgm:sp3d/>
+    <dgm:txPr/>
+    <dgm:style>
+      <a:lnRef idx="2">
+        <a:scrgbClr r="0" g="0" b="0"/>
+      </a:lnRef>
+      <a:fillRef idx="1">
+        <a:scrgbClr r="0" g="0" b="0"/>
+      </a:fillRef>
+      <a:effectRef idx="0">
+        <a:scrgbClr r="0" g="0" b="0"/>
+      </a:effectRef>
+      <a:fontRef idx="minor">
+        <a:schemeClr val="lt1"/>
+      </a:fontRef>
+    </dgm:style>
+  </dgm:styleLbl>
+  <dgm:styleLbl name="asst2">
+    <dgm:scene3d>
+      <a:camera prst="orthographicFront"/>
+      <a:lightRig rig="threePt" dir="t"/>
+    </dgm:scene3d>
+    <dgm:sp3d/>
+    <dgm:txPr/>
+    <dgm:style>
+      <a:lnRef idx="2">
+        <a:scrgbClr r="0" g="0" b="0"/>
+      </a:lnRef>
+      <a:fillRef idx="1">
+        <a:scrgbClr r="0" g="0" b="0"/>
+      </a:fillRef>
+      <a:effectRef idx="0">
+        <a:scrgbClr r="0" g="0" b="0"/>
+      </a:effectRef>
+      <a:fontRef idx="minor">
+        <a:schemeClr val="lt1"/>
+      </a:fontRef>
+    </dgm:style>
+  </dgm:styleLbl>
+  <dgm:styleLbl name="asst3">
+    <dgm:scene3d>
+      <a:camera prst="orthographicFront"/>
+      <a:lightRig rig="threePt" dir="t"/>
+    </dgm:scene3d>
+    <dgm:sp3d/>
+    <dgm:txPr/>
+    <dgm:style>
+      <a:lnRef idx="2">
+        <a:scrgbClr r="0" g="0" b="0"/>
+      </a:lnRef>
+      <a:fillRef idx="1">
+        <a:scrgbClr r="0" g="0" b="0"/>
+      </a:fillRef>
+      <a:effectRef idx="0">
+        <a:scrgbClr r="0" g="0" b="0"/>
+      </a:effectRef>
+      <a:fontRef idx="minor">
+        <a:schemeClr val="lt1"/>
+      </a:fontRef>
+    </dgm:style>
+  </dgm:styleLbl>
+  <dgm:styleLbl name="asst4">
+    <dgm:scene3d>
+      <a:camera prst="orthographicFront"/>
+      <a:lightRig rig="threePt" dir="t"/>
+    </dgm:scene3d>
+    <dgm:sp3d/>
+    <dgm:txPr/>
+    <dgm:style>
+      <a:lnRef idx="2">
+        <a:scrgbClr r="0" g="0" b="0"/>
+      </a:lnRef>
+      <a:fillRef idx="1">
+        <a:scrgbClr r="0" g="0" b="0"/>
+      </a:fillRef>
+      <a:effectRef idx="0">
+        <a:scrgbClr r="0" g="0" b="0"/>
+      </a:effectRef>
+      <a:fontRef idx="minor">
+        <a:schemeClr val="lt1"/>
+      </a:fontRef>
+    </dgm:style>
+  </dgm:styleLbl>
+  <dgm:styleLbl name="parChTrans2D1">
+    <dgm:scene3d>
+      <a:camera prst="orthographicFront"/>
+      <a:lightRig rig="threePt" dir="t"/>
+    </dgm:scene3d>
+    <dgm:sp3d/>
+    <dgm:txPr/>
+    <dgm:style>
+      <a:lnRef idx="2">
+        <a:scrgbClr r="0" g="0" b="0"/>
+      </a:lnRef>
+      <a:fillRef idx="1">
+        <a:scrgbClr r="0" g="0" b="0"/>
+      </a:fillRef>
+      <a:effectRef idx="0">
+        <a:scrgbClr r="0" g="0" b="0"/>
+      </a:effectRef>
+      <a:fontRef idx="minor">
+        <a:schemeClr val="lt1"/>
+      </a:fontRef>
+    </dgm:style>
+  </dgm:styleLbl>
+  <dgm:styleLbl name="parChTrans2D2">
+    <dgm:scene3d>
+      <a:camera prst="orthographicFront"/>
+      <a:lightRig rig="threePt" dir="t"/>
+    </dgm:scene3d>
+    <dgm:sp3d/>
+    <dgm:txPr/>
+    <dgm:style>
+      <a:lnRef idx="2">
+        <a:scrgbClr r="0" g="0" b="0"/>
+      </a:lnRef>
+      <a:fillRef idx="1">
+        <a:scrgbClr r="0" g="0" b="0"/>
+      </a:fillRef>
+      <a:effectRef idx="0">
+        <a:scrgbClr r="0" g="0" b="0"/>
+      </a:effectRef>
+      <a:fontRef idx="minor">
+        <a:schemeClr val="lt1"/>
+      </a:fontRef>
+    </dgm:style>
+  </dgm:styleLbl>
+  <dgm:styleLbl name="parChTrans2D3">
+    <dgm:scene3d>
+      <a:camera prst="orthographicFront"/>
+      <a:lightRig rig="threePt" dir="t"/>
+    </dgm:scene3d>
+    <dgm:sp3d/>
+    <dgm:txPr/>
+    <dgm:style>
+      <a:lnRef idx="2">
+        <a:scrgbClr r="0" g="0" b="0"/>
+      </a:lnRef>
+      <a:fillRef idx="1">
+        <a:scrgbClr r="0" g="0" b="0"/>
+      </a:fillRef>
+      <a:effectRef idx="0">
+        <a:scrgbClr r="0" g="0" b="0"/>
+      </a:effectRef>
+      <a:fontRef idx="minor">
+        <a:schemeClr val="lt1"/>
+      </a:fontRef>
+    </dgm:style>
+  </dgm:styleLbl>
+  <dgm:styleLbl name="parChTrans2D4">
+    <dgm:scene3d>
+      <a:camera prst="orthographicFront"/>
+      <a:lightRig rig="threePt" dir="t"/>
+    </dgm:scene3d>
+    <dgm:sp3d/>
+    <dgm:txPr/>
+    <dgm:style>
+      <a:lnRef idx="2">
+        <a:scrgbClr r="0" g="0" b="0"/>
+      </a:lnRef>
+      <a:fillRef idx="1">
+        <a:scrgbClr r="0" g="0" b="0"/>
+      </a:fillRef>
+      <a:effectRef idx="0">
+        <a:scrgbClr r="0" g="0" b="0"/>
+      </a:effectRef>
+      <a:fontRef idx="minor">
+        <a:schemeClr val="lt1"/>
+      </a:fontRef>
+    </dgm:style>
+  </dgm:styleLbl>
+  <dgm:styleLbl name="parChTrans1D1">
+    <dgm:scene3d>
+      <a:camera prst="orthographicFront"/>
+      <a:lightRig rig="threePt" dir="t"/>
+    </dgm:scene3d>
+    <dgm:sp3d/>
+    <dgm:txPr/>
+    <dgm:style>
+      <a:lnRef idx="2">
+        <a:scrgbClr r="0" g="0" b="0"/>
+      </a:lnRef>
+      <a:fillRef idx="0">
+        <a:scrgbClr r="0" g="0" b="0"/>
+      </a:fillRef>
+      <a:effectRef idx="0">
+        <a:scrgbClr r="0" g="0" b="0"/>
+      </a:effectRef>
+      <a:fontRef idx="minor"/>
+    </dgm:style>
+  </dgm:styleLbl>
+  <dgm:styleLbl name="parChTrans1D2">
+    <dgm:scene3d>
+      <a:camera prst="orthographicFront"/>
+      <a:lightRig rig="threePt" dir="t"/>
+    </dgm:scene3d>
+    <dgm:sp3d/>
+    <dgm:txPr/>
+    <dgm:style>
+      <a:lnRef idx="2">
+        <a:scrgbClr r="0" g="0" b="0"/>
+      </a:lnRef>
+      <a:fillRef idx="0">
+        <a:scrgbClr r="0" g="0" b="0"/>
+      </a:fillRef>
+      <a:effectRef idx="0">
+        <a:scrgbClr r="0" g="0" b="0"/>
+      </a:effectRef>
+      <a:fontRef idx="minor"/>
+    </dgm:style>
+  </dgm:styleLbl>
+  <dgm:styleLbl name="parChTrans1D3">
+    <dgm:scene3d>
+      <a:camera prst="orthographicFront"/>
+      <a:lightRig rig="threePt" dir="t"/>
+    </dgm:scene3d>
+    <dgm:sp3d/>
+    <dgm:txPr/>
+    <dgm:style>
+      <a:lnRef idx="2">
+        <a:scrgbClr r="0" g="0" b="0"/>
+      </a:lnRef>
+      <a:fillRef idx="0">
+        <a:scrgbClr r="0" g="0" b="0"/>
+      </a:fillRef>
+      <a:effectRef idx="0">
+        <a:scrgbClr r="0" g="0" b="0"/>
+      </a:effectRef>
+      <a:fontRef idx="minor"/>
+    </dgm:style>
+  </dgm:styleLbl>
+  <dgm:styleLbl name="parChTrans1D4">
+    <dgm:scene3d>
+      <a:camera prst="orthographicFront"/>
+      <a:lightRig rig="threePt" dir="t"/>
+    </dgm:scene3d>
+    <dgm:sp3d/>
+    <dgm:txPr/>
+    <dgm:style>
+      <a:lnRef idx="2">
+        <a:scrgbClr r="0" g="0" b="0"/>
+      </a:lnRef>
+      <a:fillRef idx="0">
+        <a:scrgbClr r="0" g="0" b="0"/>
+      </a:fillRef>
+      <a:effectRef idx="0">
+        <a:scrgbClr r="0" g="0" b="0"/>
+      </a:effectRef>
+      <a:fontRef idx="minor"/>
+    </dgm:style>
+  </dgm:styleLbl>
+  <dgm:styleLbl name="fgAcc1">
+    <dgm:scene3d>
+      <a:camera prst="orthographicFront"/>
+      <a:lightRig rig="threePt" dir="t"/>
+    </dgm:scene3d>
+    <dgm:sp3d/>
+    <dgm:txPr/>
+    <dgm:style>
+      <a:lnRef idx="2">
+        <a:scrgbClr r="0" g="0" b="0"/>
+      </a:lnRef>
+      <a:fillRef idx="1">
+        <a:scrgbClr r="0" g="0" b="0"/>
+      </a:fillRef>
+      <a:effectRef idx="0">
+        <a:scrgbClr r="0" g="0" b="0"/>
+      </a:effectRef>
+      <a:fontRef idx="minor"/>
+    </dgm:style>
+  </dgm:styleLbl>
+  <dgm:styleLbl name="conFgAcc1">
+    <dgm:scene3d>
+      <a:camera prst="orthographicFront"/>
+      <a:lightRig rig="threePt" dir="t"/>
+    </dgm:scene3d>
+    <dgm:sp3d/>
+    <dgm:txPr/>
+    <dgm:style>
+      <a:lnRef idx="2">
+        <a:scrgbClr r="0" g="0" b="0"/>
+      </a:lnRef>
+      <a:fillRef idx="1">
+        <a:scrgbClr r="0" g="0" b="0"/>
+      </a:fillRef>
+      <a:effectRef idx="0">
+        <a:scrgbClr r="0" g="0" b="0"/>
+      </a:effectRef>
+      <a:fontRef idx="minor"/>
+    </dgm:style>
+  </dgm:styleLbl>
+  <dgm:styleLbl name="alignAcc1">
+    <dgm:scene3d>
+      <a:camera prst="orthographicFront"/>
+      <a:lightRig rig="threePt" dir="t"/>
+    </dgm:scene3d>
+    <dgm:sp3d/>
+    <dgm:txPr/>
+    <dgm:style>
+      <a:lnRef idx="2">
+        <a:scrgbClr r="0" g="0" b="0"/>
+      </a:lnRef>
+      <a:fillRef idx="1">
+        <a:scrgbClr r="0" g="0" b="0"/>
+      </a:fillRef>
+      <a:effectRef idx="0">
+        <a:scrgbClr r="0" g="0" b="0"/>
+      </a:effectRef>
+      <a:fontRef idx="minor"/>
+    </dgm:style>
+  </dgm:styleLbl>
+  <dgm:styleLbl name="trAlignAcc1">
+    <dgm:scene3d>
+      <a:camera prst="orthographicFront"/>
+      <a:lightRig rig="threePt" dir="t"/>
+    </dgm:scene3d>
+    <dgm:sp3d/>
+    <dgm:txPr/>
+    <dgm:style>
+      <a:lnRef idx="1">
+        <a:scrgbClr r="0" g="0" b="0"/>
+      </a:lnRef>
+      <a:fillRef idx="1">
+        <a:scrgbClr r="0" g="0" b="0"/>
+      </a:fillRef>
+      <a:effectRef idx="0">
+        <a:scrgbClr r="0" g="0" b="0"/>
+      </a:effectRef>
+      <a:fontRef idx="minor"/>
+    </dgm:style>
+  </dgm:styleLbl>
+  <dgm:styleLbl name="bgAcc1">
+    <dgm:scene3d>
+      <a:camera prst="orthographicFront"/>
+      <a:lightRig rig="threePt" dir="t"/>
+    </dgm:scene3d>
+    <dgm:sp3d/>
+    <dgm:txPr/>
+    <dgm:style>
+      <a:lnRef idx="2">
+        <a:scrgbClr r="0" g="0" b="0"/>
+      </a:lnRef>
+      <a:fillRef idx="1">
+        <a:scrgbClr r="0" g="0" b="0"/>
+      </a:fillRef>
+      <a:effectRef idx="0">
+        <a:scrgbClr r="0" g="0" b="0"/>
+      </a:effectRef>
+      <a:fontRef idx="minor"/>
+    </dgm:style>
+  </dgm:styleLbl>
+  <dgm:styleLbl name="solidFgAcc1">
+    <dgm:scene3d>
+      <a:camera prst="orthographicFront"/>
+      <a:lightRig rig="threePt" dir="t"/>
+    </dgm:scene3d>
+    <dgm:sp3d/>
+    <dgm:txPr/>
+    <dgm:style>
+      <a:lnRef idx="2">
+        <a:scrgbClr r="0" g="0" b="0"/>
+      </a:lnRef>
+      <a:fillRef idx="1">
+        <a:scrgbClr r="0" g="0" b="0"/>
+      </a:fillRef>
+      <a:effectRef idx="0">
+        <a:scrgbClr r="0" g="0" b="0"/>
+      </a:effectRef>
+      <a:fontRef idx="minor"/>
+    </dgm:style>
+  </dgm:styleLbl>
+  <dgm:styleLbl name="solidAlignAcc1">
+    <dgm:scene3d>
+      <a:camera prst="orthographicFront"/>
+      <a:lightRig rig="threePt" dir="t"/>
+    </dgm:scene3d>
+    <dgm:sp3d/>
+    <dgm:txPr/>
+    <dgm:style>
+      <a:lnRef idx="2">
+        <a:scrgbClr r="0" g="0" b="0"/>
+      </a:lnRef>
+      <a:fillRef idx="1">
+        <a:scrgbClr r="0" g="0" b="0"/>
+      </a:fillRef>
+      <a:effectRef idx="0">
+        <a:scrgbClr r="0" g="0" b="0"/>
+      </a:effectRef>
+      <a:fontRef idx="minor"/>
+    </dgm:style>
+  </dgm:styleLbl>
+  <dgm:styleLbl name="solidBgAcc1">
+    <dgm:scene3d>
+      <a:camera prst="orthographicFront"/>
+      <a:lightRig rig="threePt" dir="t"/>
+    </dgm:scene3d>
+    <dgm:sp3d/>
+    <dgm:txPr/>
+    <dgm:style>
+      <a:lnRef idx="2">
+        <a:scrgbClr r="0" g="0" b="0"/>
+      </a:lnRef>
+      <a:fillRef idx="1">
+        <a:scrgbClr r="0" g="0" b="0"/>
+      </a:fillRef>
+      <a:effectRef idx="0">
+        <a:scrgbClr r="0" g="0" b="0"/>
+      </a:effectRef>
+      <a:fontRef idx="minor"/>
+    </dgm:style>
+  </dgm:styleLbl>
+  <dgm:styleLbl name="fgAccFollowNode1">
+    <dgm:scene3d>
+      <a:camera prst="orthographicFront"/>
+      <a:lightRig rig="threePt" dir="t"/>
+    </dgm:scene3d>
+    <dgm:sp3d/>
+    <dgm:txPr/>
+    <dgm:style>
+      <a:lnRef idx="2">
+        <a:scrgbClr r="0" g="0" b="0"/>
+      </a:lnRef>
+      <a:fillRef idx="1">
+        <a:scrgbClr r="0" g="0" b="0"/>
+      </a:fillRef>
+      <a:effectRef idx="0">
+        <a:scrgbClr r="0" g="0" b="0"/>
+      </a:effectRef>
+      <a:fontRef idx="minor"/>
+    </dgm:style>
+  </dgm:styleLbl>
+  <dgm:styleLbl name="alignAccFollowNode1">
+    <dgm:scene3d>
+      <a:camera prst="orthographicFront"/>
+      <a:lightRig rig="threePt" dir="t"/>
+    </dgm:scene3d>
+    <dgm:sp3d/>
+    <dgm:txPr/>
+    <dgm:style>
+      <a:lnRef idx="2">
+        <a:scrgbClr r="0" g="0" b="0"/>
+      </a:lnRef>
+      <a:fillRef idx="1">
+        <a:scrgbClr r="0" g="0" b="0"/>
+      </a:fillRef>
+      <a:effectRef idx="0">
+        <a:scrgbClr r="0" g="0" b="0"/>
+      </a:effectRef>
+      <a:fontRef idx="minor"/>
+    </dgm:style>
+  </dgm:styleLbl>
+  <dgm:styleLbl name="bgAccFollowNode1">
+    <dgm:scene3d>
+      <a:camera prst="orthographicFront"/>
+      <a:lightRig rig="threePt" dir="t"/>
+    </dgm:scene3d>
+    <dgm:sp3d/>
+    <dgm:txPr/>
+    <dgm:style>
+      <a:lnRef idx="2">
+        <a:scrgbClr r="0" g="0" b="0"/>
+      </a:lnRef>
+      <a:fillRef idx="1">
+        <a:scrgbClr r="0" g="0" b="0"/>
+      </a:fillRef>
+      <a:effectRef idx="0">
+        <a:scrgbClr r="0" g="0" b="0"/>
+      </a:effectRef>
+      <a:fontRef idx="minor"/>
+    </dgm:style>
+  </dgm:styleLbl>
+  <dgm:styleLbl name="fgAcc0">
+    <dgm:scene3d>
+      <a:camera prst="orthographicFront"/>
+      <a:lightRig rig="threePt" dir="t"/>
+    </dgm:scene3d>
+    <dgm:sp3d/>
+    <dgm:txPr/>
+    <dgm:style>
+      <a:lnRef idx="2">
+        <a:scrgbClr r="0" g="0" b="0"/>
+      </a:lnRef>
+      <a:fillRef idx="1">
+        <a:scrgbClr r="0" g="0" b="0"/>
+      </a:fillRef>
+      <a:effectRef idx="0">
+        <a:scrgbClr r="0" g="0" b="0"/>
+      </a:effectRef>
+      <a:fontRef idx="minor"/>
+    </dgm:style>
+  </dgm:styleLbl>
+  <dgm:styleLbl name="fgAcc2">
+    <dgm:scene3d>
+      <a:camera prst="orthographicFront"/>
+      <a:lightRig rig="threePt" dir="t"/>
+    </dgm:scene3d>
+    <dgm:sp3d/>
+    <dgm:txPr/>
+    <dgm:style>
+      <a:lnRef idx="2">
+        <a:scrgbClr r="0" g="0" b="0"/>
+      </a:lnRef>
+      <a:fillRef idx="1">
+        <a:scrgbClr r="0" g="0" b="0"/>
+      </a:fillRef>
+      <a:effectRef idx="0">
+        <a:scrgbClr r="0" g="0" b="0"/>
+      </a:effectRef>
+      <a:fontRef idx="minor"/>
+    </dgm:style>
+  </dgm:styleLbl>
+  <dgm:styleLbl name="fgAcc3">
+    <dgm:scene3d>
+      <a:camera prst="orthographicFront"/>
+      <a:lightRig rig="threePt" dir="t"/>
+    </dgm:scene3d>
+    <dgm:sp3d/>
+    <dgm:txPr/>
+    <dgm:style>
+      <a:lnRef idx="2">
+        <a:scrgbClr r="0" g="0" b="0"/>
+      </a:lnRef>
+      <a:fillRef idx="1">
+        <a:scrgbClr r="0" g="0" b="0"/>
+      </a:fillRef>
+      <a:effectRef idx="0">
+        <a:scrgbClr r="0" g="0" b="0"/>
+      </a:effectRef>
+      <a:fontRef idx="minor"/>
+    </dgm:style>
+  </dgm:styleLbl>
+  <dgm:styleLbl name="fgAcc4">
+    <dgm:scene3d>
+      <a:camera prst="orthographicFront"/>
+      <a:lightRig rig="threePt" dir="t"/>
+    </dgm:scene3d>
+    <dgm:sp3d/>
+    <dgm:txPr/>
+    <dgm:style>
+      <a:lnRef idx="2">
+        <a:scrgbClr r="0" g="0" b="0"/>
+      </a:lnRef>
+      <a:fillRef idx="1">
+        <a:scrgbClr r="0" g="0" b="0"/>
+      </a:fillRef>
+      <a:effectRef idx="0">
+        <a:scrgbClr r="0" g="0" b="0"/>
+      </a:effectRef>
+      <a:fontRef idx="minor"/>
+    </dgm:style>
+  </dgm:styleLbl>
+  <dgm:styleLbl name="bgShp">
+    <dgm:scene3d>
+      <a:camera prst="orthographicFront"/>
+      <a:lightRig rig="threePt" dir="t"/>
+    </dgm:scene3d>
+    <dgm:sp3d/>
+    <dgm:txPr/>
+    <dgm:style>
+      <a:lnRef idx="0">
+        <a:scrgbClr r="0" g="0" b="0"/>
+      </a:lnRef>
+      <a:fillRef idx="1">
+        <a:scrgbClr r="0" g="0" b="0"/>
+      </a:fillRef>
+      <a:effectRef idx="0">
+        <a:scrgbClr r="0" g="0" b="0"/>
+      </a:effectRef>
+      <a:fontRef idx="minor"/>
+    </dgm:style>
+  </dgm:styleLbl>
+  <dgm:styleLbl name="dkBgShp">
+    <dgm:scene3d>
+      <a:camera prst="orthographicFront"/>
+      <a:lightRig rig="threePt" dir="t"/>
+    </dgm:scene3d>
+    <dgm:sp3d/>
+    <dgm:txPr/>
+    <dgm:style>
+      <a:lnRef idx="0">
+        <a:scrgbClr r="0" g="0" b="0"/>
+      </a:lnRef>
+      <a:fillRef idx="1">
+        <a:scrgbClr r="0" g="0" b="0"/>
+      </a:fillRef>
+      <a:effectRef idx="0">
+        <a:scrgbClr r="0" g="0" b="0"/>
+      </a:effectRef>
+      <a:fontRef idx="minor"/>
+    </dgm:style>
+  </dgm:styleLbl>
+  <dgm:styleLbl name="trBgShp">
+    <dgm:scene3d>
+      <a:camera prst="orthographicFront"/>
+      <a:lightRig rig="threePt" dir="t"/>
+    </dgm:scene3d>
+    <dgm:sp3d/>
+    <dgm:txPr/>
+    <dgm:style>
+      <a:lnRef idx="0">
+        <a:scrgbClr r="0" g="0" b="0"/>
+      </a:lnRef>
+      <a:fillRef idx="1">
+        <a:scrgbClr r="0" g="0" b="0"/>
+      </a:fillRef>
+      <a:effectRef idx="0">
+        <a:scrgbClr r="0" g="0" b="0"/>
+      </a:effectRef>
+      <a:fontRef idx="minor"/>
+    </dgm:style>
+  </dgm:styleLbl>
+  <dgm:styleLbl name="fgShp">
+    <dgm:scene3d>
+      <a:camera prst="orthographicFront"/>
+      <a:lightRig rig="threePt" dir="t"/>
+    </dgm:scene3d>
+    <dgm:sp3d/>
+    <dgm:txPr/>
+    <dgm:style>
+      <a:lnRef idx="2">
+        <a:scrgbClr r="0" g="0" b="0"/>
+      </a:lnRef>
+      <a:fillRef idx="1">
+        <a:scrgbClr r="0" g="0" b="0"/>
+      </a:fillRef>
+      <a:effectRef idx="0">
+        <a:scrgbClr r="0" g="0" b="0"/>
+      </a:effectRef>
+      <a:fontRef idx="minor"/>
+    </dgm:style>
+  </dgm:styleLbl>
+  <dgm:styleLbl name="revTx">
+    <dgm:scene3d>
+      <a:camera prst="orthographicFront"/>
+      <a:lightRig rig="threePt" dir="t"/>
+    </dgm:scene3d>
+    <dgm:sp3d/>
+    <dgm:txPr/>
+    <dgm:style>
+      <a:lnRef idx="0">
+        <a:scrgbClr r="0" g="0" b="0"/>
+      </a:lnRef>
+      <a:fillRef idx="0">
+        <a:scrgbClr r="0" g="0" b="0"/>
+      </a:fillRef>
+      <a:effectRef idx="0">
+        <a:scrgbClr r="0" g="0" b="0"/>
+      </a:effectRef>
+      <a:fontRef idx="minor"/>
+    </dgm:style>
+  </dgm:styleLbl>
+</dgm:styleDef>
+</file>
+
+<file path=ppt/diagrams/quickStyle4.xml><?xml version="1.0" encoding="utf-8"?>
 <dgm:styleDef xmlns:dgm="http://schemas.openxmlformats.org/drawingml/2006/diagram" xmlns:a="http://schemas.openxmlformats.org/drawingml/2006/main" uniqueId="urn:microsoft.com/office/officeart/2005/8/quickstyle/simple3">
   <dgm:title val=""/>
   <dgm:desc val=""/>
@@ -15163,7 +19449,7 @@
 </dgm:styleDef>
 </file>
 
-<file path=ppt/diagrams/quickStyle4.xml><?xml version="1.0" encoding="utf-8"?>
+<file path=ppt/diagrams/quickStyle5.xml><?xml version="1.0" encoding="utf-8"?>
 <dgm:styleDef xmlns:dgm="http://schemas.openxmlformats.org/drawingml/2006/diagram" xmlns:a="http://schemas.openxmlformats.org/drawingml/2006/main" uniqueId="urn:microsoft.com/office/officeart/2005/8/quickstyle/simple1">
   <dgm:title val=""/>
   <dgm:desc val=""/>
@@ -16344,7 +20630,7 @@
           <a:p>
             <a:fld id="{0FD695A6-BFC1-41D8-9A19-845565ACD291}" type="datetimeFigureOut">
               <a:rPr lang="pt-BR" smtClean="0"/>
-              <a:t>15/06/2020</a:t>
+              <a:t>28/06/2020</a:t>
             </a:fld>
             <a:endParaRPr lang="pt-BR"/>
           </a:p>
@@ -16542,7 +20828,7 @@
           <a:p>
             <a:fld id="{0FD695A6-BFC1-41D8-9A19-845565ACD291}" type="datetimeFigureOut">
               <a:rPr lang="pt-BR" smtClean="0"/>
-              <a:t>15/06/2020</a:t>
+              <a:t>28/06/2020</a:t>
             </a:fld>
             <a:endParaRPr lang="pt-BR"/>
           </a:p>
@@ -16750,7 +21036,7 @@
           <a:p>
             <a:fld id="{0FD695A6-BFC1-41D8-9A19-845565ACD291}" type="datetimeFigureOut">
               <a:rPr lang="pt-BR" smtClean="0"/>
-              <a:t>15/06/2020</a:t>
+              <a:t>28/06/2020</a:t>
             </a:fld>
             <a:endParaRPr lang="pt-BR"/>
           </a:p>
@@ -16948,7 +21234,7 @@
           <a:p>
             <a:fld id="{0FD695A6-BFC1-41D8-9A19-845565ACD291}" type="datetimeFigureOut">
               <a:rPr lang="pt-BR" smtClean="0"/>
-              <a:t>15/06/2020</a:t>
+              <a:t>28/06/2020</a:t>
             </a:fld>
             <a:endParaRPr lang="pt-BR"/>
           </a:p>
@@ -17223,7 +21509,7 @@
           <a:p>
             <a:fld id="{0FD695A6-BFC1-41D8-9A19-845565ACD291}" type="datetimeFigureOut">
               <a:rPr lang="pt-BR" smtClean="0"/>
-              <a:t>15/06/2020</a:t>
+              <a:t>28/06/2020</a:t>
             </a:fld>
             <a:endParaRPr lang="pt-BR"/>
           </a:p>
@@ -17488,7 +21774,7 @@
           <a:p>
             <a:fld id="{0FD695A6-BFC1-41D8-9A19-845565ACD291}" type="datetimeFigureOut">
               <a:rPr lang="pt-BR" smtClean="0"/>
-              <a:t>15/06/2020</a:t>
+              <a:t>28/06/2020</a:t>
             </a:fld>
             <a:endParaRPr lang="pt-BR"/>
           </a:p>
@@ -17900,7 +22186,7 @@
           <a:p>
             <a:fld id="{0FD695A6-BFC1-41D8-9A19-845565ACD291}" type="datetimeFigureOut">
               <a:rPr lang="pt-BR" smtClean="0"/>
-              <a:t>15/06/2020</a:t>
+              <a:t>28/06/2020</a:t>
             </a:fld>
             <a:endParaRPr lang="pt-BR"/>
           </a:p>
@@ -18041,7 +22327,7 @@
           <a:p>
             <a:fld id="{0FD695A6-BFC1-41D8-9A19-845565ACD291}" type="datetimeFigureOut">
               <a:rPr lang="pt-BR" smtClean="0"/>
-              <a:t>15/06/2020</a:t>
+              <a:t>28/06/2020</a:t>
             </a:fld>
             <a:endParaRPr lang="pt-BR"/>
           </a:p>
@@ -18154,7 +22440,7 @@
           <a:p>
             <a:fld id="{0FD695A6-BFC1-41D8-9A19-845565ACD291}" type="datetimeFigureOut">
               <a:rPr lang="pt-BR" smtClean="0"/>
-              <a:t>15/06/2020</a:t>
+              <a:t>28/06/2020</a:t>
             </a:fld>
             <a:endParaRPr lang="pt-BR"/>
           </a:p>
@@ -18465,7 +22751,7 @@
           <a:p>
             <a:fld id="{0FD695A6-BFC1-41D8-9A19-845565ACD291}" type="datetimeFigureOut">
               <a:rPr lang="pt-BR" smtClean="0"/>
-              <a:t>15/06/2020</a:t>
+              <a:t>28/06/2020</a:t>
             </a:fld>
             <a:endParaRPr lang="pt-BR"/>
           </a:p>
@@ -18753,7 +23039,7 @@
           <a:p>
             <a:fld id="{0FD695A6-BFC1-41D8-9A19-845565ACD291}" type="datetimeFigureOut">
               <a:rPr lang="pt-BR" smtClean="0"/>
-              <a:t>15/06/2020</a:t>
+              <a:t>28/06/2020</a:t>
             </a:fld>
             <a:endParaRPr lang="pt-BR"/>
           </a:p>
@@ -18994,7 +23280,7 @@
           <a:p>
             <a:fld id="{0FD695A6-BFC1-41D8-9A19-845565ACD291}" type="datetimeFigureOut">
               <a:rPr lang="pt-BR" smtClean="0"/>
-              <a:t>15/06/2020</a:t>
+              <a:t>28/06/2020</a:t>
             </a:fld>
             <a:endParaRPr lang="pt-BR"/>
           </a:p>
@@ -19735,6 +24021,64 @@
           <p:cNvPr id="4" name="Diagrama 3">
             <a:extLst>
               <a:ext uri="{FF2B5EF4-FFF2-40B4-BE49-F238E27FC236}">
+                <a16:creationId xmlns:a16="http://schemas.microsoft.com/office/drawing/2014/main" id="{519C2FA0-D5EF-4703-992D-B782FF9FFE7F}"/>
+              </a:ext>
+            </a:extLst>
+          </p:cNvPr>
+          <p:cNvGraphicFramePr/>
+          <p:nvPr>
+            <p:extLst>
+              <p:ext uri="{D42A27DB-BD31-4B8C-83A1-F6EECF244321}">
+                <p14:modId xmlns:p14="http://schemas.microsoft.com/office/powerpoint/2010/main" val="2778102376"/>
+              </p:ext>
+            </p:extLst>
+          </p:nvPr>
+        </p:nvGraphicFramePr>
+        <p:xfrm>
+          <a:off x="-1" y="719666"/>
+          <a:ext cx="11627141" cy="3132000"/>
+        </p:xfrm>
+        <a:graphic>
+          <a:graphicData uri="http://schemas.openxmlformats.org/drawingml/2006/diagram">
+            <dgm:relIds xmlns:dgm="http://schemas.openxmlformats.org/drawingml/2006/diagram" xmlns:r="http://schemas.openxmlformats.org/officeDocument/2006/relationships" r:dm="rId2" r:lo="rId3" r:qs="rId4" r:cs="rId5"/>
+          </a:graphicData>
+        </a:graphic>
+      </p:graphicFrame>
+    </p:spTree>
+    <p:extLst>
+      <p:ext uri="{BB962C8B-B14F-4D97-AF65-F5344CB8AC3E}">
+        <p14:creationId xmlns:p14="http://schemas.microsoft.com/office/powerpoint/2010/main" val="2899628690"/>
+      </p:ext>
+    </p:extLst>
+  </p:cSld>
+  <p:clrMapOvr>
+    <a:masterClrMapping/>
+  </p:clrMapOvr>
+</p:sld>
+</file>
+
+<file path=ppt/slides/slide4.xml><?xml version="1.0" encoding="utf-8"?>
+<p:sld xmlns:a="http://schemas.openxmlformats.org/drawingml/2006/main" xmlns:r="http://schemas.openxmlformats.org/officeDocument/2006/relationships" xmlns:p="http://schemas.openxmlformats.org/presentationml/2006/main">
+  <p:cSld>
+    <p:spTree>
+      <p:nvGrpSpPr>
+        <p:cNvPr id="1" name=""/>
+        <p:cNvGrpSpPr/>
+        <p:nvPr/>
+      </p:nvGrpSpPr>
+      <p:grpSpPr>
+        <a:xfrm>
+          <a:off x="0" y="0"/>
+          <a:ext cx="0" cy="0"/>
+          <a:chOff x="0" y="0"/>
+          <a:chExt cx="0" cy="0"/>
+        </a:xfrm>
+      </p:grpSpPr>
+      <p:graphicFrame>
+        <p:nvGraphicFramePr>
+          <p:cNvPr id="4" name="Diagrama 3">
+            <a:extLst>
+              <a:ext uri="{FF2B5EF4-FFF2-40B4-BE49-F238E27FC236}">
                 <a16:creationId xmlns:a16="http://schemas.microsoft.com/office/drawing/2014/main" id="{7828F473-765F-41FE-AA1D-30AF7F120512}"/>
               </a:ext>
             </a:extLst>
@@ -19743,7 +24087,7 @@
           <p:nvPr>
             <p:extLst>
               <p:ext uri="{D42A27DB-BD31-4B8C-83A1-F6EECF244321}">
-                <p14:modId xmlns:p14="http://schemas.microsoft.com/office/powerpoint/2010/main" val="3074005054"/>
+                <p14:modId xmlns:p14="http://schemas.microsoft.com/office/powerpoint/2010/main" val="1233953040"/>
               </p:ext>
             </p:extLst>
           </p:nvPr>
@@ -19771,7 +24115,7 @@
 </p:sld>
 </file>
 
-<file path=ppt/slides/slide4.xml><?xml version="1.0" encoding="utf-8"?>
+<file path=ppt/slides/slide5.xml><?xml version="1.0" encoding="utf-8"?>
 <p:sld xmlns:a="http://schemas.openxmlformats.org/drawingml/2006/main" xmlns:r="http://schemas.openxmlformats.org/officeDocument/2006/relationships" xmlns:p="http://schemas.openxmlformats.org/presentationml/2006/main">
   <p:cSld>
     <p:spTree>
@@ -21071,7 +25415,7 @@
 </p:sld>
 </file>
 
-<file path=ppt/slides/slide5.xml><?xml version="1.0" encoding="utf-8"?>
+<file path=ppt/slides/slide6.xml><?xml version="1.0" encoding="utf-8"?>
 <p:sld xmlns:a="http://schemas.openxmlformats.org/drawingml/2006/main" xmlns:r="http://schemas.openxmlformats.org/officeDocument/2006/relationships" xmlns:p="http://schemas.openxmlformats.org/presentationml/2006/main">
   <p:cSld>
     <p:spTree>
@@ -21129,7 +25473,7 @@
 </p:sld>
 </file>
 
-<file path=ppt/slides/slide6.xml><?xml version="1.0" encoding="utf-8"?>
+<file path=ppt/slides/slide7.xml><?xml version="1.0" encoding="utf-8"?>
 <p:sld xmlns:a="http://schemas.openxmlformats.org/drawingml/2006/main" xmlns:r="http://schemas.openxmlformats.org/officeDocument/2006/relationships" xmlns:p="http://schemas.openxmlformats.org/presentationml/2006/main">
   <p:cSld>
     <p:spTree>
@@ -21773,7 +26117,7 @@
 </p:sld>
 </file>
 
-<file path=ppt/slides/slide7.xml><?xml version="1.0" encoding="utf-8"?>
+<file path=ppt/slides/slide8.xml><?xml version="1.0" encoding="utf-8"?>
 <p:sld xmlns:a="http://schemas.openxmlformats.org/drawingml/2006/main" xmlns:r="http://schemas.openxmlformats.org/officeDocument/2006/relationships" xmlns:p="http://schemas.openxmlformats.org/presentationml/2006/main">
   <p:cSld>
     <p:spTree>
@@ -22078,7 +26422,7 @@
 </p:sld>
 </file>
 
-<file path=ppt/slides/slide8.xml><?xml version="1.0" encoding="utf-8"?>
+<file path=ppt/slides/slide9.xml><?xml version="1.0" encoding="utf-8"?>
 <p:sld xmlns:a="http://schemas.openxmlformats.org/drawingml/2006/main" xmlns:r="http://schemas.openxmlformats.org/officeDocument/2006/relationships" xmlns:p="http://schemas.openxmlformats.org/presentationml/2006/main">
   <p:cSld>
     <p:spTree>
